--- a/Lecture 10.pptx
+++ b/Lecture 10.pptx
@@ -5,7 +5,7 @@
     <p:sldMasterId id="2147483661" r:id="rId1"/>
   </p:sldMasterIdLst>
   <p:notesMasterIdLst>
-    <p:notesMasterId r:id="rId48"/>
+    <p:notesMasterId r:id="rId50"/>
   </p:notesMasterIdLst>
   <p:sldIdLst>
     <p:sldId id="450" r:id="rId2"/>
@@ -35,25 +35,27 @@
     <p:sldId id="749" r:id="rId26"/>
     <p:sldId id="788" r:id="rId27"/>
     <p:sldId id="796" r:id="rId28"/>
-    <p:sldId id="790" r:id="rId29"/>
-    <p:sldId id="797" r:id="rId30"/>
-    <p:sldId id="750" r:id="rId31"/>
-    <p:sldId id="757" r:id="rId32"/>
-    <p:sldId id="758" r:id="rId33"/>
-    <p:sldId id="759" r:id="rId34"/>
-    <p:sldId id="760" r:id="rId35"/>
-    <p:sldId id="761" r:id="rId36"/>
-    <p:sldId id="762" r:id="rId37"/>
-    <p:sldId id="763" r:id="rId38"/>
-    <p:sldId id="764" r:id="rId39"/>
-    <p:sldId id="765" r:id="rId40"/>
-    <p:sldId id="766" r:id="rId41"/>
-    <p:sldId id="767" r:id="rId42"/>
-    <p:sldId id="768" r:id="rId43"/>
-    <p:sldId id="798" r:id="rId44"/>
-    <p:sldId id="799" r:id="rId45"/>
-    <p:sldId id="800" r:id="rId46"/>
-    <p:sldId id="791" r:id="rId47"/>
+    <p:sldId id="801" r:id="rId29"/>
+    <p:sldId id="802" r:id="rId30"/>
+    <p:sldId id="790" r:id="rId31"/>
+    <p:sldId id="797" r:id="rId32"/>
+    <p:sldId id="750" r:id="rId33"/>
+    <p:sldId id="757" r:id="rId34"/>
+    <p:sldId id="758" r:id="rId35"/>
+    <p:sldId id="759" r:id="rId36"/>
+    <p:sldId id="760" r:id="rId37"/>
+    <p:sldId id="761" r:id="rId38"/>
+    <p:sldId id="762" r:id="rId39"/>
+    <p:sldId id="763" r:id="rId40"/>
+    <p:sldId id="764" r:id="rId41"/>
+    <p:sldId id="765" r:id="rId42"/>
+    <p:sldId id="766" r:id="rId43"/>
+    <p:sldId id="767" r:id="rId44"/>
+    <p:sldId id="768" r:id="rId45"/>
+    <p:sldId id="798" r:id="rId46"/>
+    <p:sldId id="799" r:id="rId47"/>
+    <p:sldId id="800" r:id="rId48"/>
+    <p:sldId id="791" r:id="rId49"/>
   </p:sldIdLst>
   <p:sldSz cx="9144000" cy="6858000" type="screen4x3"/>
   <p:notesSz cx="6858000" cy="9144000"/>
@@ -154,7 +156,7 @@
   </p:defaultTextStyle>
   <p:extLst>
     <p:ext uri="{EFAFB233-063F-42B5-8137-9DF3F51BA10A}">
-      <p15:sldGuideLst xmlns="" xmlns:p15="http://schemas.microsoft.com/office/powerpoint/2012/main">
+      <p15:sldGuideLst xmlns:p15="http://schemas.microsoft.com/office/powerpoint/2012/main">
         <p15:guide id="1" orient="horz" pos="2160">
           <p15:clr>
             <a:srgbClr val="A4A3A4"/>
@@ -254,7 +256,7 @@
             <a:fld id="{24062D1A-DA54-4685-8002-55FBD68B6A27}" type="datetimeFigureOut">
               <a:rPr lang="en-US" smtClean="0"/>
               <a:pPr/>
-              <a:t>11/26/2019</a:t>
+              <a:t>8/23/2022</a:t>
             </a:fld>
             <a:endParaRPr lang="en-US"/>
           </a:p>
@@ -318,38 +320,37 @@
           <a:p>
             <a:pPr lvl="0"/>
             <a:r>
-              <a:rPr lang="en-US" smtClean="0"/>
+              <a:rPr lang="en-US"/>
               <a:t>Click to edit Master text styles</a:t>
             </a:r>
           </a:p>
           <a:p>
             <a:pPr lvl="1"/>
             <a:r>
-              <a:rPr lang="en-US" smtClean="0"/>
+              <a:rPr lang="en-US"/>
               <a:t>Second level</a:t>
             </a:r>
           </a:p>
           <a:p>
             <a:pPr lvl="2"/>
             <a:r>
-              <a:rPr lang="en-US" smtClean="0"/>
+              <a:rPr lang="en-US"/>
               <a:t>Third level</a:t>
             </a:r>
           </a:p>
           <a:p>
             <a:pPr lvl="3"/>
             <a:r>
-              <a:rPr lang="en-US" smtClean="0"/>
+              <a:rPr lang="en-US"/>
               <a:t>Fourth level</a:t>
             </a:r>
           </a:p>
           <a:p>
             <a:pPr lvl="4"/>
             <a:r>
-              <a:rPr lang="en-US" smtClean="0"/>
+              <a:rPr lang="en-US"/>
               <a:t>Fifth level</a:t>
             </a:r>
-            <a:endParaRPr lang="en-US"/>
           </a:p>
         </p:txBody>
       </p:sp>
@@ -752,7 +753,7 @@
           <a:bodyPr/>
           <a:lstStyle/>
           <a:p>
-            <a:endParaRPr lang="en-US" dirty="0" smtClean="0">
+            <a:endParaRPr lang="en-US" dirty="0">
               <a:latin typeface="Arial" pitchFamily="34" charset="0"/>
             </a:endParaRPr>
           </a:p>
@@ -816,81 +817,81 @@
           <a:lstStyle/>
           <a:p>
             <a:r>
-              <a:rPr lang="en-US" dirty="0" smtClean="0"/>
+              <a:rPr lang="en-US" dirty="0"/>
               <a:t>Here are some of the data structures we have studied so </a:t>
             </a:r>
             <a:r>
-              <a:rPr lang="en-US" dirty="0" err="1" smtClean="0"/>
+              <a:rPr lang="en-US" dirty="0" err="1"/>
               <a:t>far:Compare</a:t>
             </a:r>
             <a:r>
-              <a:rPr lang="en-US" dirty="0" smtClean="0"/>
+              <a:rPr lang="en-US" dirty="0"/>
               <a:t> to linked lists, trees are non-linear data structures. </a:t>
             </a:r>
           </a:p>
           <a:p>
-            <a:endParaRPr lang="en-US" dirty="0" smtClean="0"/>
-          </a:p>
-          <a:p>
-            <a:r>
-              <a:rPr lang="en-US" dirty="0" smtClean="0"/>
+            <a:endParaRPr lang="en-US" dirty="0"/>
+          </a:p>
+          <a:p>
+            <a:r>
+              <a:rPr lang="en-US" dirty="0"/>
               <a:t>In a linked list, each node has a link which points to another node. </a:t>
             </a:r>
           </a:p>
           <a:p>
-            <a:endParaRPr lang="en-US" dirty="0" smtClean="0"/>
-          </a:p>
-          <a:p>
-            <a:r>
-              <a:rPr lang="en-US" dirty="0" smtClean="0"/>
+            <a:endParaRPr lang="en-US" dirty="0"/>
+          </a:p>
+          <a:p>
+            <a:r>
+              <a:rPr lang="en-US" dirty="0"/>
               <a:t>In a tree structure, however, each node may point to several nodes, which may in turn point to several other nodes. </a:t>
             </a:r>
           </a:p>
           <a:p>
-            <a:endParaRPr lang="en-US" dirty="0" smtClean="0"/>
-          </a:p>
-          <a:p>
-            <a:r>
-              <a:rPr lang="en-US" dirty="0" smtClean="0"/>
+            <a:endParaRPr lang="en-US" dirty="0"/>
+          </a:p>
+          <a:p>
+            <a:r>
+              <a:rPr lang="en-US" dirty="0"/>
               <a:t>Thus, a tree is a very flexible and a powerful data structure that can be used for a wide variety of applications</a:t>
             </a:r>
           </a:p>
           <a:p>
             <a:pPr lvl="1"/>
             <a:r>
-              <a:rPr lang="en-US" dirty="0" smtClean="0"/>
+              <a:rPr lang="en-US" dirty="0"/>
               <a:t>Arrays</a:t>
             </a:r>
           </a:p>
           <a:p>
             <a:pPr lvl="1"/>
             <a:r>
-              <a:rPr lang="en-US" dirty="0" smtClean="0"/>
+              <a:rPr lang="en-US" dirty="0"/>
               <a:t>Singly-linked lists and doubly-linked lists</a:t>
             </a:r>
           </a:p>
           <a:p>
             <a:pPr lvl="1"/>
             <a:r>
-              <a:rPr lang="en-US" dirty="0" smtClean="0"/>
+              <a:rPr lang="en-US" dirty="0"/>
               <a:t>Stacks, queues, and </a:t>
             </a:r>
             <a:r>
-              <a:rPr lang="en-US" dirty="0" err="1" smtClean="0"/>
+              <a:rPr lang="en-US" dirty="0" err="1"/>
               <a:t>deques</a:t>
             </a:r>
-            <a:endParaRPr lang="en-US" dirty="0" smtClean="0"/>
+            <a:endParaRPr lang="en-US" dirty="0"/>
           </a:p>
           <a:p>
             <a:pPr lvl="1"/>
             <a:r>
-              <a:rPr lang="en-US" dirty="0" smtClean="0"/>
+              <a:rPr lang="en-US" dirty="0"/>
               <a:t>Sets</a:t>
             </a:r>
           </a:p>
           <a:p>
             <a:r>
-              <a:rPr lang="en-US" dirty="0" smtClean="0"/>
+              <a:rPr lang="en-US" dirty="0"/>
               <a:t>These all have the property that their elements can be adequately displayed in a straight line</a:t>
             </a:r>
           </a:p>
@@ -981,18 +982,17 @@
           <a:lstStyle/>
           <a:p>
             <a:r>
-              <a:rPr lang="en-US" dirty="0" smtClean="0"/>
+              <a:rPr lang="en-US" dirty="0"/>
               <a:t>Given a binary search tree and a "target" value, search the tree to see if it contains the target. The basic pattern of the lookup() code occurs in many recursive tree algorithms: deal with the base case where the tree is empty, deal with the current node, and then use recursion to deal with the </a:t>
             </a:r>
             <a:r>
-              <a:rPr lang="en-US" dirty="0" err="1" smtClean="0"/>
+              <a:rPr lang="en-US" dirty="0" err="1"/>
               <a:t>subtrees</a:t>
             </a:r>
             <a:r>
-              <a:rPr lang="en-US" dirty="0" smtClean="0"/>
+              <a:rPr lang="en-US" dirty="0"/>
               <a:t>. If the tree is a binary search tree, there is often some sort of less-than test on the node to decide if the recursion should go left or right. </a:t>
             </a:r>
-            <a:endParaRPr lang="en-US" dirty="0"/>
           </a:p>
         </p:txBody>
       </p:sp>
@@ -2702,7 +2702,7 @@
           </a:lstStyle>
           <a:p>
             <a:r>
-              <a:rPr lang="en-US" smtClean="0"/>
+              <a:rPr lang="en-US"/>
               <a:t>Click to edit Master title style</a:t>
             </a:r>
             <a:endParaRPr lang="en-US" dirty="0"/>
@@ -2821,7 +2821,7 @@
           </a:lstStyle>
           <a:p>
             <a:r>
-              <a:rPr lang="en-US" smtClean="0"/>
+              <a:rPr lang="en-US"/>
               <a:t>Click to edit Master subtitle style</a:t>
             </a:r>
             <a:endParaRPr lang="en-US" dirty="0"/>
@@ -2846,7 +2846,7 @@
             <a:fld id="{022A371E-242E-4289-8238-D340BF7086A6}" type="datetime1">
               <a:rPr lang="en-US" smtClean="0"/>
               <a:pPr/>
-              <a:t>11/26/2019</a:t>
+              <a:t>8/23/2022</a:t>
             </a:fld>
             <a:endParaRPr lang="en-US"/>
           </a:p>
@@ -2936,10 +2936,9 @@
           <a:lstStyle/>
           <a:p>
             <a:r>
-              <a:rPr lang="en-US" smtClean="0"/>
+              <a:rPr lang="en-US"/>
               <a:t>Click to edit Master title style</a:t>
             </a:r>
-            <a:endParaRPr lang="en-US"/>
           </a:p>
         </p:txBody>
       </p:sp>
@@ -2976,38 +2975,37 @@
           <a:p>
             <a:pPr lvl="0"/>
             <a:r>
-              <a:rPr lang="en-US" smtClean="0"/>
+              <a:rPr lang="en-US"/>
               <a:t>Click to edit Master text styles</a:t>
             </a:r>
           </a:p>
           <a:p>
             <a:pPr lvl="1"/>
             <a:r>
-              <a:rPr lang="en-US" smtClean="0"/>
+              <a:rPr lang="en-US"/>
               <a:t>Second level</a:t>
             </a:r>
           </a:p>
           <a:p>
             <a:pPr lvl="2"/>
             <a:r>
-              <a:rPr lang="en-US" smtClean="0"/>
+              <a:rPr lang="en-US"/>
               <a:t>Third level</a:t>
             </a:r>
           </a:p>
           <a:p>
             <a:pPr lvl="3"/>
             <a:r>
-              <a:rPr lang="en-US" smtClean="0"/>
+              <a:rPr lang="en-US"/>
               <a:t>Fourth level</a:t>
             </a:r>
           </a:p>
           <a:p>
             <a:pPr lvl="4"/>
             <a:r>
-              <a:rPr lang="en-US" smtClean="0"/>
+              <a:rPr lang="en-US"/>
               <a:t>Fifth level</a:t>
             </a:r>
-            <a:endParaRPr lang="en-US"/>
           </a:p>
         </p:txBody>
       </p:sp>
@@ -3029,7 +3027,7 @@
             <a:fld id="{E953C488-3941-4959-A287-C9CA202F1A64}" type="datetime1">
               <a:rPr lang="en-US" smtClean="0"/>
               <a:pPr/>
-              <a:t>11/26/2019</a:t>
+              <a:t>8/23/2022</a:t>
             </a:fld>
             <a:endParaRPr lang="en-US"/>
           </a:p>
@@ -3182,7 +3180,7 @@
             <a:fld id="{701CC3A1-4EC8-41F1-B535-1D6A0D6DA706}" type="datetime1">
               <a:rPr lang="en-US" smtClean="0"/>
               <a:pPr/>
-              <a:t>11/26/2019</a:t>
+              <a:t>8/23/2022</a:t>
             </a:fld>
             <a:endParaRPr lang="en-US"/>
           </a:p>
@@ -4820,7 +4818,7 @@
           </a:lstStyle>
           <a:p>
             <a:r>
-              <a:rPr lang="en-US" smtClean="0"/>
+              <a:rPr lang="en-US"/>
               <a:t>Click to edit Master title style</a:t>
             </a:r>
             <a:endParaRPr lang="en-US" dirty="0"/>
@@ -4880,35 +4878,35 @@
           <a:p>
             <a:pPr lvl="0"/>
             <a:r>
-              <a:rPr lang="en-US" smtClean="0"/>
+              <a:rPr lang="en-US"/>
               <a:t>Click to edit Master text styles</a:t>
             </a:r>
           </a:p>
           <a:p>
             <a:pPr lvl="1"/>
             <a:r>
-              <a:rPr lang="en-US" smtClean="0"/>
+              <a:rPr lang="en-US"/>
               <a:t>Second level</a:t>
             </a:r>
           </a:p>
           <a:p>
             <a:pPr lvl="2"/>
             <a:r>
-              <a:rPr lang="en-US" smtClean="0"/>
+              <a:rPr lang="en-US"/>
               <a:t>Third level</a:t>
             </a:r>
           </a:p>
           <a:p>
             <a:pPr lvl="3"/>
             <a:r>
-              <a:rPr lang="en-US" smtClean="0"/>
+              <a:rPr lang="en-US"/>
               <a:t>Fourth level</a:t>
             </a:r>
           </a:p>
           <a:p>
             <a:pPr lvl="4"/>
             <a:r>
-              <a:rPr lang="en-US" smtClean="0"/>
+              <a:rPr lang="en-US"/>
               <a:t>Fifth level</a:t>
             </a:r>
             <a:endParaRPr lang="en-US" dirty="0"/>
@@ -4957,38 +4955,37 @@
           <a:p>
             <a:pPr lvl="0"/>
             <a:r>
-              <a:rPr lang="en-US" smtClean="0"/>
+              <a:rPr lang="en-US"/>
               <a:t>Click to edit Master text styles</a:t>
             </a:r>
           </a:p>
           <a:p>
             <a:pPr lvl="1"/>
             <a:r>
-              <a:rPr lang="en-US" smtClean="0"/>
+              <a:rPr lang="en-US"/>
               <a:t>Second level</a:t>
             </a:r>
           </a:p>
           <a:p>
             <a:pPr lvl="2"/>
             <a:r>
-              <a:rPr lang="en-US" smtClean="0"/>
+              <a:rPr lang="en-US"/>
               <a:t>Third level</a:t>
             </a:r>
           </a:p>
           <a:p>
             <a:pPr lvl="3"/>
             <a:r>
-              <a:rPr lang="en-US" smtClean="0"/>
+              <a:rPr lang="en-US"/>
               <a:t>Fourth level</a:t>
             </a:r>
           </a:p>
           <a:p>
             <a:pPr lvl="4"/>
             <a:r>
-              <a:rPr lang="en-US" smtClean="0"/>
+              <a:rPr lang="en-US"/>
               <a:t>Fifth level</a:t>
             </a:r>
-            <a:endParaRPr lang="en-US"/>
           </a:p>
         </p:txBody>
       </p:sp>
@@ -5010,7 +5007,7 @@
             <a:fld id="{61B42B9F-37A6-4625-886C-E5A02FC2D607}" type="datetime1">
               <a:rPr lang="en-US" smtClean="0"/>
               <a:pPr/>
-              <a:t>11/26/2019</a:t>
+              <a:t>8/23/2022</a:t>
             </a:fld>
             <a:endParaRPr lang="en-US"/>
           </a:p>
@@ -5075,10 +5072,9 @@
           <a:lstStyle/>
           <a:p>
             <a:r>
-              <a:rPr lang="en-US" smtClean="0"/>
+              <a:rPr lang="en-US"/>
               <a:t>Click to edit Master title style</a:t>
             </a:r>
-            <a:endParaRPr lang="en-US"/>
           </a:p>
         </p:txBody>
       </p:sp>
@@ -6738,7 +6734,7 @@
           </a:lstStyle>
           <a:p>
             <a:r>
-              <a:rPr lang="en-US" smtClean="0"/>
+              <a:rPr lang="en-US"/>
               <a:t>Click to edit Master title style</a:t>
             </a:r>
             <a:endParaRPr lang="en-US" dirty="0"/>
@@ -6858,7 +6854,7 @@
           <a:p>
             <a:pPr lvl="0"/>
             <a:r>
-              <a:rPr lang="en-US" smtClean="0"/>
+              <a:rPr lang="en-US"/>
               <a:t>Click to edit Master text styles</a:t>
             </a:r>
           </a:p>
@@ -6882,7 +6878,7 @@
             <a:fld id="{40A438F6-8B04-4EC6-9398-4D2B70C99CF8}" type="datetime1">
               <a:rPr lang="en-US" smtClean="0"/>
               <a:pPr/>
-              <a:t>11/26/2019</a:t>
+              <a:t>8/23/2022</a:t>
             </a:fld>
             <a:endParaRPr lang="en-US"/>
           </a:p>
@@ -6972,10 +6968,9 @@
           <a:lstStyle/>
           <a:p>
             <a:r>
-              <a:rPr lang="en-US" smtClean="0"/>
+              <a:rPr lang="en-US"/>
               <a:t>Click to edit Master title style</a:t>
             </a:r>
-            <a:endParaRPr lang="en-US"/>
           </a:p>
         </p:txBody>
       </p:sp>
@@ -6997,7 +6992,7 @@
             <a:fld id="{431456E1-BBD4-4DD8-B581-668B3191C559}" type="datetime1">
               <a:rPr lang="en-US" smtClean="0"/>
               <a:pPr/>
-              <a:t>11/26/2019</a:t>
+              <a:t>8/23/2022</a:t>
             </a:fld>
             <a:endParaRPr lang="en-US"/>
           </a:p>
@@ -7068,38 +7063,37 @@
           <a:p>
             <a:pPr lvl="0"/>
             <a:r>
-              <a:rPr lang="en-US" smtClean="0"/>
+              <a:rPr lang="en-US"/>
               <a:t>Click to edit Master text styles</a:t>
             </a:r>
           </a:p>
           <a:p>
             <a:pPr lvl="1"/>
             <a:r>
-              <a:rPr lang="en-US" smtClean="0"/>
+              <a:rPr lang="en-US"/>
               <a:t>Second level</a:t>
             </a:r>
           </a:p>
           <a:p>
             <a:pPr lvl="2"/>
             <a:r>
-              <a:rPr lang="en-US" smtClean="0"/>
+              <a:rPr lang="en-US"/>
               <a:t>Third level</a:t>
             </a:r>
           </a:p>
           <a:p>
             <a:pPr lvl="3"/>
             <a:r>
-              <a:rPr lang="en-US" smtClean="0"/>
+              <a:rPr lang="en-US"/>
               <a:t>Fourth level</a:t>
             </a:r>
           </a:p>
           <a:p>
             <a:pPr lvl="4"/>
             <a:r>
-              <a:rPr lang="en-US" smtClean="0"/>
+              <a:rPr lang="en-US"/>
               <a:t>Fifth level</a:t>
             </a:r>
-            <a:endParaRPr lang="en-US"/>
           </a:p>
         </p:txBody>
       </p:sp>
@@ -7125,38 +7119,37 @@
           <a:p>
             <a:pPr lvl="0"/>
             <a:r>
-              <a:rPr lang="en-US" smtClean="0"/>
+              <a:rPr lang="en-US"/>
               <a:t>Click to edit Master text styles</a:t>
             </a:r>
           </a:p>
           <a:p>
             <a:pPr lvl="1"/>
             <a:r>
-              <a:rPr lang="en-US" smtClean="0"/>
+              <a:rPr lang="en-US"/>
               <a:t>Second level</a:t>
             </a:r>
           </a:p>
           <a:p>
             <a:pPr lvl="2"/>
             <a:r>
-              <a:rPr lang="en-US" smtClean="0"/>
+              <a:rPr lang="en-US"/>
               <a:t>Third level</a:t>
             </a:r>
           </a:p>
           <a:p>
             <a:pPr lvl="3"/>
             <a:r>
-              <a:rPr lang="en-US" smtClean="0"/>
+              <a:rPr lang="en-US"/>
               <a:t>Fourth level</a:t>
             </a:r>
           </a:p>
           <a:p>
             <a:pPr lvl="4"/>
             <a:r>
-              <a:rPr lang="en-US" smtClean="0"/>
+              <a:rPr lang="en-US"/>
               <a:t>Fifth level</a:t>
             </a:r>
-            <a:endParaRPr lang="en-US"/>
           </a:p>
         </p:txBody>
       </p:sp>
@@ -7205,10 +7198,9 @@
           </a:lstStyle>
           <a:p>
             <a:r>
-              <a:rPr lang="en-US" smtClean="0"/>
+              <a:rPr lang="en-US"/>
               <a:t>Click to edit Master title style</a:t>
             </a:r>
-            <a:endParaRPr lang="en-US"/>
           </a:p>
         </p:txBody>
       </p:sp>
@@ -7276,7 +7268,7 @@
           <a:p>
             <a:pPr lvl="0"/>
             <a:r>
-              <a:rPr lang="en-US" smtClean="0"/>
+              <a:rPr lang="en-US"/>
               <a:t>Click to edit Master text styles</a:t>
             </a:r>
           </a:p>
@@ -7332,35 +7324,35 @@
           <a:p>
             <a:pPr lvl="0"/>
             <a:r>
-              <a:rPr lang="en-US" smtClean="0"/>
+              <a:rPr lang="en-US"/>
               <a:t>Click to edit Master text styles</a:t>
             </a:r>
           </a:p>
           <a:p>
             <a:pPr lvl="1"/>
             <a:r>
-              <a:rPr lang="en-US" smtClean="0"/>
+              <a:rPr lang="en-US"/>
               <a:t>Second level</a:t>
             </a:r>
           </a:p>
           <a:p>
             <a:pPr lvl="2"/>
             <a:r>
-              <a:rPr lang="en-US" smtClean="0"/>
+              <a:rPr lang="en-US"/>
               <a:t>Third level</a:t>
             </a:r>
           </a:p>
           <a:p>
             <a:pPr lvl="3"/>
             <a:r>
-              <a:rPr lang="en-US" smtClean="0"/>
+              <a:rPr lang="en-US"/>
               <a:t>Fourth level</a:t>
             </a:r>
           </a:p>
           <a:p>
             <a:pPr lvl="4"/>
             <a:r>
-              <a:rPr lang="en-US" smtClean="0"/>
+              <a:rPr lang="en-US"/>
               <a:t>Fifth level</a:t>
             </a:r>
             <a:endParaRPr lang="en-US" dirty="0"/>
@@ -7431,7 +7423,7 @@
           <a:p>
             <a:pPr lvl="0"/>
             <a:r>
-              <a:rPr lang="en-US" smtClean="0"/>
+              <a:rPr lang="en-US"/>
               <a:t>Click to edit Master text styles</a:t>
             </a:r>
           </a:p>
@@ -7487,35 +7479,35 @@
           <a:p>
             <a:pPr lvl="0"/>
             <a:r>
-              <a:rPr lang="en-US" smtClean="0"/>
+              <a:rPr lang="en-US"/>
               <a:t>Click to edit Master text styles</a:t>
             </a:r>
           </a:p>
           <a:p>
             <a:pPr lvl="1"/>
             <a:r>
-              <a:rPr lang="en-US" smtClean="0"/>
+              <a:rPr lang="en-US"/>
               <a:t>Second level</a:t>
             </a:r>
           </a:p>
           <a:p>
             <a:pPr lvl="2"/>
             <a:r>
-              <a:rPr lang="en-US" smtClean="0"/>
+              <a:rPr lang="en-US"/>
               <a:t>Third level</a:t>
             </a:r>
           </a:p>
           <a:p>
             <a:pPr lvl="3"/>
             <a:r>
-              <a:rPr lang="en-US" smtClean="0"/>
+              <a:rPr lang="en-US"/>
               <a:t>Fourth level</a:t>
             </a:r>
           </a:p>
           <a:p>
             <a:pPr lvl="4"/>
             <a:r>
-              <a:rPr lang="en-US" smtClean="0"/>
+              <a:rPr lang="en-US"/>
               <a:t>Fifth level</a:t>
             </a:r>
             <a:endParaRPr lang="en-US" dirty="0"/>
@@ -7540,7 +7532,7 @@
             <a:fld id="{E3935681-9D81-485A-ADCE-9310AFA78F37}" type="datetime1">
               <a:rPr lang="en-US" smtClean="0"/>
               <a:pPr/>
-              <a:t>11/26/2019</a:t>
+              <a:t>8/23/2022</a:t>
             </a:fld>
             <a:endParaRPr lang="en-US"/>
           </a:p>
@@ -7630,10 +7622,9 @@
           <a:lstStyle/>
           <a:p>
             <a:r>
-              <a:rPr lang="en-US" smtClean="0"/>
+              <a:rPr lang="en-US"/>
               <a:t>Click to edit Master title style</a:t>
             </a:r>
-            <a:endParaRPr lang="en-US"/>
           </a:p>
         </p:txBody>
       </p:sp>
@@ -7655,7 +7646,7 @@
             <a:fld id="{5ADF4A9C-A2DD-4EF8-A291-5DA7998BFFFA}" type="datetime1">
               <a:rPr lang="en-US" smtClean="0"/>
               <a:pPr/>
-              <a:t>11/26/2019</a:t>
+              <a:t>8/23/2022</a:t>
             </a:fld>
             <a:endParaRPr lang="en-US"/>
           </a:p>
@@ -9368,7 +9359,7 @@
             <a:fld id="{3F9884C2-6CFB-4A89-A910-D50CEB2781BC}" type="datetime1">
               <a:rPr lang="en-US" smtClean="0"/>
               <a:pPr/>
-              <a:t>11/26/2019</a:t>
+              <a:t>8/23/2022</a:t>
             </a:fld>
             <a:endParaRPr lang="en-US"/>
           </a:p>
@@ -9521,7 +9512,7 @@
             <a:fld id="{C68F662F-E021-4442-B485-E317B6953F30}" type="datetime1">
               <a:rPr lang="en-US" smtClean="0"/>
               <a:pPr/>
-              <a:t>11/26/2019</a:t>
+              <a:t>8/23/2022</a:t>
             </a:fld>
             <a:endParaRPr lang="en-US"/>
           </a:p>
@@ -9641,7 +9632,7 @@
           <a:p>
             <a:pPr lvl="0"/>
             <a:r>
-              <a:rPr lang="en-US" smtClean="0"/>
+              <a:rPr lang="en-US"/>
               <a:t>Click to edit Master text styles</a:t>
             </a:r>
           </a:p>
@@ -11238,7 +11229,7 @@
           </a:lstStyle>
           <a:p>
             <a:r>
-              <a:rPr lang="en-US" smtClean="0"/>
+              <a:rPr lang="en-US"/>
               <a:t>Click to edit Master title style</a:t>
             </a:r>
             <a:endParaRPr lang="en-US" dirty="0"/>
@@ -11330,35 +11321,35 @@
           <a:p>
             <a:pPr lvl="0"/>
             <a:r>
-              <a:rPr lang="en-US" smtClean="0"/>
+              <a:rPr lang="en-US"/>
               <a:t>Click to edit Master text styles</a:t>
             </a:r>
           </a:p>
           <a:p>
             <a:pPr lvl="1"/>
             <a:r>
-              <a:rPr lang="en-US" smtClean="0"/>
+              <a:rPr lang="en-US"/>
               <a:t>Second level</a:t>
             </a:r>
           </a:p>
           <a:p>
             <a:pPr lvl="2"/>
             <a:r>
-              <a:rPr lang="en-US" smtClean="0"/>
+              <a:rPr lang="en-US"/>
               <a:t>Third level</a:t>
             </a:r>
           </a:p>
           <a:p>
             <a:pPr lvl="3"/>
             <a:r>
-              <a:rPr lang="en-US" smtClean="0"/>
+              <a:rPr lang="en-US"/>
               <a:t>Fourth level</a:t>
             </a:r>
           </a:p>
           <a:p>
             <a:pPr lvl="4"/>
             <a:r>
-              <a:rPr lang="en-US" smtClean="0"/>
+              <a:rPr lang="en-US"/>
               <a:t>Fifth level</a:t>
             </a:r>
             <a:endParaRPr lang="en-US" dirty="0"/>
@@ -13042,7 +13033,7 @@
           </a:lstStyle>
           <a:p>
             <a:r>
-              <a:rPr lang="en-US" smtClean="0"/>
+              <a:rPr lang="en-US"/>
               <a:t>Click to edit Master title style</a:t>
             </a:r>
             <a:endParaRPr lang="en-US" dirty="0"/>
@@ -13114,7 +13105,7 @@
           <a:p>
             <a:pPr lvl="0"/>
             <a:r>
-              <a:rPr lang="en-US" smtClean="0"/>
+              <a:rPr lang="en-US"/>
               <a:t>Click to edit Master text styles</a:t>
             </a:r>
           </a:p>
@@ -13138,7 +13129,7 @@
             <a:fld id="{2942AA8B-2BBA-4CC7-A589-11F486F11EC8}" type="datetime1">
               <a:rPr lang="en-US" smtClean="0"/>
               <a:pPr/>
-              <a:t>11/26/2019</a:t>
+              <a:t>8/23/2022</a:t>
             </a:fld>
             <a:endParaRPr lang="en-US"/>
           </a:p>
@@ -13274,7 +13265,7 @@
           </a:lstStyle>
           <a:p>
             <a:r>
-              <a:rPr lang="en-US" smtClean="0"/>
+              <a:rPr lang="en-US"/>
               <a:t>Click icon to add picture</a:t>
             </a:r>
             <a:endParaRPr lang="en-US" dirty="0"/>
@@ -14958,7 +14949,7 @@
           <a:lstStyle/>
           <a:p>
             <a:r>
-              <a:rPr lang="en-US" smtClean="0"/>
+              <a:rPr lang="en-US"/>
               <a:t>Click to edit Master title style</a:t>
             </a:r>
             <a:endParaRPr lang="en-US" dirty="0"/>
@@ -14999,7 +14990,7 @@
             <a:fld id="{CB0FD7FA-AC66-4FAD-AC57-44315AE687CC}" type="datetime1">
               <a:rPr lang="en-US" smtClean="0"/>
               <a:pPr/>
-              <a:t>11/26/2019</a:t>
+              <a:t>8/23/2022</a:t>
             </a:fld>
             <a:endParaRPr lang="en-US"/>
           </a:p>
@@ -15107,35 +15098,35 @@
           <a:p>
             <a:pPr lvl="0"/>
             <a:r>
-              <a:rPr lang="en-US" smtClean="0"/>
+              <a:rPr lang="en-US"/>
               <a:t>Click to edit Master text styles</a:t>
             </a:r>
           </a:p>
           <a:p>
             <a:pPr lvl="1"/>
             <a:r>
-              <a:rPr lang="en-US" smtClean="0"/>
+              <a:rPr lang="en-US"/>
               <a:t>Second level</a:t>
             </a:r>
           </a:p>
           <a:p>
             <a:pPr lvl="2"/>
             <a:r>
-              <a:rPr lang="en-US" smtClean="0"/>
+              <a:rPr lang="en-US"/>
               <a:t>Third level</a:t>
             </a:r>
           </a:p>
           <a:p>
             <a:pPr lvl="3"/>
             <a:r>
-              <a:rPr lang="en-US" smtClean="0"/>
+              <a:rPr lang="en-US"/>
               <a:t>Fourth level</a:t>
             </a:r>
           </a:p>
           <a:p>
             <a:pPr lvl="4"/>
             <a:r>
-              <a:rPr lang="en-US" smtClean="0"/>
+              <a:rPr lang="en-US"/>
               <a:t>Fifth level</a:t>
             </a:r>
             <a:endParaRPr lang="en-US" dirty="0"/>
@@ -15701,37 +15692,25 @@
           <a:lstStyle/>
           <a:p>
             <a:r>
-              <a:rPr lang="en-US" b="1" dirty="0" smtClean="0"/>
+              <a:rPr lang="en-US" b="1" dirty="0"/>
               <a:t>Binary Search Tree</a:t>
             </a:r>
             <a:br>
-              <a:rPr lang="en-US" b="1" dirty="0" smtClean="0"/>
+              <a:rPr lang="en-US" b="1" dirty="0"/>
             </a:br>
-            <a:r>
-              <a:rPr lang="en-US" b="1" dirty="0" smtClean="0"/>
-              <a:t/>
-            </a:r>
             <a:br>
-              <a:rPr lang="en-US" b="1" dirty="0" smtClean="0"/>
+              <a:rPr lang="en-US" b="1" dirty="0"/>
             </a:br>
             <a:r>
-              <a:rPr lang="en-US" b="1" dirty="0" smtClean="0"/>
+              <a:rPr lang="en-US" b="1" dirty="0"/>
               <a:t>				</a:t>
             </a:r>
-            <a:r>
-              <a:rPr lang="en-US" sz="3100" b="1" dirty="0" smtClean="0"/>
-              <a:t/>
-            </a:r>
             <a:br>
-              <a:rPr lang="en-US" sz="3100" b="1" dirty="0" smtClean="0"/>
+              <a:rPr lang="en-US" sz="3100" b="1" dirty="0"/>
             </a:br>
             <a:r>
-              <a:rPr lang="en-US" sz="3200" dirty="0" smtClean="0"/>
+              <a:rPr lang="en-US" sz="3200" dirty="0"/>
               <a:t>Lecture 10</a:t>
-            </a:r>
-            <a:r>
-              <a:rPr lang="en-US" sz="3200" dirty="0"/>
-              <a:t/>
             </a:r>
             <a:br>
               <a:rPr lang="en-US" sz="3200" dirty="0"/>
@@ -15750,21 +15729,6 @@
   <p:clrMapOvr>
     <a:masterClrMapping/>
   </p:clrMapOvr>
-  <mc:AlternateContent xmlns:mc="http://schemas.openxmlformats.org/markup-compatibility/2006" xmlns:p14="http://schemas.microsoft.com/office/powerpoint/2010/main">
-    <mc:Choice Requires="p14">
-      <p:transition spd="slow" p14:dur="2000"/>
-    </mc:Choice>
-    <mc:Fallback xmlns="">
-      <p:transition spd="slow"/>
-    </mc:Fallback>
-  </mc:AlternateContent>
-  <p:timing>
-    <p:tnLst>
-      <p:par>
-        <p:cTn id="1" dur="indefinite" restart="never" nodeType="tmRoot"/>
-      </p:par>
-    </p:tnLst>
-  </p:timing>
 </p:sld>
 </file>
 
@@ -15945,7 +15909,7 @@
               <a:rPr lang="en-US" b="1" dirty="0"/>
               <a:t>Operation - Insert</a:t>
             </a:r>
-            <a:endParaRPr lang="en-US" altLang="ko-KR" dirty="0" smtClean="0"/>
+            <a:endParaRPr lang="en-US" altLang="ko-KR" dirty="0"/>
           </a:p>
         </p:txBody>
       </p:sp>
@@ -15977,19 +15941,11 @@
             </a:pPr>
             <a:r>
               <a:rPr lang="en-US" sz="2200" b="1" dirty="0"/>
-              <a:t>Step1: </a:t>
-            </a:r>
-            <a:r>
-              <a:rPr lang="en-US" sz="2200" b="1" dirty="0" smtClean="0"/>
-              <a:t>	</a:t>
-            </a:r>
-            <a:r>
-              <a:rPr lang="en-US" sz="2200" dirty="0" smtClean="0"/>
-              <a:t>if </a:t>
+              <a:t>Step1: 	</a:t>
             </a:r>
             <a:r>
               <a:rPr lang="en-US" sz="2200" dirty="0"/>
-              <a:t>the tree is empty,</a:t>
+              <a:t>if the tree is empty,</a:t>
             </a:r>
           </a:p>
           <a:p>
@@ -15997,16 +15953,8 @@
               <a:buNone/>
             </a:pPr>
             <a:r>
-              <a:rPr lang="en-US" sz="2200" dirty="0" smtClean="0"/>
-              <a:t>		then </a:t>
-            </a:r>
-            <a:r>
               <a:rPr lang="en-US" sz="2200" dirty="0"/>
-              <a:t>Root(T)=</a:t>
-            </a:r>
-            <a:r>
-              <a:rPr lang="en-US" sz="2200" dirty="0" smtClean="0"/>
-              <a:t>z</a:t>
+              <a:t>		then Root(T)=z</a:t>
             </a:r>
           </a:p>
           <a:p>
@@ -16022,44 +15970,12 @@
               <a:buChar char="§"/>
             </a:pPr>
             <a:r>
-              <a:rPr lang="en-US" sz="2200" b="1" dirty="0" smtClean="0"/>
-              <a:t>Step2</a:t>
-            </a:r>
-            <a:r>
               <a:rPr lang="en-US" sz="2200" b="1" dirty="0"/>
-              <a:t>: </a:t>
-            </a:r>
-            <a:r>
-              <a:rPr lang="en-US" sz="2200" b="1" dirty="0" smtClean="0"/>
-              <a:t>	</a:t>
-            </a:r>
-            <a:r>
-              <a:rPr lang="en-US" sz="2200" dirty="0" smtClean="0"/>
-              <a:t>Else, Search </a:t>
+              <a:t>Step2: 	</a:t>
             </a:r>
             <a:r>
               <a:rPr lang="en-US" sz="2200" dirty="0"/>
-              <a:t>for </a:t>
-            </a:r>
-            <a:r>
-              <a:rPr lang="en-US" sz="2200" dirty="0" smtClean="0"/>
-              <a:t>z in </a:t>
-            </a:r>
-            <a:r>
-              <a:rPr lang="en-US" sz="2200" dirty="0"/>
-              <a:t>BST T, until </a:t>
-            </a:r>
-            <a:r>
-              <a:rPr lang="en-US" sz="2200" dirty="0" smtClean="0"/>
-              <a:t>we meet </a:t>
-            </a:r>
-            <a:r>
-              <a:rPr lang="en-US" sz="2200" dirty="0"/>
-              <a:t>a null </a:t>
-            </a:r>
-            <a:r>
-              <a:rPr lang="en-US" sz="2200" dirty="0" smtClean="0"/>
-              <a:t>node</a:t>
+              <a:t>Else, Search for z in BST T, until we meet a null node</a:t>
             </a:r>
           </a:p>
           <a:p>
@@ -16075,26 +15991,14 @@
               <a:buChar char="§"/>
             </a:pPr>
             <a:r>
-              <a:rPr lang="en-US" sz="2200" b="1" dirty="0" smtClean="0"/>
-              <a:t>Step3</a:t>
-            </a:r>
-            <a:r>
               <a:rPr lang="en-US" sz="2200" b="1" dirty="0"/>
-              <a:t>: </a:t>
-            </a:r>
-            <a:r>
-              <a:rPr lang="en-US" sz="2200" b="1" dirty="0" smtClean="0"/>
-              <a:t>	</a:t>
-            </a:r>
-            <a:r>
-              <a:rPr lang="en-US" sz="2200" dirty="0" smtClean="0"/>
-              <a:t>Insert </a:t>
+              <a:t>Step3: 	</a:t>
             </a:r>
             <a:r>
               <a:rPr lang="en-US" sz="2200" dirty="0"/>
-              <a:t>z</a:t>
-            </a:r>
-            <a:endParaRPr lang="en-US" altLang="ko-KR" sz="2200" dirty="0" smtClean="0"/>
+              <a:t>Insert z</a:t>
+            </a:r>
+            <a:endParaRPr lang="en-US" altLang="ko-KR" sz="2200" dirty="0"/>
           </a:p>
         </p:txBody>
       </p:sp>
@@ -16108,21 +16012,6 @@
   <p:clrMapOvr>
     <a:masterClrMapping/>
   </p:clrMapOvr>
-  <mc:AlternateContent xmlns:mc="http://schemas.openxmlformats.org/markup-compatibility/2006" xmlns:p14="http://schemas.microsoft.com/office/powerpoint/2010/main">
-    <mc:Choice Requires="p14">
-      <p:transition p14:dur="0"/>
-    </mc:Choice>
-    <mc:Fallback xmlns="">
-      <p:transition/>
-    </mc:Fallback>
-  </mc:AlternateContent>
-  <p:timing>
-    <p:tnLst>
-      <p:par>
-        <p:cTn id="1" dur="indefinite" restart="never" nodeType="tmRoot"/>
-      </p:par>
-    </p:tnLst>
-  </p:timing>
 </p:sld>
 </file>
 
@@ -16303,7 +16192,7 @@
               <a:rPr lang="en-US" b="1" dirty="0"/>
               <a:t>ALGORITHM</a:t>
             </a:r>
-            <a:endParaRPr lang="en-US" altLang="ko-KR" dirty="0" smtClean="0"/>
+            <a:endParaRPr lang="en-US" altLang="ko-KR" dirty="0"/>
           </a:p>
         </p:txBody>
       </p:sp>
@@ -16334,19 +16223,7 @@
             </a:pPr>
             <a:r>
               <a:rPr lang="en-US" sz="2000" dirty="0"/>
-              <a:t>NEWNODE is a pointer variable to hold the address of the newly created node. </a:t>
-            </a:r>
-            <a:r>
-              <a:rPr lang="en-US" sz="2000" dirty="0" smtClean="0"/>
-              <a:t>DATA is </a:t>
-            </a:r>
-            <a:r>
-              <a:rPr lang="en-US" sz="2000" dirty="0"/>
-              <a:t>the information to be pushed</a:t>
-            </a:r>
-            <a:r>
-              <a:rPr lang="en-US" sz="2000" dirty="0" smtClean="0"/>
-              <a:t>.</a:t>
+              <a:t>NEWNODE is a pointer variable to hold the address of the newly created node. DATA is the information to be pushed.</a:t>
             </a:r>
           </a:p>
           <a:p>
@@ -16387,7 +16264,7 @@
               <a:buNone/>
             </a:pPr>
             <a:r>
-              <a:rPr lang="en-US" sz="1800" dirty="0" smtClean="0"/>
+              <a:rPr lang="en-US" sz="1800" dirty="0"/>
               <a:t>	(</a:t>
             </a:r>
             <a:r>
@@ -16413,7 +16290,7 @@
               <a:buNone/>
             </a:pPr>
             <a:r>
-              <a:rPr lang="en-US" sz="1800" dirty="0" smtClean="0"/>
+              <a:rPr lang="en-US" sz="1800" dirty="0"/>
               <a:t>	(</a:t>
             </a:r>
             <a:r>
@@ -16435,7 +16312,7 @@
               <a:buNone/>
             </a:pPr>
             <a:r>
-              <a:rPr lang="en-US" sz="1800" dirty="0" smtClean="0"/>
+              <a:rPr lang="en-US" sz="1800" dirty="0"/>
               <a:t>	(</a:t>
             </a:r>
             <a:r>
@@ -16469,7 +16346,7 @@
               <a:buNone/>
             </a:pPr>
             <a:r>
-              <a:rPr lang="en-US" sz="1800" dirty="0" smtClean="0"/>
+              <a:rPr lang="en-US" sz="1800" dirty="0"/>
               <a:t>	(</a:t>
             </a:r>
             <a:r>
@@ -16491,7 +16368,7 @@
               <a:buNone/>
             </a:pPr>
             <a:r>
-              <a:rPr lang="en-US" sz="1800" dirty="0" smtClean="0"/>
+              <a:rPr lang="en-US" sz="1800" dirty="0"/>
               <a:t>	(</a:t>
             </a:r>
             <a:r>
@@ -16510,7 +16387,7 @@
               <a:rPr lang="en-US" sz="1800" dirty="0"/>
               <a:t> Step 4</a:t>
             </a:r>
-            <a:endParaRPr lang="en-US" altLang="ko-KR" sz="2000" dirty="0" smtClean="0"/>
+            <a:endParaRPr lang="en-US" altLang="ko-KR" sz="2000" dirty="0"/>
           </a:p>
         </p:txBody>
       </p:sp>
@@ -16524,21 +16401,6 @@
   <p:clrMapOvr>
     <a:masterClrMapping/>
   </p:clrMapOvr>
-  <mc:AlternateContent xmlns:mc="http://schemas.openxmlformats.org/markup-compatibility/2006" xmlns:p14="http://schemas.microsoft.com/office/powerpoint/2010/main">
-    <mc:Choice Requires="p14">
-      <p:transition p14:dur="0"/>
-    </mc:Choice>
-    <mc:Fallback xmlns="">
-      <p:transition/>
-    </mc:Fallback>
-  </mc:AlternateContent>
-  <p:timing>
-    <p:tnLst>
-      <p:par>
-        <p:cTn id="1" dur="indefinite" restart="never" nodeType="tmRoot"/>
-      </p:par>
-    </p:tnLst>
-  </p:timing>
 </p:sld>
 </file>
 
@@ -16719,7 +16581,7 @@
               <a:rPr lang="en-US" b="1" dirty="0"/>
               <a:t>ALGORITHM</a:t>
             </a:r>
-            <a:endParaRPr lang="en-US" altLang="ko-KR" dirty="0" smtClean="0"/>
+            <a:endParaRPr lang="en-US" altLang="ko-KR" dirty="0"/>
           </a:p>
         </p:txBody>
       </p:sp>
@@ -16906,7 +16768,7 @@
               <a:rPr lang="en-US" sz="2000" dirty="0"/>
               <a:t>12. EXIT</a:t>
             </a:r>
-            <a:endParaRPr lang="en-US" altLang="ko-KR" sz="2000" dirty="0" smtClean="0"/>
+            <a:endParaRPr lang="en-US" altLang="ko-KR" sz="2000" dirty="0"/>
           </a:p>
         </p:txBody>
       </p:sp>
@@ -16920,21 +16782,6 @@
   <p:clrMapOvr>
     <a:masterClrMapping/>
   </p:clrMapOvr>
-  <mc:AlternateContent xmlns:mc="http://schemas.openxmlformats.org/markup-compatibility/2006" xmlns:p14="http://schemas.microsoft.com/office/powerpoint/2010/main">
-    <mc:Choice Requires="p14">
-      <p:transition p14:dur="0"/>
-    </mc:Choice>
-    <mc:Fallback xmlns="">
-      <p:transition/>
-    </mc:Fallback>
-  </mc:AlternateContent>
-  <p:timing>
-    <p:tnLst>
-      <p:par>
-        <p:cTn id="1" dur="indefinite" restart="never" nodeType="tmRoot"/>
-      </p:par>
-    </p:tnLst>
-  </p:timing>
 </p:sld>
 </file>
 
@@ -17236,10 +17083,9 @@
           <a:lstStyle/>
           <a:p>
             <a:r>
-              <a:rPr lang="en-US" dirty="0" smtClean="0"/>
+              <a:rPr lang="en-US" dirty="0"/>
               <a:t>Insert()</a:t>
             </a:r>
-            <a:endParaRPr lang="en-US" dirty="0"/>
           </a:p>
         </p:txBody>
       </p:sp>
@@ -17433,7 +17279,7 @@
               <a:rPr lang="en-US" b="1" dirty="0"/>
               <a:t>Operation - Insert</a:t>
             </a:r>
-            <a:endParaRPr lang="en-US" altLang="ko-KR" dirty="0" smtClean="0"/>
+            <a:endParaRPr lang="en-US" altLang="ko-KR" dirty="0"/>
           </a:p>
         </p:txBody>
       </p:sp>
@@ -17477,21 +17323,6 @@
   <p:clrMapOvr>
     <a:masterClrMapping/>
   </p:clrMapOvr>
-  <mc:AlternateContent xmlns:mc="http://schemas.openxmlformats.org/markup-compatibility/2006" xmlns:p14="http://schemas.microsoft.com/office/powerpoint/2010/main">
-    <mc:Choice Requires="p14">
-      <p:transition p14:dur="0"/>
-    </mc:Choice>
-    <mc:Fallback xmlns="">
-      <p:transition/>
-    </mc:Fallback>
-  </mc:AlternateContent>
-  <p:timing>
-    <p:tnLst>
-      <p:par>
-        <p:cTn id="1" dur="indefinite" restart="never" nodeType="tmRoot"/>
-      </p:par>
-    </p:tnLst>
-  </p:timing>
 </p:sld>
 </file>
 
@@ -17701,16 +17532,12 @@
               <a:buNone/>
             </a:pPr>
             <a:r>
-              <a:rPr lang="en-US" sz="1800" dirty="0" err="1" smtClean="0"/>
+              <a:rPr lang="en-US" sz="1800" dirty="0" err="1"/>
               <a:t>struct</a:t>
             </a:r>
             <a:r>
-              <a:rPr lang="en-US" sz="1800" dirty="0" smtClean="0"/>
-              <a:t> </a:t>
-            </a:r>
-            <a:r>
               <a:rPr lang="en-US" sz="1800" dirty="0"/>
-              <a:t>node* insert(</a:t>
+              <a:t> node* insert(</a:t>
             </a:r>
             <a:r>
               <a:rPr lang="en-US" sz="1800" dirty="0" err="1"/>
@@ -17733,15 +17560,7 @@
             </a:br>
             <a:r>
               <a:rPr lang="en-US" sz="1800" dirty="0"/>
-              <a:t>  </a:t>
-            </a:r>
-            <a:r>
-              <a:rPr lang="en-US" sz="1800" dirty="0" smtClean="0"/>
-              <a:t>				// </a:t>
-            </a:r>
-            <a:r>
-              <a:rPr lang="en-US" sz="1800" dirty="0"/>
-              <a:t>1. If the tree is empty, return a new, single node </a:t>
+              <a:t>  				// 1. If the tree is empty, return a new, single node </a:t>
             </a:r>
             <a:br>
               <a:rPr lang="en-US" sz="1800" dirty="0"/>
@@ -17784,48 +17603,23 @@
             </a:br>
             <a:r>
               <a:rPr lang="en-US" sz="1800" dirty="0"/>
-              <a:t>    </a:t>
-            </a:r>
-            <a:r>
-              <a:rPr lang="en-US" sz="1800" dirty="0" smtClean="0"/>
-              <a:t>				// </a:t>
-            </a:r>
-            <a:r>
-              <a:rPr lang="en-US" sz="1800" dirty="0"/>
-              <a:t>2. Otherwise, recur down the tree </a:t>
+              <a:t>    				// 2. Otherwise, recur down the tree </a:t>
             </a:r>
             <a:br>
               <a:rPr lang="en-US" sz="1800" dirty="0"/>
             </a:br>
             <a:r>
               <a:rPr lang="en-US" sz="1800" dirty="0"/>
-              <a:t>   </a:t>
-            </a:r>
-            <a:r>
-              <a:rPr lang="en-US" sz="1800" dirty="0" smtClean="0"/>
-              <a:t>   </a:t>
-            </a:r>
-            <a:r>
-              <a:rPr lang="en-US" sz="1800" dirty="0"/>
-              <a:t>if (data &lt;= node-&gt;data) </a:t>
-            </a:r>
-            <a:endParaRPr lang="en-US" sz="1800" dirty="0" smtClean="0"/>
+              <a:t>      if (data &lt;= node-&gt;data) </a:t>
+            </a:r>
           </a:p>
           <a:p>
             <a:pPr marL="301943" lvl="1" indent="0">
               <a:buNone/>
             </a:pPr>
             <a:r>
-              <a:rPr lang="en-US" sz="1600" dirty="0" smtClean="0"/>
-              <a:t>   node-</a:t>
-            </a:r>
-            <a:r>
               <a:rPr lang="en-US" sz="1600" dirty="0"/>
-              <a:t>&gt;left = insert(node-&gt;left, data</a:t>
-            </a:r>
-            <a:r>
-              <a:rPr lang="en-US" sz="1600" dirty="0" smtClean="0"/>
-              <a:t>);</a:t>
+              <a:t>   node-&gt;left = insert(node-&gt;left, data);</a:t>
             </a:r>
           </a:p>
           <a:p>
@@ -17833,7 +17627,7 @@
               <a:buNone/>
             </a:pPr>
             <a:r>
-              <a:rPr lang="en-US" sz="1800" dirty="0" smtClean="0"/>
+              <a:rPr lang="en-US" sz="1800" dirty="0"/>
               <a:t>else </a:t>
             </a:r>
           </a:p>
@@ -17842,12 +17636,8 @@
               <a:buNone/>
             </a:pPr>
             <a:r>
-              <a:rPr lang="en-US" sz="1800" dirty="0" smtClean="0"/>
-              <a:t>node-</a:t>
-            </a:r>
-            <a:r>
               <a:rPr lang="en-US" sz="1800" dirty="0"/>
-              <a:t>&gt;right = insert(node-&gt;right, data); </a:t>
+              <a:t>node-&gt;right = insert(node-&gt;right, data); </a:t>
             </a:r>
           </a:p>
           <a:p>
@@ -17855,20 +17645,8 @@
               <a:buNone/>
             </a:pPr>
             <a:r>
-              <a:rPr lang="en-US" sz="1800" dirty="0" smtClean="0"/>
-              <a:t>  return(node</a:t>
-            </a:r>
-            <a:r>
               <a:rPr lang="en-US" sz="1800" dirty="0"/>
-              <a:t>); </a:t>
-            </a:r>
-            <a:r>
-              <a:rPr lang="en-US" sz="1800" dirty="0" smtClean="0"/>
-              <a:t>			// </a:t>
-            </a:r>
-            <a:r>
-              <a:rPr lang="en-US" sz="1800" dirty="0"/>
-              <a:t>return the (unchanged) node pointer </a:t>
+              <a:t>  return(node); 			// return the (unchanged) node pointer </a:t>
             </a:r>
             <a:br>
               <a:rPr lang="en-US" sz="1800" dirty="0"/>
@@ -17897,21 +17675,6 @@
   <p:clrMapOvr>
     <a:masterClrMapping/>
   </p:clrMapOvr>
-  <mc:AlternateContent xmlns:mc="http://schemas.openxmlformats.org/markup-compatibility/2006" xmlns:p14="http://schemas.microsoft.com/office/powerpoint/2010/main">
-    <mc:Choice Requires="p14">
-      <p:transition p14:dur="0"/>
-    </mc:Choice>
-    <mc:Fallback xmlns="">
-      <p:transition/>
-    </mc:Fallback>
-  </mc:AlternateContent>
-  <p:timing>
-    <p:tnLst>
-      <p:par>
-        <p:cTn id="1" dur="indefinite" restart="never" nodeType="tmRoot"/>
-      </p:par>
-    </p:tnLst>
-  </p:timing>
 </p:sld>
 </file>
 
@@ -18092,7 +17855,7 @@
               <a:rPr lang="en-US" b="1" dirty="0"/>
               <a:t>Operation - Query</a:t>
             </a:r>
-            <a:endParaRPr lang="en-US" altLang="ko-KR" dirty="0" smtClean="0"/>
+            <a:endParaRPr lang="en-US" altLang="ko-KR" dirty="0"/>
           </a:p>
         </p:txBody>
       </p:sp>
@@ -18124,13 +17887,8 @@
             </a:pPr>
             <a:r>
               <a:rPr lang="en-US" sz="2200" dirty="0"/>
-              <a:t>The QUERY operation can be further </a:t>
-            </a:r>
-            <a:r>
-              <a:rPr lang="en-US" sz="2200" dirty="0" smtClean="0"/>
-              <a:t>spit into:</a:t>
-            </a:r>
-            <a:endParaRPr lang="en-US" sz="2200" dirty="0"/>
+              <a:t>The QUERY operation can be further spit into:</a:t>
+            </a:r>
           </a:p>
           <a:p>
             <a:pPr lvl="1">
@@ -18138,10 +17896,9 @@
               <a:buChar char="§"/>
             </a:pPr>
             <a:r>
-              <a:rPr lang="en-US" dirty="0" smtClean="0"/>
+              <a:rPr lang="en-US" dirty="0"/>
               <a:t>Search</a:t>
             </a:r>
-            <a:endParaRPr lang="en-US" dirty="0"/>
           </a:p>
           <a:p>
             <a:pPr lvl="1">
@@ -18149,10 +17906,9 @@
               <a:buChar char="§"/>
             </a:pPr>
             <a:r>
-              <a:rPr lang="en-US" dirty="0" smtClean="0"/>
+              <a:rPr lang="en-US" dirty="0"/>
               <a:t>Max/Min</a:t>
             </a:r>
-            <a:endParaRPr lang="en-US" dirty="0"/>
           </a:p>
           <a:p>
             <a:pPr lvl="1">
@@ -18160,10 +17916,10 @@
               <a:buChar char="§"/>
             </a:pPr>
             <a:r>
-              <a:rPr lang="en-US" dirty="0" smtClean="0"/>
+              <a:rPr lang="en-US" dirty="0"/>
               <a:t>Successor/Predecessor</a:t>
             </a:r>
-            <a:endParaRPr lang="en-US" altLang="ko-KR" dirty="0" smtClean="0"/>
+            <a:endParaRPr lang="en-US" altLang="ko-KR" dirty="0"/>
           </a:p>
         </p:txBody>
       </p:sp>
@@ -18177,21 +17933,6 @@
   <p:clrMapOvr>
     <a:masterClrMapping/>
   </p:clrMapOvr>
-  <mc:AlternateContent xmlns:mc="http://schemas.openxmlformats.org/markup-compatibility/2006" xmlns:p14="http://schemas.microsoft.com/office/powerpoint/2010/main">
-    <mc:Choice Requires="p14">
-      <p:transition p14:dur="0"/>
-    </mc:Choice>
-    <mc:Fallback xmlns="">
-      <p:transition/>
-    </mc:Fallback>
-  </mc:AlternateContent>
-  <p:timing>
-    <p:tnLst>
-      <p:par>
-        <p:cTn id="1" dur="indefinite" restart="never" nodeType="tmRoot"/>
-      </p:par>
-    </p:tnLst>
-  </p:timing>
 </p:sld>
 </file>
 
@@ -18372,7 +18113,7 @@
               <a:rPr lang="en-US" b="1" dirty="0"/>
               <a:t>Operation - Search</a:t>
             </a:r>
-            <a:endParaRPr lang="en-US" altLang="ko-KR" dirty="0" smtClean="0"/>
+            <a:endParaRPr lang="en-US" altLang="ko-KR" dirty="0"/>
           </a:p>
         </p:txBody>
       </p:sp>
@@ -18421,14 +18162,10 @@
               <a:buChar char="§"/>
             </a:pPr>
             <a:r>
-              <a:rPr lang="en-US" sz="2000" dirty="0" smtClean="0"/>
-              <a:t>search </a:t>
-            </a:r>
-            <a:r>
               <a:rPr lang="en-US" sz="2000" dirty="0"/>
-              <a:t>the BST T for a value k</a:t>
-            </a:r>
-            <a:endParaRPr lang="en-US" altLang="ko-KR" sz="2000" dirty="0" smtClean="0"/>
+              <a:t>search the BST T for a value k</a:t>
+            </a:r>
+            <a:endParaRPr lang="en-US" altLang="ko-KR" sz="2000" dirty="0"/>
           </a:p>
         </p:txBody>
       </p:sp>
@@ -18442,21 +18179,6 @@
   <p:clrMapOvr>
     <a:masterClrMapping/>
   </p:clrMapOvr>
-  <mc:AlternateContent xmlns:mc="http://schemas.openxmlformats.org/markup-compatibility/2006" xmlns:p14="http://schemas.microsoft.com/office/powerpoint/2010/main">
-    <mc:Choice Requires="p14">
-      <p:transition p14:dur="0"/>
-    </mc:Choice>
-    <mc:Fallback xmlns="">
-      <p:transition/>
-    </mc:Fallback>
-  </mc:AlternateContent>
-  <p:timing>
-    <p:tnLst>
-      <p:par>
-        <p:cTn id="1" dur="indefinite" restart="never" nodeType="tmRoot"/>
-      </p:par>
-    </p:tnLst>
-  </p:timing>
 </p:sld>
 </file>
 
@@ -18637,7 +18359,7 @@
               <a:rPr lang="en-US" b="1" dirty="0"/>
               <a:t>Operation - Search</a:t>
             </a:r>
-            <a:endParaRPr lang="en-US" altLang="ko-KR" dirty="0" smtClean="0"/>
+            <a:endParaRPr lang="en-US" altLang="ko-KR" dirty="0"/>
           </a:p>
         </p:txBody>
       </p:sp>
@@ -18681,21 +18403,6 @@
   <p:clrMapOvr>
     <a:masterClrMapping/>
   </p:clrMapOvr>
-  <mc:AlternateContent xmlns:mc="http://schemas.openxmlformats.org/markup-compatibility/2006" xmlns:p14="http://schemas.microsoft.com/office/powerpoint/2010/main">
-    <mc:Choice Requires="p14">
-      <p:transition p14:dur="0"/>
-    </mc:Choice>
-    <mc:Fallback xmlns="">
-      <p:transition/>
-    </mc:Fallback>
-  </mc:AlternateContent>
-  <p:timing>
-    <p:tnLst>
-      <p:par>
-        <p:cTn id="1" dur="indefinite" restart="never" nodeType="tmRoot"/>
-      </p:par>
-    </p:tnLst>
-  </p:timing>
 </p:sld>
 </file>
 
@@ -18876,7 +18583,7 @@
               <a:rPr lang="en-US" b="1" dirty="0"/>
               <a:t>Operation - Search</a:t>
             </a:r>
-            <a:endParaRPr lang="en-US" altLang="ko-KR" dirty="0" smtClean="0"/>
+            <a:endParaRPr lang="en-US" altLang="ko-KR" dirty="0"/>
           </a:p>
         </p:txBody>
       </p:sp>
@@ -18920,21 +18627,6 @@
   <p:clrMapOvr>
     <a:masterClrMapping/>
   </p:clrMapOvr>
-  <mc:AlternateContent xmlns:mc="http://schemas.openxmlformats.org/markup-compatibility/2006" xmlns:p14="http://schemas.microsoft.com/office/powerpoint/2010/main">
-    <mc:Choice Requires="p14">
-      <p:transition p14:dur="0"/>
-    </mc:Choice>
-    <mc:Fallback xmlns="">
-      <p:transition/>
-    </mc:Fallback>
-  </mc:AlternateContent>
-  <p:timing>
-    <p:tnLst>
-      <p:par>
-        <p:cTn id="1" dur="indefinite" restart="never" nodeType="tmRoot"/>
-      </p:par>
-    </p:tnLst>
-  </p:timing>
 </p:sld>
 </file>
 
@@ -19115,7 +18807,7 @@
               <a:rPr lang="en-US" b="1" dirty="0"/>
               <a:t>Binary Search Tree</a:t>
             </a:r>
-            <a:endParaRPr lang="en-US" altLang="ko-KR" dirty="0" smtClean="0"/>
+            <a:endParaRPr lang="en-US" altLang="ko-KR" dirty="0"/>
           </a:p>
         </p:txBody>
       </p:sp>
@@ -19146,16 +18838,8 @@
               <a:buChar char="Ø"/>
             </a:pPr>
             <a:r>
-              <a:rPr lang="en-US" sz="2200" dirty="0" smtClean="0"/>
-              <a:t> </a:t>
-            </a:r>
-            <a:r>
               <a:rPr lang="en-US" sz="2200" dirty="0"/>
-              <a:t>It’s a binary tree </a:t>
-            </a:r>
-            <a:r>
-              <a:rPr lang="en-US" sz="2200" dirty="0" smtClean="0"/>
-              <a:t>!</a:t>
+              <a:t> It’s a binary tree !</a:t>
             </a:r>
           </a:p>
           <a:p>
@@ -19171,16 +18855,8 @@
               <a:buChar char="Ø"/>
             </a:pPr>
             <a:r>
-              <a:rPr lang="en-US" sz="2200" dirty="0" smtClean="0"/>
-              <a:t> </a:t>
-            </a:r>
-            <a:r>
               <a:rPr lang="en-US" sz="2200" dirty="0"/>
-              <a:t>For each node in a </a:t>
-            </a:r>
-            <a:r>
-              <a:rPr lang="en-US" sz="2200" dirty="0" smtClean="0"/>
-              <a:t>BST </a:t>
+              <a:t> For each node in a BST </a:t>
             </a:r>
           </a:p>
           <a:p>
@@ -19189,7 +18865,7 @@
               <a:buChar char="§"/>
             </a:pPr>
             <a:r>
-              <a:rPr lang="en-US" dirty="0" smtClean="0"/>
+              <a:rPr lang="en-US" dirty="0"/>
               <a:t>left </a:t>
             </a:r>
             <a:r>
@@ -19198,19 +18874,7 @@
             </a:r>
             <a:r>
               <a:rPr lang="en-US" dirty="0"/>
-              <a:t> </a:t>
-            </a:r>
-            <a:r>
-              <a:rPr lang="en-US" dirty="0" smtClean="0"/>
-              <a:t>is smaller </a:t>
-            </a:r>
-            <a:r>
-              <a:rPr lang="en-US" dirty="0"/>
-              <a:t>than </a:t>
-            </a:r>
-            <a:r>
-              <a:rPr lang="en-US" dirty="0" smtClean="0"/>
-              <a:t>it</a:t>
+              <a:t> is smaller than it</a:t>
             </a:r>
           </a:p>
           <a:p>
@@ -19219,7 +18883,7 @@
               <a:buChar char="§"/>
             </a:pPr>
             <a:r>
-              <a:rPr lang="en-US" dirty="0" smtClean="0"/>
+              <a:rPr lang="en-US" dirty="0"/>
               <a:t>right </a:t>
             </a:r>
             <a:r>
@@ -19228,21 +18892,9 @@
             </a:r>
             <a:r>
               <a:rPr lang="en-US" dirty="0"/>
-              <a:t> </a:t>
-            </a:r>
-            <a:r>
-              <a:rPr lang="en-US" dirty="0" smtClean="0"/>
-              <a:t>is greater </a:t>
-            </a:r>
-            <a:r>
-              <a:rPr lang="en-US" dirty="0"/>
-              <a:t>than </a:t>
-            </a:r>
-            <a:r>
-              <a:rPr lang="en-US" dirty="0" smtClean="0"/>
-              <a:t>it</a:t>
-            </a:r>
-            <a:endParaRPr lang="en-US" altLang="ko-KR" dirty="0" smtClean="0"/>
+              <a:t> is greater than it</a:t>
+            </a:r>
+            <a:endParaRPr lang="en-US" altLang="ko-KR" dirty="0"/>
           </a:p>
         </p:txBody>
       </p:sp>
@@ -19256,21 +18908,6 @@
   <p:clrMapOvr>
     <a:masterClrMapping/>
   </p:clrMapOvr>
-  <mc:AlternateContent xmlns:mc="http://schemas.openxmlformats.org/markup-compatibility/2006" xmlns:p14="http://schemas.microsoft.com/office/powerpoint/2010/main">
-    <mc:Choice Requires="p14">
-      <p:transition p14:dur="0"/>
-    </mc:Choice>
-    <mc:Fallback xmlns="">
-      <p:transition/>
-    </mc:Fallback>
-  </mc:AlternateContent>
-  <p:timing>
-    <p:tnLst>
-      <p:par>
-        <p:cTn id="1" dur="indefinite" restart="never" nodeType="tmRoot"/>
-      </p:par>
-    </p:tnLst>
-  </p:timing>
 </p:sld>
 </file>
 
@@ -19451,7 +19088,7 @@
               <a:rPr lang="en-US" b="1" dirty="0"/>
               <a:t>Operation - Search</a:t>
             </a:r>
-            <a:endParaRPr lang="en-US" altLang="ko-KR" dirty="0" smtClean="0"/>
+            <a:endParaRPr lang="en-US" altLang="ko-KR" dirty="0"/>
           </a:p>
         </p:txBody>
       </p:sp>
@@ -19495,21 +19132,6 @@
   <p:clrMapOvr>
     <a:masterClrMapping/>
   </p:clrMapOvr>
-  <mc:AlternateContent xmlns:mc="http://schemas.openxmlformats.org/markup-compatibility/2006" xmlns:p14="http://schemas.microsoft.com/office/powerpoint/2010/main">
-    <mc:Choice Requires="p14">
-      <p:transition p14:dur="0"/>
-    </mc:Choice>
-    <mc:Fallback xmlns="">
-      <p:transition/>
-    </mc:Fallback>
-  </mc:AlternateContent>
-  <p:timing>
-    <p:tnLst>
-      <p:par>
-        <p:cTn id="1" dur="indefinite" restart="never" nodeType="tmRoot"/>
-      </p:par>
-    </p:tnLst>
-  </p:timing>
 </p:sld>
 </file>
 
@@ -19690,7 +19312,7 @@
               <a:rPr lang="en-US" b="1" dirty="0"/>
               <a:t>ALGORITHM</a:t>
             </a:r>
-            <a:endParaRPr lang="en-US" altLang="ko-KR" dirty="0" smtClean="0"/>
+            <a:endParaRPr lang="en-US" altLang="ko-KR" dirty="0"/>
           </a:p>
         </p:txBody>
       </p:sp>
@@ -19738,7 +19360,7 @@
               <a:buNone/>
             </a:pPr>
             <a:r>
-              <a:rPr lang="en-US" sz="1800" dirty="0" smtClean="0"/>
+              <a:rPr lang="en-US" sz="1800" dirty="0"/>
               <a:t>	(</a:t>
             </a:r>
             <a:r>
@@ -19755,7 +19377,7 @@
               <a:buNone/>
             </a:pPr>
             <a:r>
-              <a:rPr lang="en-US" sz="1800" dirty="0" smtClean="0"/>
+              <a:rPr lang="en-US" sz="1800" dirty="0"/>
               <a:t>	(</a:t>
             </a:r>
             <a:r>
@@ -19789,7 +19411,7 @@
               <a:buNone/>
             </a:pPr>
             <a:r>
-              <a:rPr lang="en-US" sz="1800" dirty="0" smtClean="0"/>
+              <a:rPr lang="en-US" sz="1800" dirty="0"/>
               <a:t>	(</a:t>
             </a:r>
             <a:r>
@@ -19806,7 +19428,7 @@
               <a:buNone/>
             </a:pPr>
             <a:r>
-              <a:rPr lang="en-US" sz="1800" dirty="0" smtClean="0"/>
+              <a:rPr lang="en-US" sz="1800" dirty="0"/>
               <a:t>	(</a:t>
             </a:r>
             <a:r>
@@ -19848,7 +19470,7 @@
               <a:buNone/>
             </a:pPr>
             <a:r>
-              <a:rPr lang="en-US" sz="1800" dirty="0" smtClean="0"/>
+              <a:rPr lang="en-US" sz="1800" dirty="0"/>
               <a:t>	(</a:t>
             </a:r>
             <a:r>
@@ -19870,7 +19492,7 @@
               <a:buNone/>
             </a:pPr>
             <a:r>
-              <a:rPr lang="en-US" sz="1800" dirty="0" smtClean="0"/>
+              <a:rPr lang="en-US" sz="1800" dirty="0"/>
               <a:t>	(</a:t>
             </a:r>
             <a:r>
@@ -19912,7 +19534,7 @@
               <a:buNone/>
             </a:pPr>
             <a:r>
-              <a:rPr lang="en-US" sz="1800" dirty="0" smtClean="0"/>
+              <a:rPr lang="en-US" sz="1800" dirty="0"/>
               <a:t>	(</a:t>
             </a:r>
             <a:r>
@@ -19934,7 +19556,7 @@
               <a:buNone/>
             </a:pPr>
             <a:r>
-              <a:rPr lang="en-US" sz="1800" dirty="0" smtClean="0"/>
+              <a:rPr lang="en-US" sz="1800" dirty="0"/>
               <a:t>	(</a:t>
             </a:r>
             <a:r>
@@ -19962,7 +19584,7 @@
               <a:rPr lang="en-US" sz="1800" dirty="0"/>
               <a:t>6. Exit</a:t>
             </a:r>
-            <a:endParaRPr lang="en-US" altLang="ko-KR" sz="1800" dirty="0" smtClean="0"/>
+            <a:endParaRPr lang="en-US" altLang="ko-KR" sz="1800" dirty="0"/>
           </a:p>
         </p:txBody>
       </p:sp>
@@ -19976,21 +19598,6 @@
   <p:clrMapOvr>
     <a:masterClrMapping/>
   </p:clrMapOvr>
-  <mc:AlternateContent xmlns:mc="http://schemas.openxmlformats.org/markup-compatibility/2006" xmlns:p14="http://schemas.microsoft.com/office/powerpoint/2010/main">
-    <mc:Choice Requires="p14">
-      <p:transition p14:dur="0"/>
-    </mc:Choice>
-    <mc:Fallback xmlns="">
-      <p:transition/>
-    </mc:Fallback>
-  </mc:AlternateContent>
-  <p:timing>
-    <p:tnLst>
-      <p:par>
-        <p:cTn id="1" dur="indefinite" restart="never" nodeType="tmRoot"/>
-      </p:par>
-    </p:tnLst>
-  </p:timing>
 </p:sld>
 </file>
 
@@ -20053,10 +19660,9 @@
           <a:lstStyle/>
           <a:p>
             <a:r>
-              <a:rPr lang="en-US" dirty="0" smtClean="0"/>
+              <a:rPr lang="en-US" dirty="0"/>
               <a:t>Search()</a:t>
             </a:r>
-            <a:endParaRPr lang="en-US" dirty="0"/>
           </a:p>
         </p:txBody>
       </p:sp>
@@ -20085,15 +19691,7 @@
             <a:pPr fontAlgn="base"/>
             <a:r>
               <a:rPr lang="en-US" dirty="0"/>
-              <a:t>// A </a:t>
-            </a:r>
-            <a:r>
-              <a:rPr lang="en-US" dirty="0" smtClean="0"/>
-              <a:t>function </a:t>
-            </a:r>
-            <a:r>
-              <a:rPr lang="en-US" dirty="0"/>
-              <a:t>to search a given key in BST </a:t>
+              <a:t>// A function to search a given key in BST </a:t>
             </a:r>
           </a:p>
           <a:p>
@@ -20435,10 +20033,9 @@
           <a:lstStyle/>
           <a:p>
             <a:r>
-              <a:rPr lang="en-US" b="1" dirty="0" smtClean="0"/>
+              <a:rPr lang="en-US" b="1" dirty="0"/>
               <a:t>Search()</a:t>
             </a:r>
-            <a:endParaRPr lang="en-US" b="1" dirty="0"/>
           </a:p>
         </p:txBody>
       </p:sp>
@@ -20468,7 +20065,7 @@
               <a:buNone/>
             </a:pPr>
             <a:r>
-              <a:rPr lang="en-US" sz="1800" dirty="0" smtClean="0"/>
+              <a:rPr lang="en-US" sz="1800" dirty="0"/>
               <a:t>static </a:t>
             </a:r>
             <a:r>
@@ -20500,38 +20097,14 @@
             </a:br>
             <a:r>
               <a:rPr lang="en-US" sz="1800" dirty="0"/>
-              <a:t> </a:t>
-            </a:r>
-            <a:r>
-              <a:rPr lang="en-US" sz="1800" dirty="0" smtClean="0"/>
-              <a:t>				// </a:t>
-            </a:r>
-            <a:r>
-              <a:rPr lang="en-US" sz="1800" dirty="0"/>
-              <a:t>1. Base case == empty tree </a:t>
+              <a:t> 				// 1. Base case == empty tree </a:t>
             </a:r>
             <a:br>
               <a:rPr lang="en-US" sz="1800" dirty="0"/>
             </a:br>
             <a:r>
               <a:rPr lang="en-US" sz="1800" dirty="0"/>
-              <a:t>  </a:t>
-            </a:r>
-            <a:r>
-              <a:rPr lang="en-US" sz="1800" dirty="0" smtClean="0"/>
-              <a:t>				// </a:t>
-            </a:r>
-            <a:r>
-              <a:rPr lang="en-US" sz="1800" dirty="0"/>
-              <a:t>in that case, </a:t>
-            </a:r>
-            <a:r>
-              <a:rPr lang="en-US" sz="1800" dirty="0" smtClean="0"/>
-              <a:t>target </a:t>
-            </a:r>
-            <a:r>
-              <a:rPr lang="en-US" sz="1800" dirty="0"/>
-              <a:t>is not found so return false </a:t>
+              <a:t>  				// in that case, target is not found so return false </a:t>
             </a:r>
             <a:br>
               <a:rPr lang="en-US" sz="1800" dirty="0"/>
@@ -20566,15 +20139,7 @@
             </a:br>
             <a:r>
               <a:rPr lang="en-US" sz="1800" dirty="0"/>
-              <a:t>    </a:t>
-            </a:r>
-            <a:r>
-              <a:rPr lang="en-US" sz="1800" dirty="0" smtClean="0"/>
-              <a:t>				// </a:t>
-            </a:r>
-            <a:r>
-              <a:rPr lang="en-US" sz="1800" dirty="0"/>
-              <a:t>2. see if found here </a:t>
+              <a:t>    				// 2. see if found here </a:t>
             </a:r>
             <a:br>
               <a:rPr lang="en-US" sz="1800" dirty="0"/>
@@ -20583,49 +20148,28 @@
               <a:rPr lang="en-US" sz="1800" dirty="0"/>
               <a:t>    if (target == node-&gt;data) </a:t>
             </a:r>
-            <a:endParaRPr lang="en-US" sz="1800" dirty="0" smtClean="0"/>
           </a:p>
           <a:p>
             <a:pPr marL="0" indent="0">
               <a:buNone/>
             </a:pPr>
             <a:r>
-              <a:rPr lang="en-US" sz="1800" dirty="0" smtClean="0"/>
-              <a:t>	return(true</a:t>
-            </a:r>
-            <a:r>
               <a:rPr lang="en-US" sz="1800" dirty="0"/>
-              <a:t>); </a:t>
+              <a:t>	return(true); </a:t>
             </a:r>
             <a:br>
               <a:rPr lang="en-US" sz="1800" dirty="0"/>
             </a:br>
             <a:r>
               <a:rPr lang="en-US" sz="1800" dirty="0"/>
-              <a:t>    </a:t>
-            </a:r>
-            <a:r>
-              <a:rPr lang="en-US" sz="1800" dirty="0" smtClean="0"/>
-              <a:t>     else </a:t>
-            </a:r>
-            <a:r>
-              <a:rPr lang="en-US" sz="1800" dirty="0"/>
-              <a:t>{ </a:t>
+              <a:t>         else { </a:t>
             </a:r>
             <a:br>
               <a:rPr lang="en-US" sz="1800" dirty="0"/>
             </a:br>
             <a:r>
               <a:rPr lang="en-US" sz="1800" dirty="0"/>
-              <a:t>      </a:t>
-            </a:r>
-            <a:r>
-              <a:rPr lang="en-US" sz="1800" dirty="0" smtClean="0"/>
-              <a:t>				// </a:t>
-            </a:r>
-            <a:r>
-              <a:rPr lang="en-US" sz="1800" dirty="0"/>
-              <a:t>3. otherwise recur down the correct </a:t>
+              <a:t>      				// 3. otherwise recur down the correct </a:t>
             </a:r>
             <a:r>
               <a:rPr lang="en-US" sz="1800" dirty="0" err="1"/>
@@ -20640,17 +20184,8 @@
             </a:br>
             <a:r>
               <a:rPr lang="en-US" sz="1800" dirty="0"/>
-              <a:t>      </a:t>
-            </a:r>
-            <a:r>
-              <a:rPr lang="en-US" sz="1800" dirty="0" smtClean="0"/>
-              <a:t>    if </a:t>
-            </a:r>
-            <a:r>
-              <a:rPr lang="en-US" sz="1800" dirty="0"/>
-              <a:t>(target &lt; node-&gt;data) </a:t>
-            </a:r>
-            <a:endParaRPr lang="en-US" sz="1800" dirty="0" smtClean="0"/>
+              <a:t>          if (target &lt; node-&gt;data) </a:t>
+            </a:r>
           </a:p>
           <a:p>
             <a:pPr marL="0" indent="0">
@@ -20658,15 +20193,7 @@
             </a:pPr>
             <a:r>
               <a:rPr lang="en-US" sz="1800" dirty="0"/>
-              <a:t> </a:t>
-            </a:r>
-            <a:r>
-              <a:rPr lang="en-US" sz="1800" dirty="0" smtClean="0"/>
-              <a:t>             return(lookup(node-</a:t>
-            </a:r>
-            <a:r>
-              <a:rPr lang="en-US" sz="1800" dirty="0"/>
-              <a:t>&gt;left, target)); </a:t>
+              <a:t>              return(lookup(node-&gt;left, target)); </a:t>
             </a:r>
             <a:br>
               <a:rPr lang="en-US" sz="1800" dirty="0"/>
@@ -20693,10 +20220,9 @@
               <a:rPr lang="en-US" sz="1800" dirty="0"/>
             </a:br>
             <a:r>
-              <a:rPr lang="en-US" sz="1800" dirty="0" smtClean="0"/>
+              <a:rPr lang="en-US" sz="1800" dirty="0"/>
               <a:t>}</a:t>
             </a:r>
-            <a:endParaRPr lang="en-US" sz="1800" dirty="0"/>
           </a:p>
         </p:txBody>
       </p:sp>
@@ -20710,21 +20236,6 @@
   <p:clrMapOvr>
     <a:masterClrMapping/>
   </p:clrMapOvr>
-  <mc:AlternateContent xmlns:mc="http://schemas.openxmlformats.org/markup-compatibility/2006" xmlns:p14="http://schemas.microsoft.com/office/powerpoint/2010/main">
-    <mc:Choice Requires="p14">
-      <p:transition p14:dur="0"/>
-    </mc:Choice>
-    <mc:Fallback xmlns="">
-      <p:transition/>
-    </mc:Fallback>
-  </mc:AlternateContent>
-  <p:timing>
-    <p:tnLst>
-      <p:par>
-        <p:cTn id="1" dur="indefinite" restart="never" nodeType="tmRoot"/>
-      </p:par>
-    </p:tnLst>
-  </p:timing>
 </p:sld>
 </file>
 
@@ -20905,7 +20416,7 @@
               <a:rPr lang="en-US" b="1" dirty="0"/>
               <a:t>Operation - Search</a:t>
             </a:r>
-            <a:endParaRPr lang="en-US" altLang="ko-KR" dirty="0" smtClean="0"/>
+            <a:endParaRPr lang="en-US" altLang="ko-KR" dirty="0"/>
           </a:p>
         </p:txBody>
       </p:sp>
@@ -20937,17 +20448,9 @@
             </a:pPr>
             <a:r>
               <a:rPr lang="en-US" sz="2200" dirty="0"/>
-              <a:t>Search operation takes time O(h), where </a:t>
-            </a:r>
-            <a:r>
-              <a:rPr lang="en-US" sz="2200" dirty="0" smtClean="0"/>
-              <a:t>h is </a:t>
-            </a:r>
-            <a:r>
-              <a:rPr lang="en-US" sz="2200" dirty="0"/>
-              <a:t>the height of a BST</a:t>
-            </a:r>
-            <a:endParaRPr lang="en-US" altLang="ko-KR" sz="2200" dirty="0" smtClean="0"/>
+              <a:t>Search operation takes time O(h), where h is the height of a BST</a:t>
+            </a:r>
+            <a:endParaRPr lang="en-US" altLang="ko-KR" sz="2200" dirty="0"/>
           </a:p>
         </p:txBody>
       </p:sp>
@@ -20961,21 +20464,6 @@
   <p:clrMapOvr>
     <a:masterClrMapping/>
   </p:clrMapOvr>
-  <mc:AlternateContent xmlns:mc="http://schemas.openxmlformats.org/markup-compatibility/2006" xmlns:p14="http://schemas.microsoft.com/office/powerpoint/2010/main">
-    <mc:Choice Requires="p14">
-      <p:transition p14:dur="0"/>
-    </mc:Choice>
-    <mc:Fallback xmlns="">
-      <p:transition/>
-    </mc:Fallback>
-  </mc:AlternateContent>
-  <p:timing>
-    <p:tnLst>
-      <p:par>
-        <p:cTn id="1" dur="indefinite" restart="never" nodeType="tmRoot"/>
-      </p:par>
-    </p:tnLst>
-  </p:timing>
 </p:sld>
 </file>
 
@@ -21156,7 +20644,7 @@
               <a:rPr lang="en-US" b="1" dirty="0"/>
               <a:t>Operation –Min/Max</a:t>
             </a:r>
-            <a:endParaRPr lang="en-US" altLang="ko-KR" dirty="0" smtClean="0"/>
+            <a:endParaRPr lang="en-US" altLang="ko-KR" dirty="0"/>
           </a:p>
         </p:txBody>
       </p:sp>
@@ -21188,21 +20676,8 @@
             </a:pPr>
             <a:r>
               <a:rPr lang="en-US" sz="2200" dirty="0"/>
-              <a:t>For Min, we simply follow the left </a:t>
-            </a:r>
-            <a:r>
-              <a:rPr lang="en-US" sz="2200" dirty="0" smtClean="0"/>
-              <a:t>pointer until </a:t>
-            </a:r>
-            <a:r>
-              <a:rPr lang="en-US" sz="2200" dirty="0"/>
-              <a:t>we find a null </a:t>
-            </a:r>
-            <a:r>
-              <a:rPr lang="en-US" sz="2200" dirty="0" smtClean="0"/>
-              <a:t>node</a:t>
-            </a:r>
-            <a:endParaRPr lang="en-US" sz="2200" dirty="0"/>
+              <a:t>For Min, we simply follow the left pointer until we find a null node</a:t>
+            </a:r>
           </a:p>
           <a:p>
             <a:pPr>
@@ -21210,44 +20685,8 @@
               <a:buChar char="Ø"/>
             </a:pPr>
             <a:r>
-              <a:rPr lang="en-US" sz="2200" dirty="0" smtClean="0"/>
-              <a:t>Why</a:t>
-            </a:r>
-            <a:r>
               <a:rPr lang="en-US" sz="2200" dirty="0"/>
-              <a:t>? Because if it’s not the minimum </a:t>
-            </a:r>
-            <a:r>
-              <a:rPr lang="en-US" sz="2200" dirty="0" smtClean="0"/>
-              <a:t>node, then </a:t>
-            </a:r>
-            <a:r>
-              <a:rPr lang="en-US" sz="2200" dirty="0"/>
-              <a:t>the real min node must reside </a:t>
-            </a:r>
-            <a:r>
-              <a:rPr lang="en-US" sz="2200" dirty="0" smtClean="0"/>
-              <a:t>at some </a:t>
-            </a:r>
-            <a:r>
-              <a:rPr lang="en-US" sz="2200" dirty="0"/>
-              <a:t>node’s right subtree. </a:t>
-            </a:r>
-            <a:r>
-              <a:rPr lang="en-US" sz="2200" dirty="0" smtClean="0"/>
-              <a:t>By </a:t>
-            </a:r>
-            <a:r>
-              <a:rPr lang="en-US" sz="2200" dirty="0"/>
-              <a:t>the </a:t>
-            </a:r>
-            <a:r>
-              <a:rPr lang="en-US" sz="2200" dirty="0" smtClean="0"/>
-              <a:t>property of </a:t>
-            </a:r>
-            <a:r>
-              <a:rPr lang="en-US" sz="2200" dirty="0"/>
-              <a:t>BST, it’s a contradiction</a:t>
+              <a:t>Why? Because if it’s not the minimum node, then the real min node must reside at some node’s right subtree. By the property of BST, it’s a contradiction</a:t>
             </a:r>
           </a:p>
           <a:p>
@@ -21256,12 +20695,8 @@
               <a:buChar char="Ø"/>
             </a:pPr>
             <a:r>
-              <a:rPr lang="en-US" sz="2200" dirty="0" smtClean="0"/>
-              <a:t>Similar </a:t>
-            </a:r>
-            <a:r>
               <a:rPr lang="en-US" sz="2200" dirty="0"/>
-              <a:t>for Max</a:t>
+              <a:t>Similar for Max</a:t>
             </a:r>
           </a:p>
           <a:p>
@@ -21270,16 +20705,8 @@
               <a:buChar char="Ø"/>
             </a:pPr>
             <a:r>
-              <a:rPr lang="en-US" sz="2200" dirty="0" smtClean="0"/>
-              <a:t>Time </a:t>
-            </a:r>
-            <a:r>
               <a:rPr lang="en-US" sz="2200" dirty="0"/>
-              <a:t>complexity: O(h</a:t>
-            </a:r>
-            <a:r>
-              <a:rPr lang="en-US" sz="2200" dirty="0" smtClean="0"/>
-              <a:t>)</a:t>
+              <a:t>Time complexity: O(h)</a:t>
             </a:r>
           </a:p>
         </p:txBody>
@@ -21294,21 +20721,6 @@
   <p:clrMapOvr>
     <a:masterClrMapping/>
   </p:clrMapOvr>
-  <mc:AlternateContent xmlns:mc="http://schemas.openxmlformats.org/markup-compatibility/2006" xmlns:p14="http://schemas.microsoft.com/office/powerpoint/2010/main">
-    <mc:Choice Requires="p14">
-      <p:transition p14:dur="0"/>
-    </mc:Choice>
-    <mc:Fallback xmlns="">
-      <p:transition/>
-    </mc:Fallback>
-  </mc:AlternateContent>
-  <p:timing>
-    <p:tnLst>
-      <p:par>
-        <p:cTn id="1" dur="indefinite" restart="never" nodeType="tmRoot"/>
-      </p:par>
-    </p:tnLst>
-  </p:timing>
 </p:sld>
 </file>
 
@@ -21489,7 +20901,7 @@
               <a:rPr lang="en-US" b="1" dirty="0"/>
               <a:t>Operation –Min/Max</a:t>
             </a:r>
-            <a:endParaRPr lang="en-US" altLang="ko-KR" dirty="0" smtClean="0"/>
+            <a:endParaRPr lang="en-US" altLang="ko-KR" dirty="0"/>
           </a:p>
         </p:txBody>
       </p:sp>
@@ -21686,21 +21098,6 @@
   <p:clrMapOvr>
     <a:masterClrMapping/>
   </p:clrMapOvr>
-  <mc:AlternateContent xmlns:mc="http://schemas.openxmlformats.org/markup-compatibility/2006" xmlns:p14="http://schemas.microsoft.com/office/powerpoint/2010/main">
-    <mc:Choice Requires="p14">
-      <p:transition p14:dur="0"/>
-    </mc:Choice>
-    <mc:Fallback xmlns="">
-      <p:transition/>
-    </mc:Fallback>
-  </mc:AlternateContent>
-  <p:timing>
-    <p:tnLst>
-      <p:par>
-        <p:cTn id="1" dur="indefinite" restart="never" nodeType="tmRoot"/>
-      </p:par>
-    </p:tnLst>
-  </p:timing>
 </p:sld>
 </file>
 
@@ -21881,7 +21278,7 @@
               <a:rPr lang="en-US" b="1" dirty="0"/>
               <a:t>Operation Predecessor/Successor</a:t>
             </a:r>
-            <a:endParaRPr lang="en-US" altLang="ko-KR" dirty="0" smtClean="0"/>
+            <a:endParaRPr lang="en-US" altLang="ko-KR" dirty="0"/>
           </a:p>
         </p:txBody>
       </p:sp>
@@ -21924,26 +21321,11 @@
   <p:clrMapOvr>
     <a:masterClrMapping/>
   </p:clrMapOvr>
-  <mc:AlternateContent xmlns:mc="http://schemas.openxmlformats.org/markup-compatibility/2006" xmlns:p14="http://schemas.microsoft.com/office/powerpoint/2010/main">
-    <mc:Choice Requires="p14">
-      <p:transition p14:dur="0"/>
-    </mc:Choice>
-    <mc:Fallback xmlns="">
-      <p:transition/>
-    </mc:Fallback>
-  </mc:AlternateContent>
-  <p:timing>
-    <p:tnLst>
-      <p:par>
-        <p:cTn id="1" dur="indefinite" restart="never" nodeType="tmRoot"/>
-      </p:par>
-    </p:tnLst>
-  </p:timing>
 </p:sld>
 </file>
 
 <file path=ppt/slides/slide28.xml><?xml version="1.0" encoding="utf-8"?>
-<p:sld xmlns:a="http://schemas.openxmlformats.org/drawingml/2006/main" xmlns:r="http://schemas.openxmlformats.org/officeDocument/2006/relationships" xmlns:p="http://schemas.openxmlformats.org/presentationml/2006/main" showMasterPhAnim="0">
+<p:sld xmlns:a="http://schemas.openxmlformats.org/drawingml/2006/main" xmlns:r="http://schemas.openxmlformats.org/officeDocument/2006/relationships" xmlns:p="http://schemas.openxmlformats.org/presentationml/2006/main">
   <p:cSld>
     <p:spTree>
       <p:nvGrpSpPr>
@@ -21961,7 +21343,13 @@
       </p:grpSpPr>
       <p:sp>
         <p:nvSpPr>
-          <p:cNvPr id="4" name="슬라이드 번호 개체 틀 5"/>
+          <p:cNvPr id="3" name="Slide Number Placeholder 2">
+            <a:extLst>
+              <a:ext uri="{FF2B5EF4-FFF2-40B4-BE49-F238E27FC236}">
+                <a16:creationId xmlns:a16="http://schemas.microsoft.com/office/drawing/2014/main" id="{AF8ADBC9-2EC1-4491-9DD7-99FA600429A6}"/>
+              </a:ext>
+            </a:extLst>
+          </p:cNvPr>
           <p:cNvSpPr>
             <a:spLocks noGrp="1"/>
           </p:cNvSpPr>
@@ -21972,139 +21360,28 @@
         <p:spPr/>
         <p:txBody>
           <a:bodyPr/>
-          <a:lstStyle>
-            <a:lvl1pPr eaLnBrk="0" hangingPunct="0">
-              <a:defRPr kumimoji="1" sz="2400">
-                <a:solidFill>
-                  <a:schemeClr val="tx1"/>
-                </a:solidFill>
-                <a:latin typeface="Times New Roman" pitchFamily="18" charset="0"/>
-                <a:ea typeface="Gulim" pitchFamily="34" charset="-127"/>
-              </a:defRPr>
-            </a:lvl1pPr>
-            <a:lvl2pPr marL="742950" indent="-285750" eaLnBrk="0" hangingPunct="0">
-              <a:defRPr kumimoji="1" sz="2400">
-                <a:solidFill>
-                  <a:schemeClr val="tx1"/>
-                </a:solidFill>
-                <a:latin typeface="Times New Roman" pitchFamily="18" charset="0"/>
-                <a:ea typeface="Gulim" pitchFamily="34" charset="-127"/>
-              </a:defRPr>
-            </a:lvl2pPr>
-            <a:lvl3pPr marL="1143000" indent="-228600" eaLnBrk="0" hangingPunct="0">
-              <a:defRPr kumimoji="1" sz="2400">
-                <a:solidFill>
-                  <a:schemeClr val="tx1"/>
-                </a:solidFill>
-                <a:latin typeface="Times New Roman" pitchFamily="18" charset="0"/>
-                <a:ea typeface="Gulim" pitchFamily="34" charset="-127"/>
-              </a:defRPr>
-            </a:lvl3pPr>
-            <a:lvl4pPr marL="1600200" indent="-228600" eaLnBrk="0" hangingPunct="0">
-              <a:defRPr kumimoji="1" sz="2400">
-                <a:solidFill>
-                  <a:schemeClr val="tx1"/>
-                </a:solidFill>
-                <a:latin typeface="Times New Roman" pitchFamily="18" charset="0"/>
-                <a:ea typeface="Gulim" pitchFamily="34" charset="-127"/>
-              </a:defRPr>
-            </a:lvl4pPr>
-            <a:lvl5pPr marL="2057400" indent="-228600" eaLnBrk="0" hangingPunct="0">
-              <a:defRPr kumimoji="1" sz="2400">
-                <a:solidFill>
-                  <a:schemeClr val="tx1"/>
-                </a:solidFill>
-                <a:latin typeface="Times New Roman" pitchFamily="18" charset="0"/>
-                <a:ea typeface="Gulim" pitchFamily="34" charset="-127"/>
-              </a:defRPr>
-            </a:lvl5pPr>
-            <a:lvl6pPr marL="2514600" indent="-228600" eaLnBrk="0" fontAlgn="base" latinLnBrk="1" hangingPunct="0">
-              <a:spcBef>
-                <a:spcPct val="0"/>
-              </a:spcBef>
-              <a:spcAft>
-                <a:spcPct val="0"/>
-              </a:spcAft>
-              <a:defRPr kumimoji="1" sz="2400">
-                <a:solidFill>
-                  <a:schemeClr val="tx1"/>
-                </a:solidFill>
-                <a:latin typeface="Times New Roman" pitchFamily="18" charset="0"/>
-                <a:ea typeface="Gulim" pitchFamily="34" charset="-127"/>
-              </a:defRPr>
-            </a:lvl6pPr>
-            <a:lvl7pPr marL="2971800" indent="-228600" eaLnBrk="0" fontAlgn="base" latinLnBrk="1" hangingPunct="0">
-              <a:spcBef>
-                <a:spcPct val="0"/>
-              </a:spcBef>
-              <a:spcAft>
-                <a:spcPct val="0"/>
-              </a:spcAft>
-              <a:defRPr kumimoji="1" sz="2400">
-                <a:solidFill>
-                  <a:schemeClr val="tx1"/>
-                </a:solidFill>
-                <a:latin typeface="Times New Roman" pitchFamily="18" charset="0"/>
-                <a:ea typeface="Gulim" pitchFamily="34" charset="-127"/>
-              </a:defRPr>
-            </a:lvl7pPr>
-            <a:lvl8pPr marL="3429000" indent="-228600" eaLnBrk="0" fontAlgn="base" latinLnBrk="1" hangingPunct="0">
-              <a:spcBef>
-                <a:spcPct val="0"/>
-              </a:spcBef>
-              <a:spcAft>
-                <a:spcPct val="0"/>
-              </a:spcAft>
-              <a:defRPr kumimoji="1" sz="2400">
-                <a:solidFill>
-                  <a:schemeClr val="tx1"/>
-                </a:solidFill>
-                <a:latin typeface="Times New Roman" pitchFamily="18" charset="0"/>
-                <a:ea typeface="Gulim" pitchFamily="34" charset="-127"/>
-              </a:defRPr>
-            </a:lvl8pPr>
-            <a:lvl9pPr marL="3886200" indent="-228600" eaLnBrk="0" fontAlgn="base" latinLnBrk="1" hangingPunct="0">
-              <a:spcBef>
-                <a:spcPct val="0"/>
-              </a:spcBef>
-              <a:spcAft>
-                <a:spcPct val="0"/>
-              </a:spcAft>
-              <a:defRPr kumimoji="1" sz="2400">
-                <a:solidFill>
-                  <a:schemeClr val="tx1"/>
-                </a:solidFill>
-                <a:latin typeface="Times New Roman" pitchFamily="18" charset="0"/>
-                <a:ea typeface="Gulim" pitchFamily="34" charset="-127"/>
-              </a:defRPr>
-            </a:lvl9pPr>
-          </a:lstStyle>
-          <a:p>
-            <a:pPr eaLnBrk="1" hangingPunct="1"/>
-            <a:fld id="{65C65CC8-9A31-47C6-8AF0-ABDF9ACAA3EB}" type="slidenum">
-              <a:rPr kumimoji="0" lang="en-US" altLang="ko-KR" sz="2600">
-                <a:solidFill>
-                  <a:schemeClr val="bg1"/>
-                </a:solidFill>
-                <a:latin typeface="Gulim" pitchFamily="34" charset="-127"/>
-              </a:rPr>
-              <a:pPr eaLnBrk="1" hangingPunct="1"/>
+          <a:lstStyle/>
+          <a:p>
+            <a:fld id="{B6F15528-21DE-4FAA-801E-634DDDAF4B2B}" type="slidenum">
+              <a:rPr lang="en-US" smtClean="0"/>
+              <a:pPr/>
               <a:t>28</a:t>
             </a:fld>
-            <a:endParaRPr kumimoji="0" lang="en-US" altLang="ko-KR" sz="2600">
-              <a:solidFill>
-                <a:schemeClr val="bg1"/>
-              </a:solidFill>
-              <a:latin typeface="Gulim" pitchFamily="34" charset="-127"/>
-            </a:endParaRPr>
+            <a:endParaRPr lang="en-US"/>
           </a:p>
         </p:txBody>
       </p:sp>
       <p:sp>
         <p:nvSpPr>
-          <p:cNvPr id="4099" name="Rectangle 2"/>
+          <p:cNvPr id="4" name="Title 3">
+            <a:extLst>
+              <a:ext uri="{FF2B5EF4-FFF2-40B4-BE49-F238E27FC236}">
+                <a16:creationId xmlns:a16="http://schemas.microsoft.com/office/drawing/2014/main" id="{20A56D3E-512C-4481-96B5-0EF187B4BC7D}"/>
+              </a:ext>
+            </a:extLst>
+          </p:cNvPr>
           <p:cNvSpPr>
-            <a:spLocks noGrp="1" noChangeArrowheads="1"/>
+            <a:spLocks noGrp="1"/>
           </p:cNvSpPr>
           <p:nvPr>
             <p:ph type="title"/>
@@ -22115,38 +21392,34 @@
           <a:bodyPr/>
           <a:lstStyle/>
           <a:p>
-            <a:r>
-              <a:rPr lang="en-US" b="1" dirty="0"/>
-              <a:t>Operation Predecessor/Successor</a:t>
-            </a:r>
-            <a:endParaRPr lang="en-US" altLang="ko-KR" dirty="0" smtClean="0"/>
+            <a:endParaRPr lang="en-PK"/>
           </a:p>
         </p:txBody>
       </p:sp>
       <p:pic>
         <p:nvPicPr>
-          <p:cNvPr id="3" name="Picture 2" descr="Screen Clipping"/>
+          <p:cNvPr id="8" name="Picture 7">
+            <a:extLst>
+              <a:ext uri="{FF2B5EF4-FFF2-40B4-BE49-F238E27FC236}">
+                <a16:creationId xmlns:a16="http://schemas.microsoft.com/office/drawing/2014/main" id="{C8BCE4E6-EA9E-48DB-B954-11D07D8B992C}"/>
+              </a:ext>
+            </a:extLst>
+          </p:cNvPr>
           <p:cNvPicPr>
             <a:picLocks noChangeAspect="1"/>
           </p:cNvPicPr>
           <p:nvPr/>
         </p:nvPicPr>
         <p:blipFill>
-          <a:blip r:embed="rId2" cstate="print">
-            <a:extLst>
-              <a:ext uri="{28A0092B-C50C-407E-A947-70E740481C1C}">
-                <a14:useLocalDpi xmlns:a14="http://schemas.microsoft.com/office/drawing/2010/main" val="0"/>
-              </a:ext>
-            </a:extLst>
-          </a:blip>
+          <a:blip r:embed="rId2"/>
           <a:stretch>
             <a:fillRect/>
           </a:stretch>
         </p:blipFill>
         <p:spPr>
           <a:xfrm>
-            <a:off x="304800" y="2609448"/>
-            <a:ext cx="8534400" cy="3715152"/>
+            <a:off x="2101721" y="2111389"/>
+            <a:ext cx="4940558" cy="4167188"/>
           </a:xfrm>
           <a:prstGeom prst="rect">
             <a:avLst/>
@@ -22156,28 +21429,13 @@
     </p:spTree>
     <p:extLst>
       <p:ext uri="{BB962C8B-B14F-4D97-AF65-F5344CB8AC3E}">
-        <p14:creationId xmlns:p14="http://schemas.microsoft.com/office/powerpoint/2010/main" val="2240992820"/>
+        <p14:creationId xmlns:p14="http://schemas.microsoft.com/office/powerpoint/2010/main" val="2031316159"/>
       </p:ext>
     </p:extLst>
   </p:cSld>
   <p:clrMapOvr>
     <a:masterClrMapping/>
   </p:clrMapOvr>
-  <mc:AlternateContent xmlns:mc="http://schemas.openxmlformats.org/markup-compatibility/2006" xmlns:p14="http://schemas.microsoft.com/office/powerpoint/2010/main">
-    <mc:Choice Requires="p14">
-      <p:transition p14:dur="0"/>
-    </mc:Choice>
-    <mc:Fallback xmlns="">
-      <p:transition/>
-    </mc:Fallback>
-  </mc:AlternateContent>
-  <p:timing>
-    <p:tnLst>
-      <p:par>
-        <p:cTn id="1" dur="indefinite" restart="never" nodeType="tmRoot"/>
-      </p:par>
-    </p:tnLst>
-  </p:timing>
 </p:sld>
 </file>
 
@@ -22200,167 +21458,13 @@
       </p:grpSpPr>
       <p:sp>
         <p:nvSpPr>
-          <p:cNvPr id="2" name="Content Placeholder 1"/>
-          <p:cNvSpPr>
-            <a:spLocks noGrp="1"/>
-          </p:cNvSpPr>
-          <p:nvPr>
-            <p:ph idx="1"/>
-          </p:nvPr>
-        </p:nvSpPr>
-        <p:spPr>
-          <a:xfrm>
-            <a:off x="381001" y="1600200"/>
-            <a:ext cx="7899400" cy="4525963"/>
-          </a:xfrm>
-        </p:spPr>
-        <p:txBody>
-          <a:bodyPr>
-            <a:normAutofit/>
-          </a:bodyPr>
-          <a:lstStyle/>
-          <a:p>
-            <a:pPr fontAlgn="base"/>
-            <a:r>
-              <a:rPr lang="en-US" dirty="0"/>
-              <a:t>// A utility function to do </a:t>
-            </a:r>
-            <a:r>
-              <a:rPr lang="en-US" dirty="0" err="1"/>
-              <a:t>inorder</a:t>
-            </a:r>
-            <a:r>
-              <a:rPr lang="en-US" dirty="0"/>
-              <a:t> traversal of BST </a:t>
-            </a:r>
-          </a:p>
-          <a:p>
-            <a:pPr fontAlgn="base"/>
-            <a:r>
-              <a:rPr lang="en-US" dirty="0"/>
-              <a:t>    void </a:t>
-            </a:r>
-            <a:r>
-              <a:rPr lang="en-US" dirty="0" err="1"/>
-              <a:t>inorderRec</a:t>
-            </a:r>
-            <a:r>
-              <a:rPr lang="en-US" dirty="0"/>
-              <a:t>(Node root) </a:t>
-            </a:r>
-          </a:p>
-          <a:p>
-            <a:pPr fontAlgn="base"/>
-            <a:r>
-              <a:rPr lang="en-US" dirty="0"/>
-              <a:t>    { </a:t>
-            </a:r>
-          </a:p>
-          <a:p>
-            <a:pPr fontAlgn="base"/>
-            <a:r>
-              <a:rPr lang="en-US" dirty="0"/>
-              <a:t>        if (root != null) </a:t>
-            </a:r>
-          </a:p>
-          <a:p>
-            <a:pPr fontAlgn="base"/>
-            <a:r>
-              <a:rPr lang="en-US" dirty="0"/>
-              <a:t>        { </a:t>
-            </a:r>
-          </a:p>
-          <a:p>
-            <a:pPr fontAlgn="base"/>
-            <a:r>
-              <a:rPr lang="en-US" dirty="0"/>
-              <a:t>            </a:t>
-            </a:r>
-            <a:r>
-              <a:rPr lang="en-US" dirty="0" err="1"/>
-              <a:t>inorderRec</a:t>
-            </a:r>
-            <a:r>
-              <a:rPr lang="en-US" dirty="0"/>
-              <a:t>(</a:t>
-            </a:r>
-            <a:r>
-              <a:rPr lang="en-US" dirty="0" err="1"/>
-              <a:t>root.left</a:t>
-            </a:r>
-            <a:r>
-              <a:rPr lang="en-US" dirty="0"/>
-              <a:t>); </a:t>
-            </a:r>
-          </a:p>
-          <a:p>
-            <a:pPr fontAlgn="base"/>
-            <a:r>
-              <a:rPr lang="en-US" dirty="0"/>
-              <a:t>            </a:t>
-            </a:r>
-            <a:r>
-              <a:rPr lang="en-US" dirty="0" err="1"/>
-              <a:t>System.out.print</a:t>
-            </a:r>
-            <a:r>
-              <a:rPr lang="en-US" dirty="0"/>
-              <a:t>(</a:t>
-            </a:r>
-            <a:r>
-              <a:rPr lang="en-US" dirty="0" err="1"/>
-              <a:t>root.key</a:t>
-            </a:r>
-            <a:r>
-              <a:rPr lang="en-US" dirty="0"/>
-              <a:t> + " "); </a:t>
-            </a:r>
-          </a:p>
-          <a:p>
-            <a:pPr fontAlgn="base"/>
-            <a:r>
-              <a:rPr lang="en-US" dirty="0"/>
-              <a:t>            </a:t>
-            </a:r>
-            <a:r>
-              <a:rPr lang="en-US" dirty="0" err="1"/>
-              <a:t>inorderRec</a:t>
-            </a:r>
-            <a:r>
-              <a:rPr lang="en-US" dirty="0"/>
-              <a:t>(</a:t>
-            </a:r>
-            <a:r>
-              <a:rPr lang="en-US" dirty="0" err="1"/>
-              <a:t>root.right</a:t>
-            </a:r>
-            <a:r>
-              <a:rPr lang="en-US" dirty="0"/>
-              <a:t>); </a:t>
-            </a:r>
-          </a:p>
-          <a:p>
-            <a:pPr fontAlgn="base"/>
-            <a:r>
-              <a:rPr lang="en-US" dirty="0"/>
-              <a:t>        } </a:t>
-            </a:r>
-          </a:p>
-          <a:p>
-            <a:pPr fontAlgn="base"/>
-            <a:r>
-              <a:rPr lang="en-US" dirty="0"/>
-              <a:t>    } </a:t>
-            </a:r>
-          </a:p>
-          <a:p>
-            <a:endParaRPr lang="en-US" dirty="0"/>
-          </a:p>
-        </p:txBody>
-      </p:sp>
-      <p:sp>
-        <p:nvSpPr>
-          <p:cNvPr id="3" name="Slide Number Placeholder 2"/>
+          <p:cNvPr id="3" name="Slide Number Placeholder 2">
+            <a:extLst>
+              <a:ext uri="{FF2B5EF4-FFF2-40B4-BE49-F238E27FC236}">
+                <a16:creationId xmlns:a16="http://schemas.microsoft.com/office/drawing/2014/main" id="{8485F98E-7E13-4FF5-8447-99789AD340EE}"/>
+              </a:ext>
+            </a:extLst>
+          </p:cNvPr>
           <p:cNvSpPr>
             <a:spLocks noGrp="1"/>
           </p:cNvSpPr>
@@ -22384,7 +21488,13 @@
       </p:sp>
       <p:sp>
         <p:nvSpPr>
-          <p:cNvPr id="4" name="Title 3"/>
+          <p:cNvPr id="4" name="Title 3">
+            <a:extLst>
+              <a:ext uri="{FF2B5EF4-FFF2-40B4-BE49-F238E27FC236}">
+                <a16:creationId xmlns:a16="http://schemas.microsoft.com/office/drawing/2014/main" id="{0A4994F4-DBC3-40E4-B0DE-61443B411886}"/>
+              </a:ext>
+            </a:extLst>
+          </p:cNvPr>
           <p:cNvSpPr>
             <a:spLocks noGrp="1"/>
           </p:cNvSpPr>
@@ -22397,18 +21507,61 @@
           <a:bodyPr/>
           <a:lstStyle/>
           <a:p>
-            <a:r>
-              <a:rPr lang="en-US" b="1" dirty="0"/>
-              <a:t>Operation Predecessor/Successor</a:t>
-            </a:r>
-            <a:endParaRPr lang="en-US" dirty="0"/>
+            <a:endParaRPr lang="en-PK"/>
           </a:p>
         </p:txBody>
       </p:sp>
+      <p:pic>
+        <p:nvPicPr>
+          <p:cNvPr id="1026" name="Picture 2">
+            <a:extLst>
+              <a:ext uri="{FF2B5EF4-FFF2-40B4-BE49-F238E27FC236}">
+                <a16:creationId xmlns:a16="http://schemas.microsoft.com/office/drawing/2014/main" id="{6B0EA6F3-5450-4690-8E2F-E885B1B23868}"/>
+              </a:ext>
+            </a:extLst>
+          </p:cNvPr>
+          <p:cNvPicPr>
+            <a:picLocks noChangeAspect="1" noChangeArrowheads="1"/>
+          </p:cNvPicPr>
+          <p:nvPr/>
+        </p:nvPicPr>
+        <p:blipFill>
+          <a:blip r:embed="rId2">
+            <a:extLst>
+              <a:ext uri="{28A0092B-C50C-407E-A947-70E740481C1C}">
+                <a14:useLocalDpi xmlns:a14="http://schemas.microsoft.com/office/drawing/2010/main" val="0"/>
+              </a:ext>
+            </a:extLst>
+          </a:blip>
+          <a:srcRect/>
+          <a:stretch>
+            <a:fillRect/>
+          </a:stretch>
+        </p:blipFill>
+        <p:spPr bwMode="auto">
+          <a:xfrm>
+            <a:off x="762000" y="681038"/>
+            <a:ext cx="7620000" cy="5495925"/>
+          </a:xfrm>
+          <a:prstGeom prst="rect">
+            <a:avLst/>
+          </a:prstGeom>
+          <a:noFill/>
+          <a:extLst>
+            <a:ext uri="{909E8E84-426E-40DD-AFC4-6F175D3DCCD1}">
+              <a14:hiddenFill xmlns:a14="http://schemas.microsoft.com/office/drawing/2010/main">
+                <a:solidFill>
+                  <a:srgbClr val="FFFFFF"/>
+                </a:solidFill>
+              </a14:hiddenFill>
+            </a:ext>
+          </a:extLst>
+        </p:spPr>
+      </p:pic>
     </p:spTree>
     <p:extLst>
       <p:ext uri="{BB962C8B-B14F-4D97-AF65-F5344CB8AC3E}">
-        <p14:creationId xmlns:p14="http://schemas.microsoft.com/office/powerpoint/2010/main" val="1667975139"/>
+        <p14:creationId xmlns:p14="http://schemas.microsoft.com/office/powerpoint/2010/main" val="1067173531"/>
       </p:ext>
     </p:extLst>
   </p:cSld>
@@ -22481,7 +21634,7 @@
           <a:p>
             <a:pPr eaLnBrk="1" hangingPunct="1"/>
             <a:r>
-              <a:rPr lang="en-US" dirty="0" smtClean="0"/>
+              <a:rPr lang="en-US" dirty="0"/>
               <a:t>Example</a:t>
             </a:r>
           </a:p>
@@ -22527,21 +21680,6 @@
   <p:clrMapOvr>
     <a:masterClrMapping/>
   </p:clrMapOvr>
-  <mc:AlternateContent xmlns:mc="http://schemas.openxmlformats.org/markup-compatibility/2006" xmlns:p14="http://schemas.microsoft.com/office/powerpoint/2010/main">
-    <mc:Choice Requires="p14">
-      <p:transition spd="slow" p14:dur="2000"/>
-    </mc:Choice>
-    <mc:Fallback xmlns="">
-      <p:transition spd="slow"/>
-    </mc:Fallback>
-  </mc:AlternateContent>
-  <p:timing>
-    <p:tnLst>
-      <p:par>
-        <p:cTn id="1" dur="indefinite" restart="never" nodeType="tmRoot"/>
-      </p:par>
-    </p:tnLst>
-  </p:timing>
 </p:sld>
 </file>
 
@@ -22722,109 +21860,55 @@
               <a:rPr lang="en-US" b="1" dirty="0"/>
               <a:t>Operation Predecessor/Successor</a:t>
             </a:r>
-            <a:endParaRPr lang="en-US" altLang="ko-KR" dirty="0" smtClean="0"/>
+            <a:endParaRPr lang="en-US" altLang="ko-KR" dirty="0"/>
           </a:p>
         </p:txBody>
       </p:sp>
-      <p:sp>
-        <p:nvSpPr>
-          <p:cNvPr id="329731" name="Rectangle 3"/>
-          <p:cNvSpPr>
-            <a:spLocks noGrp="1" noChangeArrowheads="1"/>
-          </p:cNvSpPr>
-          <p:nvPr>
-            <p:ph type="body" idx="1"/>
-          </p:nvPr>
-        </p:nvSpPr>
+      <p:pic>
+        <p:nvPicPr>
+          <p:cNvPr id="3" name="Picture 2" descr="Screen Clipping"/>
+          <p:cNvPicPr>
+            <a:picLocks noChangeAspect="1"/>
+          </p:cNvPicPr>
+          <p:nvPr/>
+        </p:nvPicPr>
+        <p:blipFill>
+          <a:blip r:embed="rId2" cstate="print">
+            <a:extLst>
+              <a:ext uri="{28A0092B-C50C-407E-A947-70E740481C1C}">
+                <a14:useLocalDpi xmlns:a14="http://schemas.microsoft.com/office/drawing/2010/main" val="0"/>
+              </a:ext>
+            </a:extLst>
+          </a:blip>
+          <a:stretch>
+            <a:fillRect/>
+          </a:stretch>
+        </p:blipFill>
         <p:spPr>
           <a:xfrm>
-            <a:off x="304800" y="2416704"/>
-            <a:ext cx="8534400" cy="4365096"/>
+            <a:off x="304800" y="2514600"/>
+            <a:ext cx="8534400" cy="3715152"/>
           </a:xfrm>
+          <a:prstGeom prst="rect">
+            <a:avLst/>
+          </a:prstGeom>
         </p:spPr>
-        <p:txBody>
-          <a:bodyPr>
-            <a:noAutofit/>
-          </a:bodyPr>
-          <a:lstStyle/>
-          <a:p>
-            <a:pPr>
-              <a:buFont typeface="Wingdings" pitchFamily="2" charset="2"/>
-              <a:buChar char="Ø"/>
-            </a:pPr>
-            <a:r>
-              <a:rPr lang="en-US" sz="2200" dirty="0"/>
-              <a:t>Successor(x)</a:t>
-            </a:r>
-          </a:p>
-          <a:p>
-            <a:pPr>
-              <a:buFont typeface="Wingdings" pitchFamily="2" charset="2"/>
-              <a:buChar char="§"/>
-            </a:pPr>
-            <a:r>
-              <a:rPr lang="en-US" sz="2200" dirty="0" smtClean="0"/>
-              <a:t>If </a:t>
-            </a:r>
-            <a:r>
-              <a:rPr lang="en-US" sz="2200" dirty="0"/>
-              <a:t>we sort all elements in a BST to a sequence,</a:t>
-            </a:r>
-          </a:p>
-          <a:p>
-            <a:pPr>
-              <a:buFont typeface="Wingdings" pitchFamily="2" charset="2"/>
-              <a:buChar char="§"/>
-            </a:pPr>
-            <a:r>
-              <a:rPr lang="en-US" sz="2200" dirty="0"/>
-              <a:t>return the element just after x</a:t>
-            </a:r>
-          </a:p>
-          <a:p>
-            <a:pPr lvl="1"/>
-            <a:r>
-              <a:rPr lang="en-US" sz="2000" dirty="0" smtClean="0"/>
-              <a:t>Time </a:t>
-            </a:r>
-            <a:r>
-              <a:rPr lang="en-US" sz="2000" dirty="0"/>
-              <a:t>complexity: O(h)</a:t>
-            </a:r>
-            <a:endParaRPr lang="en-US" altLang="ko-KR" sz="2000" dirty="0" smtClean="0"/>
-          </a:p>
-        </p:txBody>
-      </p:sp>
+      </p:pic>
     </p:spTree>
     <p:extLst>
       <p:ext uri="{BB962C8B-B14F-4D97-AF65-F5344CB8AC3E}">
-        <p14:creationId xmlns:p14="http://schemas.microsoft.com/office/powerpoint/2010/main" val="2002485236"/>
+        <p14:creationId xmlns:p14="http://schemas.microsoft.com/office/powerpoint/2010/main" val="2240992820"/>
       </p:ext>
     </p:extLst>
   </p:cSld>
   <p:clrMapOvr>
     <a:masterClrMapping/>
   </p:clrMapOvr>
-  <mc:AlternateContent xmlns:mc="http://schemas.openxmlformats.org/markup-compatibility/2006" xmlns:p14="http://schemas.microsoft.com/office/powerpoint/2010/main">
-    <mc:Choice Requires="p14">
-      <p:transition p14:dur="0"/>
-    </mc:Choice>
-    <mc:Fallback xmlns="">
-      <p:transition/>
-    </mc:Fallback>
-  </mc:AlternateContent>
-  <p:timing>
-    <p:tnLst>
-      <p:par>
-        <p:cTn id="1" dur="indefinite" restart="never" nodeType="tmRoot"/>
-      </p:par>
-    </p:tnLst>
-  </p:timing>
 </p:sld>
 </file>
 
 <file path=ppt/slides/slide31.xml><?xml version="1.0" encoding="utf-8"?>
-<p:sld xmlns:a="http://schemas.openxmlformats.org/drawingml/2006/main" xmlns:r="http://schemas.openxmlformats.org/officeDocument/2006/relationships" xmlns:p="http://schemas.openxmlformats.org/presentationml/2006/main" showMasterPhAnim="0">
+<p:sld xmlns:a="http://schemas.openxmlformats.org/drawingml/2006/main" xmlns:r="http://schemas.openxmlformats.org/officeDocument/2006/relationships" xmlns:p="http://schemas.openxmlformats.org/presentationml/2006/main">
   <p:cSld>
     <p:spTree>
       <p:nvGrpSpPr>
@@ -22842,7 +21926,167 @@
       </p:grpSpPr>
       <p:sp>
         <p:nvSpPr>
-          <p:cNvPr id="4" name="슬라이드 번호 개체 틀 5"/>
+          <p:cNvPr id="2" name="Content Placeholder 1"/>
+          <p:cNvSpPr>
+            <a:spLocks noGrp="1"/>
+          </p:cNvSpPr>
+          <p:nvPr>
+            <p:ph idx="1"/>
+          </p:nvPr>
+        </p:nvSpPr>
+        <p:spPr>
+          <a:xfrm>
+            <a:off x="381001" y="1600200"/>
+            <a:ext cx="7899400" cy="4525963"/>
+          </a:xfrm>
+        </p:spPr>
+        <p:txBody>
+          <a:bodyPr>
+            <a:normAutofit/>
+          </a:bodyPr>
+          <a:lstStyle/>
+          <a:p>
+            <a:pPr fontAlgn="base"/>
+            <a:r>
+              <a:rPr lang="en-US" dirty="0"/>
+              <a:t>// A utility function to do </a:t>
+            </a:r>
+            <a:r>
+              <a:rPr lang="en-US" dirty="0" err="1"/>
+              <a:t>inorder</a:t>
+            </a:r>
+            <a:r>
+              <a:rPr lang="en-US" dirty="0"/>
+              <a:t> traversal of BST </a:t>
+            </a:r>
+          </a:p>
+          <a:p>
+            <a:pPr fontAlgn="base"/>
+            <a:r>
+              <a:rPr lang="en-US" dirty="0"/>
+              <a:t>    void </a:t>
+            </a:r>
+            <a:r>
+              <a:rPr lang="en-US" dirty="0" err="1"/>
+              <a:t>inorderRec</a:t>
+            </a:r>
+            <a:r>
+              <a:rPr lang="en-US" dirty="0"/>
+              <a:t>(Node root) </a:t>
+            </a:r>
+          </a:p>
+          <a:p>
+            <a:pPr fontAlgn="base"/>
+            <a:r>
+              <a:rPr lang="en-US" dirty="0"/>
+              <a:t>    { </a:t>
+            </a:r>
+          </a:p>
+          <a:p>
+            <a:pPr fontAlgn="base"/>
+            <a:r>
+              <a:rPr lang="en-US" dirty="0"/>
+              <a:t>        if (root != null) </a:t>
+            </a:r>
+          </a:p>
+          <a:p>
+            <a:pPr fontAlgn="base"/>
+            <a:r>
+              <a:rPr lang="en-US" dirty="0"/>
+              <a:t>        { </a:t>
+            </a:r>
+          </a:p>
+          <a:p>
+            <a:pPr fontAlgn="base"/>
+            <a:r>
+              <a:rPr lang="en-US" dirty="0"/>
+              <a:t>            </a:t>
+            </a:r>
+            <a:r>
+              <a:rPr lang="en-US" dirty="0" err="1"/>
+              <a:t>inorderRec</a:t>
+            </a:r>
+            <a:r>
+              <a:rPr lang="en-US" dirty="0"/>
+              <a:t>(</a:t>
+            </a:r>
+            <a:r>
+              <a:rPr lang="en-US" dirty="0" err="1"/>
+              <a:t>root.left</a:t>
+            </a:r>
+            <a:r>
+              <a:rPr lang="en-US" dirty="0"/>
+              <a:t>); </a:t>
+            </a:r>
+          </a:p>
+          <a:p>
+            <a:pPr fontAlgn="base"/>
+            <a:r>
+              <a:rPr lang="en-US" dirty="0"/>
+              <a:t>            </a:t>
+            </a:r>
+            <a:r>
+              <a:rPr lang="en-US" dirty="0" err="1"/>
+              <a:t>System.out.print</a:t>
+            </a:r>
+            <a:r>
+              <a:rPr lang="en-US" dirty="0"/>
+              <a:t>(</a:t>
+            </a:r>
+            <a:r>
+              <a:rPr lang="en-US" dirty="0" err="1"/>
+              <a:t>root.key</a:t>
+            </a:r>
+            <a:r>
+              <a:rPr lang="en-US" dirty="0"/>
+              <a:t> + " "); </a:t>
+            </a:r>
+          </a:p>
+          <a:p>
+            <a:pPr fontAlgn="base"/>
+            <a:r>
+              <a:rPr lang="en-US" dirty="0"/>
+              <a:t>            </a:t>
+            </a:r>
+            <a:r>
+              <a:rPr lang="en-US" dirty="0" err="1"/>
+              <a:t>inorderRec</a:t>
+            </a:r>
+            <a:r>
+              <a:rPr lang="en-US" dirty="0"/>
+              <a:t>(</a:t>
+            </a:r>
+            <a:r>
+              <a:rPr lang="en-US" dirty="0" err="1"/>
+              <a:t>root.right</a:t>
+            </a:r>
+            <a:r>
+              <a:rPr lang="en-US" dirty="0"/>
+              <a:t>); </a:t>
+            </a:r>
+          </a:p>
+          <a:p>
+            <a:pPr fontAlgn="base"/>
+            <a:r>
+              <a:rPr lang="en-US" dirty="0"/>
+              <a:t>        } </a:t>
+            </a:r>
+          </a:p>
+          <a:p>
+            <a:pPr fontAlgn="base"/>
+            <a:r>
+              <a:rPr lang="en-US" dirty="0"/>
+              <a:t>    } </a:t>
+            </a:r>
+          </a:p>
+          <a:p>
+            <a:endParaRPr lang="en-US" dirty="0"/>
+          </a:p>
+        </p:txBody>
+      </p:sp>
+      <p:sp>
+        <p:nvSpPr>
+          <p:cNvPr id="3" name="Slide Number Placeholder 2"/>
           <p:cNvSpPr>
             <a:spLocks noGrp="1"/>
           </p:cNvSpPr>
@@ -22853,139 +22097,22 @@
         <p:spPr/>
         <p:txBody>
           <a:bodyPr/>
-          <a:lstStyle>
-            <a:lvl1pPr eaLnBrk="0" hangingPunct="0">
-              <a:defRPr kumimoji="1" sz="2400">
-                <a:solidFill>
-                  <a:schemeClr val="tx1"/>
-                </a:solidFill>
-                <a:latin typeface="Times New Roman" pitchFamily="18" charset="0"/>
-                <a:ea typeface="Gulim" pitchFamily="34" charset="-127"/>
-              </a:defRPr>
-            </a:lvl1pPr>
-            <a:lvl2pPr marL="742950" indent="-285750" eaLnBrk="0" hangingPunct="0">
-              <a:defRPr kumimoji="1" sz="2400">
-                <a:solidFill>
-                  <a:schemeClr val="tx1"/>
-                </a:solidFill>
-                <a:latin typeface="Times New Roman" pitchFamily="18" charset="0"/>
-                <a:ea typeface="Gulim" pitchFamily="34" charset="-127"/>
-              </a:defRPr>
-            </a:lvl2pPr>
-            <a:lvl3pPr marL="1143000" indent="-228600" eaLnBrk="0" hangingPunct="0">
-              <a:defRPr kumimoji="1" sz="2400">
-                <a:solidFill>
-                  <a:schemeClr val="tx1"/>
-                </a:solidFill>
-                <a:latin typeface="Times New Roman" pitchFamily="18" charset="0"/>
-                <a:ea typeface="Gulim" pitchFamily="34" charset="-127"/>
-              </a:defRPr>
-            </a:lvl3pPr>
-            <a:lvl4pPr marL="1600200" indent="-228600" eaLnBrk="0" hangingPunct="0">
-              <a:defRPr kumimoji="1" sz="2400">
-                <a:solidFill>
-                  <a:schemeClr val="tx1"/>
-                </a:solidFill>
-                <a:latin typeface="Times New Roman" pitchFamily="18" charset="0"/>
-                <a:ea typeface="Gulim" pitchFamily="34" charset="-127"/>
-              </a:defRPr>
-            </a:lvl4pPr>
-            <a:lvl5pPr marL="2057400" indent="-228600" eaLnBrk="0" hangingPunct="0">
-              <a:defRPr kumimoji="1" sz="2400">
-                <a:solidFill>
-                  <a:schemeClr val="tx1"/>
-                </a:solidFill>
-                <a:latin typeface="Times New Roman" pitchFamily="18" charset="0"/>
-                <a:ea typeface="Gulim" pitchFamily="34" charset="-127"/>
-              </a:defRPr>
-            </a:lvl5pPr>
-            <a:lvl6pPr marL="2514600" indent="-228600" eaLnBrk="0" fontAlgn="base" latinLnBrk="1" hangingPunct="0">
-              <a:spcBef>
-                <a:spcPct val="0"/>
-              </a:spcBef>
-              <a:spcAft>
-                <a:spcPct val="0"/>
-              </a:spcAft>
-              <a:defRPr kumimoji="1" sz="2400">
-                <a:solidFill>
-                  <a:schemeClr val="tx1"/>
-                </a:solidFill>
-                <a:latin typeface="Times New Roman" pitchFamily="18" charset="0"/>
-                <a:ea typeface="Gulim" pitchFamily="34" charset="-127"/>
-              </a:defRPr>
-            </a:lvl6pPr>
-            <a:lvl7pPr marL="2971800" indent="-228600" eaLnBrk="0" fontAlgn="base" latinLnBrk="1" hangingPunct="0">
-              <a:spcBef>
-                <a:spcPct val="0"/>
-              </a:spcBef>
-              <a:spcAft>
-                <a:spcPct val="0"/>
-              </a:spcAft>
-              <a:defRPr kumimoji="1" sz="2400">
-                <a:solidFill>
-                  <a:schemeClr val="tx1"/>
-                </a:solidFill>
-                <a:latin typeface="Times New Roman" pitchFamily="18" charset="0"/>
-                <a:ea typeface="Gulim" pitchFamily="34" charset="-127"/>
-              </a:defRPr>
-            </a:lvl7pPr>
-            <a:lvl8pPr marL="3429000" indent="-228600" eaLnBrk="0" fontAlgn="base" latinLnBrk="1" hangingPunct="0">
-              <a:spcBef>
-                <a:spcPct val="0"/>
-              </a:spcBef>
-              <a:spcAft>
-                <a:spcPct val="0"/>
-              </a:spcAft>
-              <a:defRPr kumimoji="1" sz="2400">
-                <a:solidFill>
-                  <a:schemeClr val="tx1"/>
-                </a:solidFill>
-                <a:latin typeface="Times New Roman" pitchFamily="18" charset="0"/>
-                <a:ea typeface="Gulim" pitchFamily="34" charset="-127"/>
-              </a:defRPr>
-            </a:lvl8pPr>
-            <a:lvl9pPr marL="3886200" indent="-228600" eaLnBrk="0" fontAlgn="base" latinLnBrk="1" hangingPunct="0">
-              <a:spcBef>
-                <a:spcPct val="0"/>
-              </a:spcBef>
-              <a:spcAft>
-                <a:spcPct val="0"/>
-              </a:spcAft>
-              <a:defRPr kumimoji="1" sz="2400">
-                <a:solidFill>
-                  <a:schemeClr val="tx1"/>
-                </a:solidFill>
-                <a:latin typeface="Times New Roman" pitchFamily="18" charset="0"/>
-                <a:ea typeface="Gulim" pitchFamily="34" charset="-127"/>
-              </a:defRPr>
-            </a:lvl9pPr>
-          </a:lstStyle>
-          <a:p>
-            <a:pPr eaLnBrk="1" hangingPunct="1"/>
-            <a:fld id="{65C65CC8-9A31-47C6-8AF0-ABDF9ACAA3EB}" type="slidenum">
-              <a:rPr kumimoji="0" lang="en-US" altLang="ko-KR" sz="2600">
-                <a:solidFill>
-                  <a:schemeClr val="bg1"/>
-                </a:solidFill>
-                <a:latin typeface="Gulim" pitchFamily="34" charset="-127"/>
-              </a:rPr>
-              <a:pPr eaLnBrk="1" hangingPunct="1"/>
+          <a:lstStyle/>
+          <a:p>
+            <a:fld id="{B6F15528-21DE-4FAA-801E-634DDDAF4B2B}" type="slidenum">
+              <a:rPr lang="en-US" smtClean="0"/>
+              <a:pPr/>
               <a:t>31</a:t>
             </a:fld>
-            <a:endParaRPr kumimoji="0" lang="en-US" altLang="ko-KR" sz="2600">
-              <a:solidFill>
-                <a:schemeClr val="bg1"/>
-              </a:solidFill>
-              <a:latin typeface="Gulim" pitchFamily="34" charset="-127"/>
-            </a:endParaRPr>
+            <a:endParaRPr lang="en-US"/>
           </a:p>
         </p:txBody>
       </p:sp>
       <p:sp>
         <p:nvSpPr>
-          <p:cNvPr id="4099" name="Rectangle 2"/>
+          <p:cNvPr id="4" name="Title 3"/>
           <p:cNvSpPr>
-            <a:spLocks noGrp="1" noChangeArrowheads="1"/>
+            <a:spLocks noGrp="1"/>
           </p:cNvSpPr>
           <p:nvPr>
             <p:ph type="title"/>
@@ -22998,107 +22125,22 @@
           <a:p>
             <a:r>
               <a:rPr lang="en-US" b="1" dirty="0"/>
-              <a:t>Operation - Delete</a:t>
-            </a:r>
-            <a:endParaRPr lang="en-US" altLang="ko-KR" dirty="0" smtClean="0"/>
-          </a:p>
-        </p:txBody>
-      </p:sp>
-      <p:sp>
-        <p:nvSpPr>
-          <p:cNvPr id="329731" name="Rectangle 3"/>
-          <p:cNvSpPr>
-            <a:spLocks noGrp="1" noChangeArrowheads="1"/>
-          </p:cNvSpPr>
-          <p:nvPr>
-            <p:ph type="body" idx="1"/>
-          </p:nvPr>
-        </p:nvSpPr>
-        <p:spPr>
-          <a:xfrm>
-            <a:off x="304800" y="2416704"/>
-            <a:ext cx="8534400" cy="1698096"/>
-          </a:xfrm>
-        </p:spPr>
-        <p:txBody>
-          <a:bodyPr>
-            <a:noAutofit/>
-          </a:bodyPr>
-          <a:lstStyle/>
-          <a:p>
-            <a:pPr>
-              <a:buFont typeface="Wingdings" pitchFamily="2" charset="2"/>
-              <a:buChar char="Ø"/>
-            </a:pPr>
-            <a:r>
-              <a:rPr lang="en-US" sz="2200" dirty="0" smtClean="0"/>
-              <a:t>Delete (</a:t>
-            </a:r>
-            <a:r>
-              <a:rPr lang="en-US" sz="2200" dirty="0" err="1"/>
-              <a:t>T,z</a:t>
-            </a:r>
-            <a:r>
-              <a:rPr lang="en-US" sz="2200" dirty="0"/>
-              <a:t>)</a:t>
-            </a:r>
-          </a:p>
-          <a:p>
-            <a:pPr lvl="1">
-              <a:buFont typeface="Wingdings" pitchFamily="2" charset="2"/>
-              <a:buChar char="§"/>
-            </a:pPr>
-            <a:r>
-              <a:rPr lang="en-US" sz="2000" dirty="0" smtClean="0"/>
-              <a:t>Delete </a:t>
-            </a:r>
-            <a:r>
-              <a:rPr lang="en-US" sz="2000" dirty="0"/>
-              <a:t>a node with key=z from BST T</a:t>
-            </a:r>
-          </a:p>
-          <a:p>
-            <a:pPr lvl="1">
-              <a:buFont typeface="Wingdings" pitchFamily="2" charset="2"/>
-              <a:buChar char="§"/>
-            </a:pPr>
-            <a:r>
-              <a:rPr lang="en-US" sz="2000" dirty="0" smtClean="0"/>
-              <a:t>Time </a:t>
-            </a:r>
-            <a:r>
-              <a:rPr lang="en-US" sz="2000" dirty="0"/>
-              <a:t>complexity: O(h)</a:t>
-            </a:r>
-            <a:endParaRPr lang="en-US" altLang="ko-KR" sz="2000" dirty="0" smtClean="0"/>
+              <a:t>Operation Predecessor/Successor</a:t>
+            </a:r>
+            <a:endParaRPr lang="en-US" dirty="0"/>
           </a:p>
         </p:txBody>
       </p:sp>
     </p:spTree>
     <p:extLst>
       <p:ext uri="{BB962C8B-B14F-4D97-AF65-F5344CB8AC3E}">
-        <p14:creationId xmlns:p14="http://schemas.microsoft.com/office/powerpoint/2010/main" val="3571000091"/>
+        <p14:creationId xmlns:p14="http://schemas.microsoft.com/office/powerpoint/2010/main" val="1667975139"/>
       </p:ext>
     </p:extLst>
   </p:cSld>
   <p:clrMapOvr>
     <a:masterClrMapping/>
   </p:clrMapOvr>
-  <mc:AlternateContent xmlns:mc="http://schemas.openxmlformats.org/markup-compatibility/2006" xmlns:p14="http://schemas.microsoft.com/office/powerpoint/2010/main">
-    <mc:Choice Requires="p14">
-      <p:transition p14:dur="0"/>
-    </mc:Choice>
-    <mc:Fallback xmlns="">
-      <p:transition/>
-    </mc:Fallback>
-  </mc:AlternateContent>
-  <p:timing>
-    <p:tnLst>
-      <p:par>
-        <p:cTn id="1" dur="indefinite" restart="never" nodeType="tmRoot"/>
-      </p:par>
-    </p:tnLst>
-  </p:timing>
 </p:sld>
 </file>
 
@@ -23277,9 +22319,520 @@
           <a:p>
             <a:r>
               <a:rPr lang="en-US" b="1" dirty="0"/>
+              <a:t>Operation Predecessor/Successor</a:t>
+            </a:r>
+            <a:endParaRPr lang="en-US" altLang="ko-KR" dirty="0"/>
+          </a:p>
+        </p:txBody>
+      </p:sp>
+      <p:sp>
+        <p:nvSpPr>
+          <p:cNvPr id="329731" name="Rectangle 3"/>
+          <p:cNvSpPr>
+            <a:spLocks noGrp="1" noChangeArrowheads="1"/>
+          </p:cNvSpPr>
+          <p:nvPr>
+            <p:ph type="body" idx="1"/>
+          </p:nvPr>
+        </p:nvSpPr>
+        <p:spPr>
+          <a:xfrm>
+            <a:off x="304800" y="2416704"/>
+            <a:ext cx="8534400" cy="4365096"/>
+          </a:xfrm>
+        </p:spPr>
+        <p:txBody>
+          <a:bodyPr>
+            <a:noAutofit/>
+          </a:bodyPr>
+          <a:lstStyle/>
+          <a:p>
+            <a:pPr>
+              <a:buFont typeface="Wingdings" pitchFamily="2" charset="2"/>
+              <a:buChar char="Ø"/>
+            </a:pPr>
+            <a:r>
+              <a:rPr lang="en-US" sz="2200" dirty="0"/>
+              <a:t>Successor(x)</a:t>
+            </a:r>
+          </a:p>
+          <a:p>
+            <a:pPr>
+              <a:buFont typeface="Wingdings" pitchFamily="2" charset="2"/>
+              <a:buChar char="§"/>
+            </a:pPr>
+            <a:r>
+              <a:rPr lang="en-US" sz="2200" dirty="0"/>
+              <a:t>If we sort all elements in a BST to a sequence,</a:t>
+            </a:r>
+          </a:p>
+          <a:p>
+            <a:pPr>
+              <a:buFont typeface="Wingdings" pitchFamily="2" charset="2"/>
+              <a:buChar char="§"/>
+            </a:pPr>
+            <a:r>
+              <a:rPr lang="en-US" sz="2200" dirty="0"/>
+              <a:t>return the element just after x</a:t>
+            </a:r>
+          </a:p>
+          <a:p>
+            <a:pPr lvl="1"/>
+            <a:r>
+              <a:rPr lang="en-US" sz="2000" dirty="0"/>
+              <a:t>Time complexity: O(h)</a:t>
+            </a:r>
+            <a:endParaRPr lang="en-US" altLang="ko-KR" sz="2000" dirty="0"/>
+          </a:p>
+        </p:txBody>
+      </p:sp>
+    </p:spTree>
+    <p:extLst>
+      <p:ext uri="{BB962C8B-B14F-4D97-AF65-F5344CB8AC3E}">
+        <p14:creationId xmlns:p14="http://schemas.microsoft.com/office/powerpoint/2010/main" val="2002485236"/>
+      </p:ext>
+    </p:extLst>
+  </p:cSld>
+  <p:clrMapOvr>
+    <a:masterClrMapping/>
+  </p:clrMapOvr>
+</p:sld>
+</file>
+
+<file path=ppt/slides/slide33.xml><?xml version="1.0" encoding="utf-8"?>
+<p:sld xmlns:a="http://schemas.openxmlformats.org/drawingml/2006/main" xmlns:r="http://schemas.openxmlformats.org/officeDocument/2006/relationships" xmlns:p="http://schemas.openxmlformats.org/presentationml/2006/main" showMasterPhAnim="0">
+  <p:cSld>
+    <p:spTree>
+      <p:nvGrpSpPr>
+        <p:cNvPr id="1" name=""/>
+        <p:cNvGrpSpPr/>
+        <p:nvPr/>
+      </p:nvGrpSpPr>
+      <p:grpSpPr>
+        <a:xfrm>
+          <a:off x="0" y="0"/>
+          <a:ext cx="0" cy="0"/>
+          <a:chOff x="0" y="0"/>
+          <a:chExt cx="0" cy="0"/>
+        </a:xfrm>
+      </p:grpSpPr>
+      <p:sp>
+        <p:nvSpPr>
+          <p:cNvPr id="4" name="슬라이드 번호 개체 틀 5"/>
+          <p:cNvSpPr>
+            <a:spLocks noGrp="1"/>
+          </p:cNvSpPr>
+          <p:nvPr>
+            <p:ph type="sldNum" sz="quarter" idx="12"/>
+          </p:nvPr>
+        </p:nvSpPr>
+        <p:spPr/>
+        <p:txBody>
+          <a:bodyPr/>
+          <a:lstStyle>
+            <a:lvl1pPr eaLnBrk="0" hangingPunct="0">
+              <a:defRPr kumimoji="1" sz="2400">
+                <a:solidFill>
+                  <a:schemeClr val="tx1"/>
+                </a:solidFill>
+                <a:latin typeface="Times New Roman" pitchFamily="18" charset="0"/>
+                <a:ea typeface="Gulim" pitchFamily="34" charset="-127"/>
+              </a:defRPr>
+            </a:lvl1pPr>
+            <a:lvl2pPr marL="742950" indent="-285750" eaLnBrk="0" hangingPunct="0">
+              <a:defRPr kumimoji="1" sz="2400">
+                <a:solidFill>
+                  <a:schemeClr val="tx1"/>
+                </a:solidFill>
+                <a:latin typeface="Times New Roman" pitchFamily="18" charset="0"/>
+                <a:ea typeface="Gulim" pitchFamily="34" charset="-127"/>
+              </a:defRPr>
+            </a:lvl2pPr>
+            <a:lvl3pPr marL="1143000" indent="-228600" eaLnBrk="0" hangingPunct="0">
+              <a:defRPr kumimoji="1" sz="2400">
+                <a:solidFill>
+                  <a:schemeClr val="tx1"/>
+                </a:solidFill>
+                <a:latin typeface="Times New Roman" pitchFamily="18" charset="0"/>
+                <a:ea typeface="Gulim" pitchFamily="34" charset="-127"/>
+              </a:defRPr>
+            </a:lvl3pPr>
+            <a:lvl4pPr marL="1600200" indent="-228600" eaLnBrk="0" hangingPunct="0">
+              <a:defRPr kumimoji="1" sz="2400">
+                <a:solidFill>
+                  <a:schemeClr val="tx1"/>
+                </a:solidFill>
+                <a:latin typeface="Times New Roman" pitchFamily="18" charset="0"/>
+                <a:ea typeface="Gulim" pitchFamily="34" charset="-127"/>
+              </a:defRPr>
+            </a:lvl4pPr>
+            <a:lvl5pPr marL="2057400" indent="-228600" eaLnBrk="0" hangingPunct="0">
+              <a:defRPr kumimoji="1" sz="2400">
+                <a:solidFill>
+                  <a:schemeClr val="tx1"/>
+                </a:solidFill>
+                <a:latin typeface="Times New Roman" pitchFamily="18" charset="0"/>
+                <a:ea typeface="Gulim" pitchFamily="34" charset="-127"/>
+              </a:defRPr>
+            </a:lvl5pPr>
+            <a:lvl6pPr marL="2514600" indent="-228600" eaLnBrk="0" fontAlgn="base" latinLnBrk="1" hangingPunct="0">
+              <a:spcBef>
+                <a:spcPct val="0"/>
+              </a:spcBef>
+              <a:spcAft>
+                <a:spcPct val="0"/>
+              </a:spcAft>
+              <a:defRPr kumimoji="1" sz="2400">
+                <a:solidFill>
+                  <a:schemeClr val="tx1"/>
+                </a:solidFill>
+                <a:latin typeface="Times New Roman" pitchFamily="18" charset="0"/>
+                <a:ea typeface="Gulim" pitchFamily="34" charset="-127"/>
+              </a:defRPr>
+            </a:lvl6pPr>
+            <a:lvl7pPr marL="2971800" indent="-228600" eaLnBrk="0" fontAlgn="base" latinLnBrk="1" hangingPunct="0">
+              <a:spcBef>
+                <a:spcPct val="0"/>
+              </a:spcBef>
+              <a:spcAft>
+                <a:spcPct val="0"/>
+              </a:spcAft>
+              <a:defRPr kumimoji="1" sz="2400">
+                <a:solidFill>
+                  <a:schemeClr val="tx1"/>
+                </a:solidFill>
+                <a:latin typeface="Times New Roman" pitchFamily="18" charset="0"/>
+                <a:ea typeface="Gulim" pitchFamily="34" charset="-127"/>
+              </a:defRPr>
+            </a:lvl7pPr>
+            <a:lvl8pPr marL="3429000" indent="-228600" eaLnBrk="0" fontAlgn="base" latinLnBrk="1" hangingPunct="0">
+              <a:spcBef>
+                <a:spcPct val="0"/>
+              </a:spcBef>
+              <a:spcAft>
+                <a:spcPct val="0"/>
+              </a:spcAft>
+              <a:defRPr kumimoji="1" sz="2400">
+                <a:solidFill>
+                  <a:schemeClr val="tx1"/>
+                </a:solidFill>
+                <a:latin typeface="Times New Roman" pitchFamily="18" charset="0"/>
+                <a:ea typeface="Gulim" pitchFamily="34" charset="-127"/>
+              </a:defRPr>
+            </a:lvl8pPr>
+            <a:lvl9pPr marL="3886200" indent="-228600" eaLnBrk="0" fontAlgn="base" latinLnBrk="1" hangingPunct="0">
+              <a:spcBef>
+                <a:spcPct val="0"/>
+              </a:spcBef>
+              <a:spcAft>
+                <a:spcPct val="0"/>
+              </a:spcAft>
+              <a:defRPr kumimoji="1" sz="2400">
+                <a:solidFill>
+                  <a:schemeClr val="tx1"/>
+                </a:solidFill>
+                <a:latin typeface="Times New Roman" pitchFamily="18" charset="0"/>
+                <a:ea typeface="Gulim" pitchFamily="34" charset="-127"/>
+              </a:defRPr>
+            </a:lvl9pPr>
+          </a:lstStyle>
+          <a:p>
+            <a:pPr eaLnBrk="1" hangingPunct="1"/>
+            <a:fld id="{65C65CC8-9A31-47C6-8AF0-ABDF9ACAA3EB}" type="slidenum">
+              <a:rPr kumimoji="0" lang="en-US" altLang="ko-KR" sz="2600">
+                <a:solidFill>
+                  <a:schemeClr val="bg1"/>
+                </a:solidFill>
+                <a:latin typeface="Gulim" pitchFamily="34" charset="-127"/>
+              </a:rPr>
+              <a:pPr eaLnBrk="1" hangingPunct="1"/>
+              <a:t>33</a:t>
+            </a:fld>
+            <a:endParaRPr kumimoji="0" lang="en-US" altLang="ko-KR" sz="2600">
+              <a:solidFill>
+                <a:schemeClr val="bg1"/>
+              </a:solidFill>
+              <a:latin typeface="Gulim" pitchFamily="34" charset="-127"/>
+            </a:endParaRPr>
+          </a:p>
+        </p:txBody>
+      </p:sp>
+      <p:sp>
+        <p:nvSpPr>
+          <p:cNvPr id="4099" name="Rectangle 2"/>
+          <p:cNvSpPr>
+            <a:spLocks noGrp="1" noChangeArrowheads="1"/>
+          </p:cNvSpPr>
+          <p:nvPr>
+            <p:ph type="title"/>
+          </p:nvPr>
+        </p:nvSpPr>
+        <p:spPr/>
+        <p:txBody>
+          <a:bodyPr/>
+          <a:lstStyle/>
+          <a:p>
+            <a:r>
+              <a:rPr lang="en-US" b="1" dirty="0"/>
               <a:t>Operation - Delete</a:t>
             </a:r>
-            <a:endParaRPr lang="en-US" altLang="ko-KR" dirty="0" smtClean="0"/>
+            <a:endParaRPr lang="en-US" altLang="ko-KR" dirty="0"/>
+          </a:p>
+        </p:txBody>
+      </p:sp>
+      <p:sp>
+        <p:nvSpPr>
+          <p:cNvPr id="329731" name="Rectangle 3"/>
+          <p:cNvSpPr>
+            <a:spLocks noGrp="1" noChangeArrowheads="1"/>
+          </p:cNvSpPr>
+          <p:nvPr>
+            <p:ph type="body" idx="1"/>
+          </p:nvPr>
+        </p:nvSpPr>
+        <p:spPr>
+          <a:xfrm>
+            <a:off x="304800" y="2416704"/>
+            <a:ext cx="8534400" cy="1698096"/>
+          </a:xfrm>
+        </p:spPr>
+        <p:txBody>
+          <a:bodyPr>
+            <a:noAutofit/>
+          </a:bodyPr>
+          <a:lstStyle/>
+          <a:p>
+            <a:pPr>
+              <a:buFont typeface="Wingdings" pitchFamily="2" charset="2"/>
+              <a:buChar char="Ø"/>
+            </a:pPr>
+            <a:r>
+              <a:rPr lang="en-US" sz="2200" dirty="0"/>
+              <a:t>Delete (</a:t>
+            </a:r>
+            <a:r>
+              <a:rPr lang="en-US" sz="2200" dirty="0" err="1"/>
+              <a:t>T,z</a:t>
+            </a:r>
+            <a:r>
+              <a:rPr lang="en-US" sz="2200" dirty="0"/>
+              <a:t>)</a:t>
+            </a:r>
+          </a:p>
+          <a:p>
+            <a:pPr lvl="1">
+              <a:buFont typeface="Wingdings" pitchFamily="2" charset="2"/>
+              <a:buChar char="§"/>
+            </a:pPr>
+            <a:r>
+              <a:rPr lang="en-US" sz="2000" dirty="0"/>
+              <a:t>Delete a node with key=z from BST T</a:t>
+            </a:r>
+          </a:p>
+          <a:p>
+            <a:pPr lvl="1">
+              <a:buFont typeface="Wingdings" pitchFamily="2" charset="2"/>
+              <a:buChar char="§"/>
+            </a:pPr>
+            <a:r>
+              <a:rPr lang="en-US" sz="2000" dirty="0"/>
+              <a:t>Time complexity: O(h)</a:t>
+            </a:r>
+            <a:endParaRPr lang="en-US" altLang="ko-KR" sz="2000" dirty="0"/>
+          </a:p>
+        </p:txBody>
+      </p:sp>
+    </p:spTree>
+    <p:extLst>
+      <p:ext uri="{BB962C8B-B14F-4D97-AF65-F5344CB8AC3E}">
+        <p14:creationId xmlns:p14="http://schemas.microsoft.com/office/powerpoint/2010/main" val="3571000091"/>
+      </p:ext>
+    </p:extLst>
+  </p:cSld>
+  <p:clrMapOvr>
+    <a:masterClrMapping/>
+  </p:clrMapOvr>
+</p:sld>
+</file>
+
+<file path=ppt/slides/slide34.xml><?xml version="1.0" encoding="utf-8"?>
+<p:sld xmlns:a="http://schemas.openxmlformats.org/drawingml/2006/main" xmlns:r="http://schemas.openxmlformats.org/officeDocument/2006/relationships" xmlns:p="http://schemas.openxmlformats.org/presentationml/2006/main" showMasterPhAnim="0">
+  <p:cSld>
+    <p:spTree>
+      <p:nvGrpSpPr>
+        <p:cNvPr id="1" name=""/>
+        <p:cNvGrpSpPr/>
+        <p:nvPr/>
+      </p:nvGrpSpPr>
+      <p:grpSpPr>
+        <a:xfrm>
+          <a:off x="0" y="0"/>
+          <a:ext cx="0" cy="0"/>
+          <a:chOff x="0" y="0"/>
+          <a:chExt cx="0" cy="0"/>
+        </a:xfrm>
+      </p:grpSpPr>
+      <p:sp>
+        <p:nvSpPr>
+          <p:cNvPr id="4" name="슬라이드 번호 개체 틀 5"/>
+          <p:cNvSpPr>
+            <a:spLocks noGrp="1"/>
+          </p:cNvSpPr>
+          <p:nvPr>
+            <p:ph type="sldNum" sz="quarter" idx="12"/>
+          </p:nvPr>
+        </p:nvSpPr>
+        <p:spPr/>
+        <p:txBody>
+          <a:bodyPr/>
+          <a:lstStyle>
+            <a:lvl1pPr eaLnBrk="0" hangingPunct="0">
+              <a:defRPr kumimoji="1" sz="2400">
+                <a:solidFill>
+                  <a:schemeClr val="tx1"/>
+                </a:solidFill>
+                <a:latin typeface="Times New Roman" pitchFamily="18" charset="0"/>
+                <a:ea typeface="Gulim" pitchFamily="34" charset="-127"/>
+              </a:defRPr>
+            </a:lvl1pPr>
+            <a:lvl2pPr marL="742950" indent="-285750" eaLnBrk="0" hangingPunct="0">
+              <a:defRPr kumimoji="1" sz="2400">
+                <a:solidFill>
+                  <a:schemeClr val="tx1"/>
+                </a:solidFill>
+                <a:latin typeface="Times New Roman" pitchFamily="18" charset="0"/>
+                <a:ea typeface="Gulim" pitchFamily="34" charset="-127"/>
+              </a:defRPr>
+            </a:lvl2pPr>
+            <a:lvl3pPr marL="1143000" indent="-228600" eaLnBrk="0" hangingPunct="0">
+              <a:defRPr kumimoji="1" sz="2400">
+                <a:solidFill>
+                  <a:schemeClr val="tx1"/>
+                </a:solidFill>
+                <a:latin typeface="Times New Roman" pitchFamily="18" charset="0"/>
+                <a:ea typeface="Gulim" pitchFamily="34" charset="-127"/>
+              </a:defRPr>
+            </a:lvl3pPr>
+            <a:lvl4pPr marL="1600200" indent="-228600" eaLnBrk="0" hangingPunct="0">
+              <a:defRPr kumimoji="1" sz="2400">
+                <a:solidFill>
+                  <a:schemeClr val="tx1"/>
+                </a:solidFill>
+                <a:latin typeface="Times New Roman" pitchFamily="18" charset="0"/>
+                <a:ea typeface="Gulim" pitchFamily="34" charset="-127"/>
+              </a:defRPr>
+            </a:lvl4pPr>
+            <a:lvl5pPr marL="2057400" indent="-228600" eaLnBrk="0" hangingPunct="0">
+              <a:defRPr kumimoji="1" sz="2400">
+                <a:solidFill>
+                  <a:schemeClr val="tx1"/>
+                </a:solidFill>
+                <a:latin typeface="Times New Roman" pitchFamily="18" charset="0"/>
+                <a:ea typeface="Gulim" pitchFamily="34" charset="-127"/>
+              </a:defRPr>
+            </a:lvl5pPr>
+            <a:lvl6pPr marL="2514600" indent="-228600" eaLnBrk="0" fontAlgn="base" latinLnBrk="1" hangingPunct="0">
+              <a:spcBef>
+                <a:spcPct val="0"/>
+              </a:spcBef>
+              <a:spcAft>
+                <a:spcPct val="0"/>
+              </a:spcAft>
+              <a:defRPr kumimoji="1" sz="2400">
+                <a:solidFill>
+                  <a:schemeClr val="tx1"/>
+                </a:solidFill>
+                <a:latin typeface="Times New Roman" pitchFamily="18" charset="0"/>
+                <a:ea typeface="Gulim" pitchFamily="34" charset="-127"/>
+              </a:defRPr>
+            </a:lvl6pPr>
+            <a:lvl7pPr marL="2971800" indent="-228600" eaLnBrk="0" fontAlgn="base" latinLnBrk="1" hangingPunct="0">
+              <a:spcBef>
+                <a:spcPct val="0"/>
+              </a:spcBef>
+              <a:spcAft>
+                <a:spcPct val="0"/>
+              </a:spcAft>
+              <a:defRPr kumimoji="1" sz="2400">
+                <a:solidFill>
+                  <a:schemeClr val="tx1"/>
+                </a:solidFill>
+                <a:latin typeface="Times New Roman" pitchFamily="18" charset="0"/>
+                <a:ea typeface="Gulim" pitchFamily="34" charset="-127"/>
+              </a:defRPr>
+            </a:lvl7pPr>
+            <a:lvl8pPr marL="3429000" indent="-228600" eaLnBrk="0" fontAlgn="base" latinLnBrk="1" hangingPunct="0">
+              <a:spcBef>
+                <a:spcPct val="0"/>
+              </a:spcBef>
+              <a:spcAft>
+                <a:spcPct val="0"/>
+              </a:spcAft>
+              <a:defRPr kumimoji="1" sz="2400">
+                <a:solidFill>
+                  <a:schemeClr val="tx1"/>
+                </a:solidFill>
+                <a:latin typeface="Times New Roman" pitchFamily="18" charset="0"/>
+                <a:ea typeface="Gulim" pitchFamily="34" charset="-127"/>
+              </a:defRPr>
+            </a:lvl8pPr>
+            <a:lvl9pPr marL="3886200" indent="-228600" eaLnBrk="0" fontAlgn="base" latinLnBrk="1" hangingPunct="0">
+              <a:spcBef>
+                <a:spcPct val="0"/>
+              </a:spcBef>
+              <a:spcAft>
+                <a:spcPct val="0"/>
+              </a:spcAft>
+              <a:defRPr kumimoji="1" sz="2400">
+                <a:solidFill>
+                  <a:schemeClr val="tx1"/>
+                </a:solidFill>
+                <a:latin typeface="Times New Roman" pitchFamily="18" charset="0"/>
+                <a:ea typeface="Gulim" pitchFamily="34" charset="-127"/>
+              </a:defRPr>
+            </a:lvl9pPr>
+          </a:lstStyle>
+          <a:p>
+            <a:pPr eaLnBrk="1" hangingPunct="1"/>
+            <a:fld id="{65C65CC8-9A31-47C6-8AF0-ABDF9ACAA3EB}" type="slidenum">
+              <a:rPr kumimoji="0" lang="en-US" altLang="ko-KR" sz="2600">
+                <a:solidFill>
+                  <a:schemeClr val="bg1"/>
+                </a:solidFill>
+                <a:latin typeface="Gulim" pitchFamily="34" charset="-127"/>
+              </a:rPr>
+              <a:pPr eaLnBrk="1" hangingPunct="1"/>
+              <a:t>34</a:t>
+            </a:fld>
+            <a:endParaRPr kumimoji="0" lang="en-US" altLang="ko-KR" sz="2600">
+              <a:solidFill>
+                <a:schemeClr val="bg1"/>
+              </a:solidFill>
+              <a:latin typeface="Gulim" pitchFamily="34" charset="-127"/>
+            </a:endParaRPr>
+          </a:p>
+        </p:txBody>
+      </p:sp>
+      <p:sp>
+        <p:nvSpPr>
+          <p:cNvPr id="4099" name="Rectangle 2"/>
+          <p:cNvSpPr>
+            <a:spLocks noGrp="1" noChangeArrowheads="1"/>
+          </p:cNvSpPr>
+          <p:nvPr>
+            <p:ph type="title"/>
+          </p:nvPr>
+        </p:nvSpPr>
+        <p:spPr/>
+        <p:txBody>
+          <a:bodyPr/>
+          <a:lstStyle/>
+          <a:p>
+            <a:r>
+              <a:rPr lang="en-US" b="1" dirty="0"/>
+              <a:t>Operation - Delete</a:t>
+            </a:r>
+            <a:endParaRPr lang="en-US" altLang="ko-KR" dirty="0"/>
           </a:p>
         </p:txBody>
       </p:sp>
@@ -23313,7 +22866,7 @@
               <a:rPr lang="en-US" sz="2200" b="1" dirty="0"/>
               <a:t>Case 1: z has no child</a:t>
             </a:r>
-            <a:endParaRPr lang="en-US" altLang="ko-KR" sz="2200" b="1" dirty="0" smtClean="0"/>
+            <a:endParaRPr lang="en-US" altLang="ko-KR" sz="2200" b="1" dirty="0"/>
           </a:p>
         </p:txBody>
       </p:sp>
@@ -23357,25 +22910,10 @@
   <p:clrMapOvr>
     <a:masterClrMapping/>
   </p:clrMapOvr>
-  <mc:AlternateContent xmlns:mc="http://schemas.openxmlformats.org/markup-compatibility/2006" xmlns:p14="http://schemas.microsoft.com/office/powerpoint/2010/main">
-    <mc:Choice Requires="p14">
-      <p:transition p14:dur="0"/>
-    </mc:Choice>
-    <mc:Fallback xmlns="">
-      <p:transition/>
-    </mc:Fallback>
-  </mc:AlternateContent>
-  <p:timing>
-    <p:tnLst>
-      <p:par>
-        <p:cTn id="1" dur="indefinite" restart="never" nodeType="tmRoot"/>
-      </p:par>
-    </p:tnLst>
-  </p:timing>
 </p:sld>
 </file>
 
-<file path=ppt/slides/slide33.xml><?xml version="1.0" encoding="utf-8"?>
+<file path=ppt/slides/slide35.xml><?xml version="1.0" encoding="utf-8"?>
 <p:sld xmlns:a="http://schemas.openxmlformats.org/drawingml/2006/main" xmlns:r="http://schemas.openxmlformats.org/officeDocument/2006/relationships" xmlns:p="http://schemas.openxmlformats.org/presentationml/2006/main" showMasterPhAnim="0">
   <p:cSld>
     <p:spTree>
@@ -23522,7 +23060,7 @@
                 <a:latin typeface="Gulim" pitchFamily="34" charset="-127"/>
               </a:rPr>
               <a:pPr eaLnBrk="1" hangingPunct="1"/>
-              <a:t>33</a:t>
+              <a:t>35</a:t>
             </a:fld>
             <a:endParaRPr kumimoji="0" lang="en-US" altLang="ko-KR" sz="2600">
               <a:solidFill>
@@ -23552,7 +23090,7 @@
               <a:rPr lang="en-US" b="1" dirty="0"/>
               <a:t>Operation - Delete</a:t>
             </a:r>
-            <a:endParaRPr lang="en-US" altLang="ko-KR" dirty="0" smtClean="0"/>
+            <a:endParaRPr lang="en-US" altLang="ko-KR" dirty="0"/>
           </a:p>
         </p:txBody>
       </p:sp>
@@ -23596,25 +23134,10 @@
   <p:clrMapOvr>
     <a:masterClrMapping/>
   </p:clrMapOvr>
-  <mc:AlternateContent xmlns:mc="http://schemas.openxmlformats.org/markup-compatibility/2006" xmlns:p14="http://schemas.microsoft.com/office/powerpoint/2010/main">
-    <mc:Choice Requires="p14">
-      <p:transition p14:dur="0"/>
-    </mc:Choice>
-    <mc:Fallback xmlns="">
-      <p:transition/>
-    </mc:Fallback>
-  </mc:AlternateContent>
-  <p:timing>
-    <p:tnLst>
-      <p:par>
-        <p:cTn id="1" dur="indefinite" restart="never" nodeType="tmRoot"/>
-      </p:par>
-    </p:tnLst>
-  </p:timing>
 </p:sld>
 </file>
 
-<file path=ppt/slides/slide34.xml><?xml version="1.0" encoding="utf-8"?>
+<file path=ppt/slides/slide36.xml><?xml version="1.0" encoding="utf-8"?>
 <p:sld xmlns:a="http://schemas.openxmlformats.org/drawingml/2006/main" xmlns:r="http://schemas.openxmlformats.org/officeDocument/2006/relationships" xmlns:p="http://schemas.openxmlformats.org/presentationml/2006/main" showMasterPhAnim="0">
   <p:cSld>
     <p:spTree>
@@ -23761,7 +23284,7 @@
                 <a:latin typeface="Gulim" pitchFamily="34" charset="-127"/>
               </a:rPr>
               <a:pPr eaLnBrk="1" hangingPunct="1"/>
-              <a:t>34</a:t>
+              <a:t>36</a:t>
             </a:fld>
             <a:endParaRPr kumimoji="0" lang="en-US" altLang="ko-KR" sz="2600">
               <a:solidFill>
@@ -23791,7 +23314,7 @@
               <a:rPr lang="en-US" b="1" dirty="0"/>
               <a:t>Operation - Delete</a:t>
             </a:r>
-            <a:endParaRPr lang="en-US" altLang="ko-KR" dirty="0" smtClean="0"/>
+            <a:endParaRPr lang="en-US" altLang="ko-KR" dirty="0"/>
           </a:p>
         </p:txBody>
       </p:sp>
@@ -23825,7 +23348,7 @@
               <a:rPr lang="en-US" sz="2200" b="1" dirty="0"/>
               <a:t>Case 2: z has one child</a:t>
             </a:r>
-            <a:endParaRPr lang="en-US" altLang="ko-KR" sz="2200" b="1" dirty="0" smtClean="0"/>
+            <a:endParaRPr lang="en-US" altLang="ko-KR" sz="2200" b="1" dirty="0"/>
           </a:p>
         </p:txBody>
       </p:sp>
@@ -23869,25 +23392,10 @@
   <p:clrMapOvr>
     <a:masterClrMapping/>
   </p:clrMapOvr>
-  <mc:AlternateContent xmlns:mc="http://schemas.openxmlformats.org/markup-compatibility/2006" xmlns:p14="http://schemas.microsoft.com/office/powerpoint/2010/main">
-    <mc:Choice Requires="p14">
-      <p:transition p14:dur="0"/>
-    </mc:Choice>
-    <mc:Fallback xmlns="">
-      <p:transition/>
-    </mc:Fallback>
-  </mc:AlternateContent>
-  <p:timing>
-    <p:tnLst>
-      <p:par>
-        <p:cTn id="1" dur="indefinite" restart="never" nodeType="tmRoot"/>
-      </p:par>
-    </p:tnLst>
-  </p:timing>
 </p:sld>
 </file>
 
-<file path=ppt/slides/slide35.xml><?xml version="1.0" encoding="utf-8"?>
+<file path=ppt/slides/slide37.xml><?xml version="1.0" encoding="utf-8"?>
 <p:sld xmlns:a="http://schemas.openxmlformats.org/drawingml/2006/main" xmlns:r="http://schemas.openxmlformats.org/officeDocument/2006/relationships" xmlns:p="http://schemas.openxmlformats.org/presentationml/2006/main" showMasterPhAnim="0">
   <p:cSld>
     <p:spTree>
@@ -24034,7 +23542,7 @@
                 <a:latin typeface="Gulim" pitchFamily="34" charset="-127"/>
               </a:rPr>
               <a:pPr eaLnBrk="1" hangingPunct="1"/>
-              <a:t>35</a:t>
+              <a:t>37</a:t>
             </a:fld>
             <a:endParaRPr kumimoji="0" lang="en-US" altLang="ko-KR" sz="2600">
               <a:solidFill>
@@ -24064,7 +23572,7 @@
               <a:rPr lang="en-US" b="1" dirty="0"/>
               <a:t>Operation - Delete</a:t>
             </a:r>
-            <a:endParaRPr lang="en-US" altLang="ko-KR" dirty="0" smtClean="0"/>
+            <a:endParaRPr lang="en-US" altLang="ko-KR" dirty="0"/>
           </a:p>
         </p:txBody>
       </p:sp>
@@ -24108,25 +23616,10 @@
   <p:clrMapOvr>
     <a:masterClrMapping/>
   </p:clrMapOvr>
-  <mc:AlternateContent xmlns:mc="http://schemas.openxmlformats.org/markup-compatibility/2006" xmlns:p14="http://schemas.microsoft.com/office/powerpoint/2010/main">
-    <mc:Choice Requires="p14">
-      <p:transition p14:dur="0"/>
-    </mc:Choice>
-    <mc:Fallback xmlns="">
-      <p:transition/>
-    </mc:Fallback>
-  </mc:AlternateContent>
-  <p:timing>
-    <p:tnLst>
-      <p:par>
-        <p:cTn id="1" dur="indefinite" restart="never" nodeType="tmRoot"/>
-      </p:par>
-    </p:tnLst>
-  </p:timing>
 </p:sld>
 </file>
 
-<file path=ppt/slides/slide36.xml><?xml version="1.0" encoding="utf-8"?>
+<file path=ppt/slides/slide38.xml><?xml version="1.0" encoding="utf-8"?>
 <p:sld xmlns:a="http://schemas.openxmlformats.org/drawingml/2006/main" xmlns:r="http://schemas.openxmlformats.org/officeDocument/2006/relationships" xmlns:p="http://schemas.openxmlformats.org/presentationml/2006/main" showMasterPhAnim="0">
   <p:cSld>
     <p:spTree>
@@ -24273,7 +23766,7 @@
                 <a:latin typeface="Gulim" pitchFamily="34" charset="-127"/>
               </a:rPr>
               <a:pPr eaLnBrk="1" hangingPunct="1"/>
-              <a:t>36</a:t>
+              <a:t>38</a:t>
             </a:fld>
             <a:endParaRPr kumimoji="0" lang="en-US" altLang="ko-KR" sz="2600">
               <a:solidFill>
@@ -24303,7 +23796,7 @@
               <a:rPr lang="en-US" b="1" dirty="0"/>
               <a:t>Operation - Delete</a:t>
             </a:r>
-            <a:endParaRPr lang="en-US" altLang="ko-KR" dirty="0" smtClean="0"/>
+            <a:endParaRPr lang="en-US" altLang="ko-KR" dirty="0"/>
           </a:p>
         </p:txBody>
       </p:sp>
@@ -24337,7 +23830,7 @@
               <a:rPr lang="en-US" sz="2200" b="1" dirty="0"/>
               <a:t>Case 3: z has two child</a:t>
             </a:r>
-            <a:endParaRPr lang="en-US" altLang="ko-KR" sz="2200" b="1" dirty="0" smtClean="0"/>
+            <a:endParaRPr lang="en-US" altLang="ko-KR" sz="2200" b="1" dirty="0"/>
           </a:p>
         </p:txBody>
       </p:sp>
@@ -24381,25 +23874,10 @@
   <p:clrMapOvr>
     <a:masterClrMapping/>
   </p:clrMapOvr>
-  <mc:AlternateContent xmlns:mc="http://schemas.openxmlformats.org/markup-compatibility/2006" xmlns:p14="http://schemas.microsoft.com/office/powerpoint/2010/main">
-    <mc:Choice Requires="p14">
-      <p:transition p14:dur="0"/>
-    </mc:Choice>
-    <mc:Fallback xmlns="">
-      <p:transition/>
-    </mc:Fallback>
-  </mc:AlternateContent>
-  <p:timing>
-    <p:tnLst>
-      <p:par>
-        <p:cTn id="1" dur="indefinite" restart="never" nodeType="tmRoot"/>
-      </p:par>
-    </p:tnLst>
-  </p:timing>
 </p:sld>
 </file>
 
-<file path=ppt/slides/slide37.xml><?xml version="1.0" encoding="utf-8"?>
+<file path=ppt/slides/slide39.xml><?xml version="1.0" encoding="utf-8"?>
 <p:sld xmlns:a="http://schemas.openxmlformats.org/drawingml/2006/main" xmlns:r="http://schemas.openxmlformats.org/officeDocument/2006/relationships" xmlns:p="http://schemas.openxmlformats.org/presentationml/2006/main" showMasterPhAnim="0">
   <p:cSld>
     <p:spTree>
@@ -24546,7 +24024,7 @@
                 <a:latin typeface="Gulim" pitchFamily="34" charset="-127"/>
               </a:rPr>
               <a:pPr eaLnBrk="1" hangingPunct="1"/>
-              <a:t>37</a:t>
+              <a:t>39</a:t>
             </a:fld>
             <a:endParaRPr kumimoji="0" lang="en-US" altLang="ko-KR" sz="2600">
               <a:solidFill>
@@ -24576,7 +24054,7 @@
               <a:rPr lang="en-US" b="1" dirty="0"/>
               <a:t>Operation - Delete</a:t>
             </a:r>
-            <a:endParaRPr lang="en-US" altLang="ko-KR" dirty="0" smtClean="0"/>
+            <a:endParaRPr lang="en-US" altLang="ko-KR" dirty="0"/>
           </a:p>
         </p:txBody>
       </p:sp>
@@ -24620,25 +24098,10 @@
   <p:clrMapOvr>
     <a:masterClrMapping/>
   </p:clrMapOvr>
-  <mc:AlternateContent xmlns:mc="http://schemas.openxmlformats.org/markup-compatibility/2006" xmlns:p14="http://schemas.microsoft.com/office/powerpoint/2010/main">
-    <mc:Choice Requires="p14">
-      <p:transition p14:dur="0"/>
-    </mc:Choice>
-    <mc:Fallback xmlns="">
-      <p:transition/>
-    </mc:Fallback>
-  </mc:AlternateContent>
-  <p:timing>
-    <p:tnLst>
-      <p:par>
-        <p:cTn id="1" dur="indefinite" restart="never" nodeType="tmRoot"/>
-      </p:par>
-    </p:tnLst>
-  </p:timing>
 </p:sld>
 </file>
 
-<file path=ppt/slides/slide38.xml><?xml version="1.0" encoding="utf-8"?>
+<file path=ppt/slides/slide4.xml><?xml version="1.0" encoding="utf-8"?>
 <p:sld xmlns:a="http://schemas.openxmlformats.org/drawingml/2006/main" xmlns:r="http://schemas.openxmlformats.org/officeDocument/2006/relationships" xmlns:p="http://schemas.openxmlformats.org/presentationml/2006/main" showMasterPhAnim="0">
   <p:cSld>
     <p:spTree>
@@ -24777,7 +24240,7 @@
           </a:lstStyle>
           <a:p>
             <a:pPr eaLnBrk="1" hangingPunct="1"/>
-            <a:fld id="{65C65CC8-9A31-47C6-8AF0-ABDF9ACAA3EB}" type="slidenum">
+            <a:fld id="{55862BBC-4877-47F5-8637-A7BF978D3133}" type="slidenum">
               <a:rPr kumimoji="0" lang="en-US" altLang="ko-KR" sz="2600">
                 <a:solidFill>
                   <a:schemeClr val="bg1"/>
@@ -24785,7 +24248,263 @@
                 <a:latin typeface="Gulim" pitchFamily="34" charset="-127"/>
               </a:rPr>
               <a:pPr eaLnBrk="1" hangingPunct="1"/>
-              <a:t>38</a:t>
+              <a:t>4</a:t>
+            </a:fld>
+            <a:endParaRPr kumimoji="0" lang="en-US" altLang="ko-KR" sz="2600" dirty="0">
+              <a:solidFill>
+                <a:schemeClr val="bg1"/>
+              </a:solidFill>
+              <a:latin typeface="Gulim" pitchFamily="34" charset="-127"/>
+            </a:endParaRPr>
+          </a:p>
+        </p:txBody>
+      </p:sp>
+      <p:sp>
+        <p:nvSpPr>
+          <p:cNvPr id="6147" name="Rectangle 1026"/>
+          <p:cNvSpPr>
+            <a:spLocks noGrp="1" noChangeArrowheads="1"/>
+          </p:cNvSpPr>
+          <p:nvPr>
+            <p:ph type="title"/>
+          </p:nvPr>
+        </p:nvSpPr>
+        <p:spPr/>
+        <p:txBody>
+          <a:bodyPr/>
+          <a:lstStyle/>
+          <a:p>
+            <a:r>
+              <a:rPr lang="en-US" dirty="0"/>
+              <a:t>Example</a:t>
+            </a:r>
+            <a:endParaRPr lang="en-US" altLang="ko-KR" dirty="0"/>
+          </a:p>
+        </p:txBody>
+      </p:sp>
+      <p:sp>
+        <p:nvSpPr>
+          <p:cNvPr id="332803" name="Rectangle 1027"/>
+          <p:cNvSpPr>
+            <a:spLocks noGrp="1" noChangeArrowheads="1"/>
+          </p:cNvSpPr>
+          <p:nvPr>
+            <p:ph type="body" idx="1"/>
+          </p:nvPr>
+        </p:nvSpPr>
+        <p:spPr>
+          <a:xfrm>
+            <a:off x="304800" y="2438400"/>
+            <a:ext cx="8610600" cy="564107"/>
+          </a:xfrm>
+        </p:spPr>
+        <p:txBody>
+          <a:bodyPr>
+            <a:normAutofit/>
+          </a:bodyPr>
+          <a:lstStyle/>
+          <a:p>
+            <a:pPr>
+              <a:buFont typeface="Wingdings" pitchFamily="2" charset="2"/>
+              <a:buChar char="Ø"/>
+            </a:pPr>
+            <a:r>
+              <a:rPr lang="en-US" sz="2200" b="1" dirty="0"/>
+              <a:t>Is this a BST ?</a:t>
+            </a:r>
+          </a:p>
+        </p:txBody>
+      </p:sp>
+      <p:pic>
+        <p:nvPicPr>
+          <p:cNvPr id="6" name="Picture 5" descr="Screen Clipping"/>
+          <p:cNvPicPr>
+            <a:picLocks noChangeAspect="1"/>
+          </p:cNvPicPr>
+          <p:nvPr/>
+        </p:nvPicPr>
+        <p:blipFill rotWithShape="1">
+          <a:blip r:embed="rId2" cstate="print">
+            <a:extLst>
+              <a:ext uri="{28A0092B-C50C-407E-A947-70E740481C1C}">
+                <a14:useLocalDpi xmlns:a14="http://schemas.microsoft.com/office/drawing/2010/main" val="0"/>
+              </a:ext>
+            </a:extLst>
+          </a:blip>
+          <a:srcRect t="3330"/>
+          <a:stretch/>
+        </p:blipFill>
+        <p:spPr>
+          <a:xfrm>
+            <a:off x="2133600" y="3002507"/>
+            <a:ext cx="6248400" cy="3103466"/>
+          </a:xfrm>
+          <a:prstGeom prst="rect">
+            <a:avLst/>
+          </a:prstGeom>
+        </p:spPr>
+      </p:pic>
+    </p:spTree>
+    <p:extLst>
+      <p:ext uri="{BB962C8B-B14F-4D97-AF65-F5344CB8AC3E}">
+        <p14:creationId xmlns:p14="http://schemas.microsoft.com/office/powerpoint/2010/main" val="1935262127"/>
+      </p:ext>
+    </p:extLst>
+  </p:cSld>
+  <p:clrMapOvr>
+    <a:masterClrMapping/>
+  </p:clrMapOvr>
+</p:sld>
+</file>
+
+<file path=ppt/slides/slide40.xml><?xml version="1.0" encoding="utf-8"?>
+<p:sld xmlns:a="http://schemas.openxmlformats.org/drawingml/2006/main" xmlns:r="http://schemas.openxmlformats.org/officeDocument/2006/relationships" xmlns:p="http://schemas.openxmlformats.org/presentationml/2006/main" showMasterPhAnim="0">
+  <p:cSld>
+    <p:spTree>
+      <p:nvGrpSpPr>
+        <p:cNvPr id="1" name=""/>
+        <p:cNvGrpSpPr/>
+        <p:nvPr/>
+      </p:nvGrpSpPr>
+      <p:grpSpPr>
+        <a:xfrm>
+          <a:off x="0" y="0"/>
+          <a:ext cx="0" cy="0"/>
+          <a:chOff x="0" y="0"/>
+          <a:chExt cx="0" cy="0"/>
+        </a:xfrm>
+      </p:grpSpPr>
+      <p:sp>
+        <p:nvSpPr>
+          <p:cNvPr id="4" name="슬라이드 번호 개체 틀 5"/>
+          <p:cNvSpPr>
+            <a:spLocks noGrp="1"/>
+          </p:cNvSpPr>
+          <p:nvPr>
+            <p:ph type="sldNum" sz="quarter" idx="12"/>
+          </p:nvPr>
+        </p:nvSpPr>
+        <p:spPr/>
+        <p:txBody>
+          <a:bodyPr/>
+          <a:lstStyle>
+            <a:lvl1pPr eaLnBrk="0" hangingPunct="0">
+              <a:defRPr kumimoji="1" sz="2400">
+                <a:solidFill>
+                  <a:schemeClr val="tx1"/>
+                </a:solidFill>
+                <a:latin typeface="Times New Roman" pitchFamily="18" charset="0"/>
+                <a:ea typeface="Gulim" pitchFamily="34" charset="-127"/>
+              </a:defRPr>
+            </a:lvl1pPr>
+            <a:lvl2pPr marL="742950" indent="-285750" eaLnBrk="0" hangingPunct="0">
+              <a:defRPr kumimoji="1" sz="2400">
+                <a:solidFill>
+                  <a:schemeClr val="tx1"/>
+                </a:solidFill>
+                <a:latin typeface="Times New Roman" pitchFamily="18" charset="0"/>
+                <a:ea typeface="Gulim" pitchFamily="34" charset="-127"/>
+              </a:defRPr>
+            </a:lvl2pPr>
+            <a:lvl3pPr marL="1143000" indent="-228600" eaLnBrk="0" hangingPunct="0">
+              <a:defRPr kumimoji="1" sz="2400">
+                <a:solidFill>
+                  <a:schemeClr val="tx1"/>
+                </a:solidFill>
+                <a:latin typeface="Times New Roman" pitchFamily="18" charset="0"/>
+                <a:ea typeface="Gulim" pitchFamily="34" charset="-127"/>
+              </a:defRPr>
+            </a:lvl3pPr>
+            <a:lvl4pPr marL="1600200" indent="-228600" eaLnBrk="0" hangingPunct="0">
+              <a:defRPr kumimoji="1" sz="2400">
+                <a:solidFill>
+                  <a:schemeClr val="tx1"/>
+                </a:solidFill>
+                <a:latin typeface="Times New Roman" pitchFamily="18" charset="0"/>
+                <a:ea typeface="Gulim" pitchFamily="34" charset="-127"/>
+              </a:defRPr>
+            </a:lvl4pPr>
+            <a:lvl5pPr marL="2057400" indent="-228600" eaLnBrk="0" hangingPunct="0">
+              <a:defRPr kumimoji="1" sz="2400">
+                <a:solidFill>
+                  <a:schemeClr val="tx1"/>
+                </a:solidFill>
+                <a:latin typeface="Times New Roman" pitchFamily="18" charset="0"/>
+                <a:ea typeface="Gulim" pitchFamily="34" charset="-127"/>
+              </a:defRPr>
+            </a:lvl5pPr>
+            <a:lvl6pPr marL="2514600" indent="-228600" eaLnBrk="0" fontAlgn="base" latinLnBrk="1" hangingPunct="0">
+              <a:spcBef>
+                <a:spcPct val="0"/>
+              </a:spcBef>
+              <a:spcAft>
+                <a:spcPct val="0"/>
+              </a:spcAft>
+              <a:defRPr kumimoji="1" sz="2400">
+                <a:solidFill>
+                  <a:schemeClr val="tx1"/>
+                </a:solidFill>
+                <a:latin typeface="Times New Roman" pitchFamily="18" charset="0"/>
+                <a:ea typeface="Gulim" pitchFamily="34" charset="-127"/>
+              </a:defRPr>
+            </a:lvl6pPr>
+            <a:lvl7pPr marL="2971800" indent="-228600" eaLnBrk="0" fontAlgn="base" latinLnBrk="1" hangingPunct="0">
+              <a:spcBef>
+                <a:spcPct val="0"/>
+              </a:spcBef>
+              <a:spcAft>
+                <a:spcPct val="0"/>
+              </a:spcAft>
+              <a:defRPr kumimoji="1" sz="2400">
+                <a:solidFill>
+                  <a:schemeClr val="tx1"/>
+                </a:solidFill>
+                <a:latin typeface="Times New Roman" pitchFamily="18" charset="0"/>
+                <a:ea typeface="Gulim" pitchFamily="34" charset="-127"/>
+              </a:defRPr>
+            </a:lvl7pPr>
+            <a:lvl8pPr marL="3429000" indent="-228600" eaLnBrk="0" fontAlgn="base" latinLnBrk="1" hangingPunct="0">
+              <a:spcBef>
+                <a:spcPct val="0"/>
+              </a:spcBef>
+              <a:spcAft>
+                <a:spcPct val="0"/>
+              </a:spcAft>
+              <a:defRPr kumimoji="1" sz="2400">
+                <a:solidFill>
+                  <a:schemeClr val="tx1"/>
+                </a:solidFill>
+                <a:latin typeface="Times New Roman" pitchFamily="18" charset="0"/>
+                <a:ea typeface="Gulim" pitchFamily="34" charset="-127"/>
+              </a:defRPr>
+            </a:lvl8pPr>
+            <a:lvl9pPr marL="3886200" indent="-228600" eaLnBrk="0" fontAlgn="base" latinLnBrk="1" hangingPunct="0">
+              <a:spcBef>
+                <a:spcPct val="0"/>
+              </a:spcBef>
+              <a:spcAft>
+                <a:spcPct val="0"/>
+              </a:spcAft>
+              <a:defRPr kumimoji="1" sz="2400">
+                <a:solidFill>
+                  <a:schemeClr val="tx1"/>
+                </a:solidFill>
+                <a:latin typeface="Times New Roman" pitchFamily="18" charset="0"/>
+                <a:ea typeface="Gulim" pitchFamily="34" charset="-127"/>
+              </a:defRPr>
+            </a:lvl9pPr>
+          </a:lstStyle>
+          <a:p>
+            <a:pPr eaLnBrk="1" hangingPunct="1"/>
+            <a:fld id="{65C65CC8-9A31-47C6-8AF0-ABDF9ACAA3EB}" type="slidenum">
+              <a:rPr kumimoji="0" lang="en-US" altLang="ko-KR" sz="2600">
+                <a:solidFill>
+                  <a:schemeClr val="bg1"/>
+                </a:solidFill>
+                <a:latin typeface="Gulim" pitchFamily="34" charset="-127"/>
+              </a:rPr>
+              <a:pPr eaLnBrk="1" hangingPunct="1"/>
+              <a:t>40</a:t>
             </a:fld>
             <a:endParaRPr kumimoji="0" lang="en-US" altLang="ko-KR" sz="2600">
               <a:solidFill>
@@ -24815,7 +24534,7 @@
               <a:rPr lang="en-US" b="1" dirty="0"/>
               <a:t>Operation - Delete</a:t>
             </a:r>
-            <a:endParaRPr lang="en-US" altLang="ko-KR" dirty="0" smtClean="0"/>
+            <a:endParaRPr lang="en-US" altLang="ko-KR" dirty="0"/>
           </a:p>
         </p:txBody>
       </p:sp>
@@ -24859,25 +24578,10 @@
   <p:clrMapOvr>
     <a:masterClrMapping/>
   </p:clrMapOvr>
-  <mc:AlternateContent xmlns:mc="http://schemas.openxmlformats.org/markup-compatibility/2006" xmlns:p14="http://schemas.microsoft.com/office/powerpoint/2010/main">
-    <mc:Choice Requires="p14">
-      <p:transition p14:dur="0"/>
-    </mc:Choice>
-    <mc:Fallback xmlns="">
-      <p:transition/>
-    </mc:Fallback>
-  </mc:AlternateContent>
-  <p:timing>
-    <p:tnLst>
-      <p:par>
-        <p:cTn id="1" dur="indefinite" restart="never" nodeType="tmRoot"/>
-      </p:par>
-    </p:tnLst>
-  </p:timing>
 </p:sld>
 </file>
 
-<file path=ppt/slides/slide39.xml><?xml version="1.0" encoding="utf-8"?>
+<file path=ppt/slides/slide41.xml><?xml version="1.0" encoding="utf-8"?>
 <p:sld xmlns:a="http://schemas.openxmlformats.org/drawingml/2006/main" xmlns:r="http://schemas.openxmlformats.org/officeDocument/2006/relationships" xmlns:p="http://schemas.openxmlformats.org/presentationml/2006/main" showMasterPhAnim="0">
   <p:cSld>
     <p:spTree>
@@ -25024,7 +24728,7 @@
                 <a:latin typeface="Gulim" pitchFamily="34" charset="-127"/>
               </a:rPr>
               <a:pPr eaLnBrk="1" hangingPunct="1"/>
-              <a:t>39</a:t>
+              <a:t>41</a:t>
             </a:fld>
             <a:endParaRPr kumimoji="0" lang="en-US" altLang="ko-KR" sz="2600">
               <a:solidFill>
@@ -25054,7 +24758,7 @@
               <a:rPr lang="en-US" b="1" dirty="0"/>
               <a:t>Operation - Delete</a:t>
             </a:r>
-            <a:endParaRPr lang="en-US" altLang="ko-KR" dirty="0" smtClean="0"/>
+            <a:endParaRPr lang="en-US" altLang="ko-KR" dirty="0"/>
           </a:p>
         </p:txBody>
       </p:sp>
@@ -25086,11 +24790,7 @@
             </a:pPr>
             <a:r>
               <a:rPr lang="en-US" sz="2200" dirty="0"/>
-              <a:t>What if the successor has two nodes</a:t>
-            </a:r>
-            <a:r>
-              <a:rPr lang="en-US" sz="2200" dirty="0" smtClean="0"/>
-              <a:t>?</a:t>
+              <a:t>What if the successor has two nodes?</a:t>
             </a:r>
           </a:p>
           <a:p>
@@ -25106,38 +24806,10 @@
               <a:buChar char="Ø"/>
             </a:pPr>
             <a:r>
-              <a:rPr lang="en-US" sz="2200" dirty="0" smtClean="0"/>
-              <a:t>Not </a:t>
-            </a:r>
-            <a:r>
               <a:rPr lang="en-US" sz="2200" dirty="0"/>
-              <a:t>possible ! Because if it has two </a:t>
-            </a:r>
-            <a:r>
-              <a:rPr lang="en-US" sz="2200" dirty="0" smtClean="0"/>
-              <a:t>nodes, at </a:t>
-            </a:r>
-            <a:r>
-              <a:rPr lang="en-US" sz="2200" dirty="0"/>
-              <a:t>least one of them is less than it, then </a:t>
-            </a:r>
-            <a:r>
-              <a:rPr lang="en-US" sz="2200" dirty="0" smtClean="0"/>
-              <a:t>in the </a:t>
-            </a:r>
-            <a:r>
-              <a:rPr lang="en-US" sz="2200" dirty="0"/>
-              <a:t>process of finding successor, we </a:t>
-            </a:r>
-            <a:r>
-              <a:rPr lang="en-US" sz="2200" dirty="0" smtClean="0"/>
-              <a:t>won't pick </a:t>
-            </a:r>
-            <a:r>
-              <a:rPr lang="en-US" sz="2200" dirty="0"/>
-              <a:t>it !</a:t>
-            </a:r>
-            <a:endParaRPr lang="en-US" altLang="ko-KR" sz="2200" dirty="0" smtClean="0"/>
+              <a:t>Not possible ! Because if it has two nodes, at least one of them is less than it, then in the process of finding successor, we won't pick it !</a:t>
+            </a:r>
+            <a:endParaRPr lang="en-US" altLang="ko-KR" sz="2200" dirty="0"/>
           </a:p>
         </p:txBody>
       </p:sp>
@@ -25151,25 +24823,10 @@
   <p:clrMapOvr>
     <a:masterClrMapping/>
   </p:clrMapOvr>
-  <mc:AlternateContent xmlns:mc="http://schemas.openxmlformats.org/markup-compatibility/2006" xmlns:p14="http://schemas.microsoft.com/office/powerpoint/2010/main">
-    <mc:Choice Requires="p14">
-      <p:transition p14:dur="0"/>
-    </mc:Choice>
-    <mc:Fallback xmlns="">
-      <p:transition/>
-    </mc:Fallback>
-  </mc:AlternateContent>
-  <p:timing>
-    <p:tnLst>
-      <p:par>
-        <p:cTn id="1" dur="indefinite" restart="never" nodeType="tmRoot"/>
-      </p:par>
-    </p:tnLst>
-  </p:timing>
 </p:sld>
 </file>
 
-<file path=ppt/slides/slide4.xml><?xml version="1.0" encoding="utf-8"?>
+<file path=ppt/slides/slide42.xml><?xml version="1.0" encoding="utf-8"?>
 <p:sld xmlns:a="http://schemas.openxmlformats.org/drawingml/2006/main" xmlns:r="http://schemas.openxmlformats.org/officeDocument/2006/relationships" xmlns:p="http://schemas.openxmlformats.org/presentationml/2006/main" showMasterPhAnim="0">
   <p:cSld>
     <p:spTree>
@@ -25308,7 +24965,7 @@
           </a:lstStyle>
           <a:p>
             <a:pPr eaLnBrk="1" hangingPunct="1"/>
-            <a:fld id="{55862BBC-4877-47F5-8637-A7BF978D3133}" type="slidenum">
+            <a:fld id="{65C65CC8-9A31-47C6-8AF0-ABDF9ACAA3EB}" type="slidenum">
               <a:rPr kumimoji="0" lang="en-US" altLang="ko-KR" sz="2600">
                 <a:solidFill>
                   <a:schemeClr val="bg1"/>
@@ -25316,282 +24973,7 @@
                 <a:latin typeface="Gulim" pitchFamily="34" charset="-127"/>
               </a:rPr>
               <a:pPr eaLnBrk="1" hangingPunct="1"/>
-              <a:t>4</a:t>
-            </a:fld>
-            <a:endParaRPr kumimoji="0" lang="en-US" altLang="ko-KR" sz="2600" dirty="0">
-              <a:solidFill>
-                <a:schemeClr val="bg1"/>
-              </a:solidFill>
-              <a:latin typeface="Gulim" pitchFamily="34" charset="-127"/>
-            </a:endParaRPr>
-          </a:p>
-        </p:txBody>
-      </p:sp>
-      <p:sp>
-        <p:nvSpPr>
-          <p:cNvPr id="6147" name="Rectangle 1026"/>
-          <p:cNvSpPr>
-            <a:spLocks noGrp="1" noChangeArrowheads="1"/>
-          </p:cNvSpPr>
-          <p:nvPr>
-            <p:ph type="title"/>
-          </p:nvPr>
-        </p:nvSpPr>
-        <p:spPr/>
-        <p:txBody>
-          <a:bodyPr/>
-          <a:lstStyle/>
-          <a:p>
-            <a:r>
-              <a:rPr lang="en-US" dirty="0"/>
-              <a:t>Example</a:t>
-            </a:r>
-            <a:endParaRPr lang="en-US" altLang="ko-KR" dirty="0" smtClean="0"/>
-          </a:p>
-        </p:txBody>
-      </p:sp>
-      <p:sp>
-        <p:nvSpPr>
-          <p:cNvPr id="332803" name="Rectangle 1027"/>
-          <p:cNvSpPr>
-            <a:spLocks noGrp="1" noChangeArrowheads="1"/>
-          </p:cNvSpPr>
-          <p:nvPr>
-            <p:ph type="body" idx="1"/>
-          </p:nvPr>
-        </p:nvSpPr>
-        <p:spPr>
-          <a:xfrm>
-            <a:off x="304800" y="2438400"/>
-            <a:ext cx="8610600" cy="564107"/>
-          </a:xfrm>
-        </p:spPr>
-        <p:txBody>
-          <a:bodyPr>
-            <a:normAutofit/>
-          </a:bodyPr>
-          <a:lstStyle/>
-          <a:p>
-            <a:pPr>
-              <a:buFont typeface="Wingdings" pitchFamily="2" charset="2"/>
-              <a:buChar char="Ø"/>
-            </a:pPr>
-            <a:r>
-              <a:rPr lang="en-US" sz="2200" b="1" dirty="0"/>
-              <a:t>Is this a BST </a:t>
-            </a:r>
-            <a:r>
-              <a:rPr lang="en-US" sz="2200" b="1" dirty="0" smtClean="0"/>
-              <a:t>?</a:t>
-            </a:r>
-          </a:p>
-        </p:txBody>
-      </p:sp>
-      <p:pic>
-        <p:nvPicPr>
-          <p:cNvPr id="6" name="Picture 5" descr="Screen Clipping"/>
-          <p:cNvPicPr>
-            <a:picLocks noChangeAspect="1"/>
-          </p:cNvPicPr>
-          <p:nvPr/>
-        </p:nvPicPr>
-        <p:blipFill rotWithShape="1">
-          <a:blip r:embed="rId2" cstate="print">
-            <a:extLst>
-              <a:ext uri="{28A0092B-C50C-407E-A947-70E740481C1C}">
-                <a14:useLocalDpi xmlns:a14="http://schemas.microsoft.com/office/drawing/2010/main" val="0"/>
-              </a:ext>
-            </a:extLst>
-          </a:blip>
-          <a:srcRect t="3330"/>
-          <a:stretch/>
-        </p:blipFill>
-        <p:spPr>
-          <a:xfrm>
-            <a:off x="2133600" y="3002507"/>
-            <a:ext cx="6248400" cy="3103466"/>
-          </a:xfrm>
-          <a:prstGeom prst="rect">
-            <a:avLst/>
-          </a:prstGeom>
-        </p:spPr>
-      </p:pic>
-    </p:spTree>
-    <p:extLst>
-      <p:ext uri="{BB962C8B-B14F-4D97-AF65-F5344CB8AC3E}">
-        <p14:creationId xmlns:p14="http://schemas.microsoft.com/office/powerpoint/2010/main" val="1935262127"/>
-      </p:ext>
-    </p:extLst>
-  </p:cSld>
-  <p:clrMapOvr>
-    <a:masterClrMapping/>
-  </p:clrMapOvr>
-  <mc:AlternateContent xmlns:mc="http://schemas.openxmlformats.org/markup-compatibility/2006" xmlns:p14="http://schemas.microsoft.com/office/powerpoint/2010/main">
-    <mc:Choice Requires="p14">
-      <p:transition p14:dur="0"/>
-    </mc:Choice>
-    <mc:Fallback xmlns="">
-      <p:transition/>
-    </mc:Fallback>
-  </mc:AlternateContent>
-  <p:timing>
-    <p:tnLst>
-      <p:par>
-        <p:cTn id="1" dur="indefinite" restart="never" nodeType="tmRoot"/>
-      </p:par>
-    </p:tnLst>
-  </p:timing>
-</p:sld>
-</file>
-
-<file path=ppt/slides/slide40.xml><?xml version="1.0" encoding="utf-8"?>
-<p:sld xmlns:a="http://schemas.openxmlformats.org/drawingml/2006/main" xmlns:r="http://schemas.openxmlformats.org/officeDocument/2006/relationships" xmlns:p="http://schemas.openxmlformats.org/presentationml/2006/main" showMasterPhAnim="0">
-  <p:cSld>
-    <p:spTree>
-      <p:nvGrpSpPr>
-        <p:cNvPr id="1" name=""/>
-        <p:cNvGrpSpPr/>
-        <p:nvPr/>
-      </p:nvGrpSpPr>
-      <p:grpSpPr>
-        <a:xfrm>
-          <a:off x="0" y="0"/>
-          <a:ext cx="0" cy="0"/>
-          <a:chOff x="0" y="0"/>
-          <a:chExt cx="0" cy="0"/>
-        </a:xfrm>
-      </p:grpSpPr>
-      <p:sp>
-        <p:nvSpPr>
-          <p:cNvPr id="4" name="슬라이드 번호 개체 틀 5"/>
-          <p:cNvSpPr>
-            <a:spLocks noGrp="1"/>
-          </p:cNvSpPr>
-          <p:nvPr>
-            <p:ph type="sldNum" sz="quarter" idx="12"/>
-          </p:nvPr>
-        </p:nvSpPr>
-        <p:spPr/>
-        <p:txBody>
-          <a:bodyPr/>
-          <a:lstStyle>
-            <a:lvl1pPr eaLnBrk="0" hangingPunct="0">
-              <a:defRPr kumimoji="1" sz="2400">
-                <a:solidFill>
-                  <a:schemeClr val="tx1"/>
-                </a:solidFill>
-                <a:latin typeface="Times New Roman" pitchFamily="18" charset="0"/>
-                <a:ea typeface="Gulim" pitchFamily="34" charset="-127"/>
-              </a:defRPr>
-            </a:lvl1pPr>
-            <a:lvl2pPr marL="742950" indent="-285750" eaLnBrk="0" hangingPunct="0">
-              <a:defRPr kumimoji="1" sz="2400">
-                <a:solidFill>
-                  <a:schemeClr val="tx1"/>
-                </a:solidFill>
-                <a:latin typeface="Times New Roman" pitchFamily="18" charset="0"/>
-                <a:ea typeface="Gulim" pitchFamily="34" charset="-127"/>
-              </a:defRPr>
-            </a:lvl2pPr>
-            <a:lvl3pPr marL="1143000" indent="-228600" eaLnBrk="0" hangingPunct="0">
-              <a:defRPr kumimoji="1" sz="2400">
-                <a:solidFill>
-                  <a:schemeClr val="tx1"/>
-                </a:solidFill>
-                <a:latin typeface="Times New Roman" pitchFamily="18" charset="0"/>
-                <a:ea typeface="Gulim" pitchFamily="34" charset="-127"/>
-              </a:defRPr>
-            </a:lvl3pPr>
-            <a:lvl4pPr marL="1600200" indent="-228600" eaLnBrk="0" hangingPunct="0">
-              <a:defRPr kumimoji="1" sz="2400">
-                <a:solidFill>
-                  <a:schemeClr val="tx1"/>
-                </a:solidFill>
-                <a:latin typeface="Times New Roman" pitchFamily="18" charset="0"/>
-                <a:ea typeface="Gulim" pitchFamily="34" charset="-127"/>
-              </a:defRPr>
-            </a:lvl4pPr>
-            <a:lvl5pPr marL="2057400" indent="-228600" eaLnBrk="0" hangingPunct="0">
-              <a:defRPr kumimoji="1" sz="2400">
-                <a:solidFill>
-                  <a:schemeClr val="tx1"/>
-                </a:solidFill>
-                <a:latin typeface="Times New Roman" pitchFamily="18" charset="0"/>
-                <a:ea typeface="Gulim" pitchFamily="34" charset="-127"/>
-              </a:defRPr>
-            </a:lvl5pPr>
-            <a:lvl6pPr marL="2514600" indent="-228600" eaLnBrk="0" fontAlgn="base" latinLnBrk="1" hangingPunct="0">
-              <a:spcBef>
-                <a:spcPct val="0"/>
-              </a:spcBef>
-              <a:spcAft>
-                <a:spcPct val="0"/>
-              </a:spcAft>
-              <a:defRPr kumimoji="1" sz="2400">
-                <a:solidFill>
-                  <a:schemeClr val="tx1"/>
-                </a:solidFill>
-                <a:latin typeface="Times New Roman" pitchFamily="18" charset="0"/>
-                <a:ea typeface="Gulim" pitchFamily="34" charset="-127"/>
-              </a:defRPr>
-            </a:lvl6pPr>
-            <a:lvl7pPr marL="2971800" indent="-228600" eaLnBrk="0" fontAlgn="base" latinLnBrk="1" hangingPunct="0">
-              <a:spcBef>
-                <a:spcPct val="0"/>
-              </a:spcBef>
-              <a:spcAft>
-                <a:spcPct val="0"/>
-              </a:spcAft>
-              <a:defRPr kumimoji="1" sz="2400">
-                <a:solidFill>
-                  <a:schemeClr val="tx1"/>
-                </a:solidFill>
-                <a:latin typeface="Times New Roman" pitchFamily="18" charset="0"/>
-                <a:ea typeface="Gulim" pitchFamily="34" charset="-127"/>
-              </a:defRPr>
-            </a:lvl7pPr>
-            <a:lvl8pPr marL="3429000" indent="-228600" eaLnBrk="0" fontAlgn="base" latinLnBrk="1" hangingPunct="0">
-              <a:spcBef>
-                <a:spcPct val="0"/>
-              </a:spcBef>
-              <a:spcAft>
-                <a:spcPct val="0"/>
-              </a:spcAft>
-              <a:defRPr kumimoji="1" sz="2400">
-                <a:solidFill>
-                  <a:schemeClr val="tx1"/>
-                </a:solidFill>
-                <a:latin typeface="Times New Roman" pitchFamily="18" charset="0"/>
-                <a:ea typeface="Gulim" pitchFamily="34" charset="-127"/>
-              </a:defRPr>
-            </a:lvl8pPr>
-            <a:lvl9pPr marL="3886200" indent="-228600" eaLnBrk="0" fontAlgn="base" latinLnBrk="1" hangingPunct="0">
-              <a:spcBef>
-                <a:spcPct val="0"/>
-              </a:spcBef>
-              <a:spcAft>
-                <a:spcPct val="0"/>
-              </a:spcAft>
-              <a:defRPr kumimoji="1" sz="2400">
-                <a:solidFill>
-                  <a:schemeClr val="tx1"/>
-                </a:solidFill>
-                <a:latin typeface="Times New Roman" pitchFamily="18" charset="0"/>
-                <a:ea typeface="Gulim" pitchFamily="34" charset="-127"/>
-              </a:defRPr>
-            </a:lvl9pPr>
-          </a:lstStyle>
-          <a:p>
-            <a:pPr eaLnBrk="1" hangingPunct="1"/>
-            <a:fld id="{65C65CC8-9A31-47C6-8AF0-ABDF9ACAA3EB}" type="slidenum">
-              <a:rPr kumimoji="0" lang="en-US" altLang="ko-KR" sz="2600">
-                <a:solidFill>
-                  <a:schemeClr val="bg1"/>
-                </a:solidFill>
-                <a:latin typeface="Gulim" pitchFamily="34" charset="-127"/>
-              </a:rPr>
-              <a:pPr eaLnBrk="1" hangingPunct="1"/>
-              <a:t>40</a:t>
+              <a:t>42</a:t>
             </a:fld>
             <a:endParaRPr kumimoji="0" lang="en-US" altLang="ko-KR" sz="2600">
               <a:solidFill>
@@ -25621,7 +25003,7 @@
               <a:rPr lang="en-US" b="1" dirty="0"/>
               <a:t>Operation - Delete</a:t>
             </a:r>
-            <a:endParaRPr lang="en-US" altLang="ko-KR" dirty="0" smtClean="0"/>
+            <a:endParaRPr lang="en-US" altLang="ko-KR" dirty="0"/>
           </a:p>
         </p:txBody>
       </p:sp>
@@ -25665,25 +25047,10 @@
   <p:clrMapOvr>
     <a:masterClrMapping/>
   </p:clrMapOvr>
-  <mc:AlternateContent xmlns:mc="http://schemas.openxmlformats.org/markup-compatibility/2006" xmlns:p14="http://schemas.microsoft.com/office/powerpoint/2010/main">
-    <mc:Choice Requires="p14">
-      <p:transition p14:dur="0"/>
-    </mc:Choice>
-    <mc:Fallback xmlns="">
-      <p:transition/>
-    </mc:Fallback>
-  </mc:AlternateContent>
-  <p:timing>
-    <p:tnLst>
-      <p:par>
-        <p:cTn id="1" dur="indefinite" restart="never" nodeType="tmRoot"/>
-      </p:par>
-    </p:tnLst>
-  </p:timing>
 </p:sld>
 </file>
 
-<file path=ppt/slides/slide41.xml><?xml version="1.0" encoding="utf-8"?>
+<file path=ppt/slides/slide43.xml><?xml version="1.0" encoding="utf-8"?>
 <p:sld xmlns:a="http://schemas.openxmlformats.org/drawingml/2006/main" xmlns:r="http://schemas.openxmlformats.org/officeDocument/2006/relationships" xmlns:p="http://schemas.openxmlformats.org/presentationml/2006/main" showMasterPhAnim="0">
   <p:cSld>
     <p:spTree>
@@ -25830,7 +25197,7 @@
                 <a:latin typeface="Gulim" pitchFamily="34" charset="-127"/>
               </a:rPr>
               <a:pPr eaLnBrk="1" hangingPunct="1"/>
-              <a:t>41</a:t>
+              <a:t>43</a:t>
             </a:fld>
             <a:endParaRPr kumimoji="0" lang="en-US" altLang="ko-KR" sz="2600">
               <a:solidFill>
@@ -25860,7 +25227,7 @@
               <a:rPr lang="en-US" b="1" dirty="0"/>
               <a:t>Operation - Delete</a:t>
             </a:r>
-            <a:endParaRPr lang="en-US" altLang="ko-KR" dirty="0" smtClean="0"/>
+            <a:endParaRPr lang="en-US" altLang="ko-KR" dirty="0"/>
           </a:p>
         </p:txBody>
       </p:sp>
@@ -25904,25 +25271,10 @@
   <p:clrMapOvr>
     <a:masterClrMapping/>
   </p:clrMapOvr>
-  <mc:AlternateContent xmlns:mc="http://schemas.openxmlformats.org/markup-compatibility/2006" xmlns:p14="http://schemas.microsoft.com/office/powerpoint/2010/main">
-    <mc:Choice Requires="p14">
-      <p:transition p14:dur="0"/>
-    </mc:Choice>
-    <mc:Fallback xmlns="">
-      <p:transition/>
-    </mc:Fallback>
-  </mc:AlternateContent>
-  <p:timing>
-    <p:tnLst>
-      <p:par>
-        <p:cTn id="1" dur="indefinite" restart="never" nodeType="tmRoot"/>
-      </p:par>
-    </p:tnLst>
-  </p:timing>
 </p:sld>
 </file>
 
-<file path=ppt/slides/slide42.xml><?xml version="1.0" encoding="utf-8"?>
+<file path=ppt/slides/slide44.xml><?xml version="1.0" encoding="utf-8"?>
 <p:sld xmlns:a="http://schemas.openxmlformats.org/drawingml/2006/main" xmlns:r="http://schemas.openxmlformats.org/officeDocument/2006/relationships" xmlns:p="http://schemas.openxmlformats.org/presentationml/2006/main" showMasterPhAnim="0">
   <p:cSld>
     <p:spTree>
@@ -26069,7 +25421,7 @@
                 <a:latin typeface="Gulim" pitchFamily="34" charset="-127"/>
               </a:rPr>
               <a:pPr eaLnBrk="1" hangingPunct="1"/>
-              <a:t>42</a:t>
+              <a:t>44</a:t>
             </a:fld>
             <a:endParaRPr kumimoji="0" lang="en-US" altLang="ko-KR" sz="2600">
               <a:solidFill>
@@ -26099,7 +25451,7 @@
               <a:rPr lang="en-US" b="1" dirty="0"/>
               <a:t>Operation - Delete</a:t>
             </a:r>
-            <a:endParaRPr lang="en-US" altLang="ko-KR" dirty="0" smtClean="0"/>
+            <a:endParaRPr lang="en-US" altLang="ko-KR" dirty="0"/>
           </a:p>
         </p:txBody>
       </p:sp>
@@ -26143,25 +25495,10 @@
   <p:clrMapOvr>
     <a:masterClrMapping/>
   </p:clrMapOvr>
-  <mc:AlternateContent xmlns:mc="http://schemas.openxmlformats.org/markup-compatibility/2006" xmlns:p14="http://schemas.microsoft.com/office/powerpoint/2010/main">
-    <mc:Choice Requires="p14">
-      <p:transition p14:dur="0"/>
-    </mc:Choice>
-    <mc:Fallback xmlns="">
-      <p:transition/>
-    </mc:Fallback>
-  </mc:AlternateContent>
-  <p:timing>
-    <p:tnLst>
-      <p:par>
-        <p:cTn id="1" dur="indefinite" restart="never" nodeType="tmRoot"/>
-      </p:par>
-    </p:tnLst>
-  </p:timing>
 </p:sld>
 </file>
 
-<file path=ppt/slides/slide43.xml><?xml version="1.0" encoding="utf-8"?>
+<file path=ppt/slides/slide45.xml><?xml version="1.0" encoding="utf-8"?>
 <p:sld xmlns:a="http://schemas.openxmlformats.org/drawingml/2006/main" xmlns:r="http://schemas.openxmlformats.org/officeDocument/2006/relationships" xmlns:p="http://schemas.openxmlformats.org/presentationml/2006/main">
   <p:cSld>
     <p:spTree>
@@ -26215,7 +25552,7 @@
             <a:fld id="{B6F15528-21DE-4FAA-801E-634DDDAF4B2B}" type="slidenum">
               <a:rPr lang="en-US" smtClean="0"/>
               <a:pPr/>
-              <a:t>43</a:t>
+              <a:t>45</a:t>
             </a:fld>
             <a:endParaRPr lang="en-US"/>
           </a:p>
@@ -26289,574 +25626,6 @@
     <p:extLst>
       <p:ext uri="{BB962C8B-B14F-4D97-AF65-F5344CB8AC3E}">
         <p14:creationId xmlns:p14="http://schemas.microsoft.com/office/powerpoint/2010/main" val="444057605"/>
-      </p:ext>
-    </p:extLst>
-  </p:cSld>
-  <p:clrMapOvr>
-    <a:masterClrMapping/>
-  </p:clrMapOvr>
-</p:sld>
-</file>
-
-<file path=ppt/slides/slide44.xml><?xml version="1.0" encoding="utf-8"?>
-<p:sld xmlns:a="http://schemas.openxmlformats.org/drawingml/2006/main" xmlns:r="http://schemas.openxmlformats.org/officeDocument/2006/relationships" xmlns:p="http://schemas.openxmlformats.org/presentationml/2006/main">
-  <p:cSld>
-    <p:spTree>
-      <p:nvGrpSpPr>
-        <p:cNvPr id="1" name=""/>
-        <p:cNvGrpSpPr/>
-        <p:nvPr/>
-      </p:nvGrpSpPr>
-      <p:grpSpPr>
-        <a:xfrm>
-          <a:off x="0" y="0"/>
-          <a:ext cx="0" cy="0"/>
-          <a:chOff x="0" y="0"/>
-          <a:chExt cx="0" cy="0"/>
-        </a:xfrm>
-      </p:grpSpPr>
-      <p:sp>
-        <p:nvSpPr>
-          <p:cNvPr id="2" name="Content Placeholder 1"/>
-          <p:cNvSpPr>
-            <a:spLocks noGrp="1"/>
-          </p:cNvSpPr>
-          <p:nvPr>
-            <p:ph idx="1"/>
-          </p:nvPr>
-        </p:nvSpPr>
-        <p:spPr/>
-        <p:txBody>
-          <a:bodyPr/>
-          <a:lstStyle/>
-          <a:p>
-            <a:endParaRPr lang="en-US" dirty="0"/>
-          </a:p>
-        </p:txBody>
-      </p:sp>
-      <p:sp>
-        <p:nvSpPr>
-          <p:cNvPr id="3" name="Slide Number Placeholder 2"/>
-          <p:cNvSpPr>
-            <a:spLocks noGrp="1"/>
-          </p:cNvSpPr>
-          <p:nvPr>
-            <p:ph type="sldNum" sz="quarter" idx="12"/>
-          </p:nvPr>
-        </p:nvSpPr>
-        <p:spPr/>
-        <p:txBody>
-          <a:bodyPr/>
-          <a:lstStyle/>
-          <a:p>
-            <a:fld id="{B6F15528-21DE-4FAA-801E-634DDDAF4B2B}" type="slidenum">
-              <a:rPr lang="en-US" smtClean="0"/>
-              <a:pPr/>
-              <a:t>44</a:t>
-            </a:fld>
-            <a:endParaRPr lang="en-US"/>
-          </a:p>
-        </p:txBody>
-      </p:sp>
-      <p:sp>
-        <p:nvSpPr>
-          <p:cNvPr id="4" name="Title 3"/>
-          <p:cNvSpPr>
-            <a:spLocks noGrp="1"/>
-          </p:cNvSpPr>
-          <p:nvPr>
-            <p:ph type="title"/>
-          </p:nvPr>
-        </p:nvSpPr>
-        <p:spPr/>
-        <p:txBody>
-          <a:bodyPr/>
-          <a:lstStyle/>
-          <a:p>
-            <a:r>
-              <a:rPr lang="en-US" b="1" dirty="0"/>
-              <a:t>Operation - Delete</a:t>
-            </a:r>
-            <a:endParaRPr lang="en-US" dirty="0"/>
-          </a:p>
-        </p:txBody>
-      </p:sp>
-      <p:pic>
-        <p:nvPicPr>
-          <p:cNvPr id="2050" name="Picture 2" descr="bst-delete2"/>
-          <p:cNvPicPr>
-            <a:picLocks noChangeAspect="1" noChangeArrowheads="1"/>
-          </p:cNvPicPr>
-          <p:nvPr/>
-        </p:nvPicPr>
-        <p:blipFill>
-          <a:blip r:embed="rId2">
-            <a:extLst>
-              <a:ext uri="{28A0092B-C50C-407E-A947-70E740481C1C}">
-                <a14:useLocalDpi xmlns:a14="http://schemas.microsoft.com/office/drawing/2010/main" val="0"/>
-              </a:ext>
-            </a:extLst>
-          </a:blip>
-          <a:srcRect/>
-          <a:stretch>
-            <a:fillRect/>
-          </a:stretch>
-        </p:blipFill>
-        <p:spPr bwMode="auto">
-          <a:xfrm>
-            <a:off x="0" y="1924401"/>
-            <a:ext cx="9144000" cy="4933599"/>
-          </a:xfrm>
-          <a:prstGeom prst="rect">
-            <a:avLst/>
-          </a:prstGeom>
-          <a:noFill/>
-          <a:extLst>
-            <a:ext uri="{909E8E84-426E-40DD-AFC4-6F175D3DCCD1}">
-              <a14:hiddenFill xmlns:a14="http://schemas.microsoft.com/office/drawing/2010/main">
-                <a:solidFill>
-                  <a:srgbClr val="FFFFFF"/>
-                </a:solidFill>
-              </a14:hiddenFill>
-            </a:ext>
-          </a:extLst>
-        </p:spPr>
-      </p:pic>
-    </p:spTree>
-    <p:extLst>
-      <p:ext uri="{BB962C8B-B14F-4D97-AF65-F5344CB8AC3E}">
-        <p14:creationId xmlns:p14="http://schemas.microsoft.com/office/powerpoint/2010/main" val="2189430743"/>
-      </p:ext>
-    </p:extLst>
-  </p:cSld>
-  <p:clrMapOvr>
-    <a:masterClrMapping/>
-  </p:clrMapOvr>
-</p:sld>
-</file>
-
-<file path=ppt/slides/slide45.xml><?xml version="1.0" encoding="utf-8"?>
-<p:sld xmlns:a="http://schemas.openxmlformats.org/drawingml/2006/main" xmlns:r="http://schemas.openxmlformats.org/officeDocument/2006/relationships" xmlns:p="http://schemas.openxmlformats.org/presentationml/2006/main">
-  <p:cSld>
-    <p:spTree>
-      <p:nvGrpSpPr>
-        <p:cNvPr id="1" name=""/>
-        <p:cNvGrpSpPr/>
-        <p:nvPr/>
-      </p:nvGrpSpPr>
-      <p:grpSpPr>
-        <a:xfrm>
-          <a:off x="0" y="0"/>
-          <a:ext cx="0" cy="0"/>
-          <a:chOff x="0" y="0"/>
-          <a:chExt cx="0" cy="0"/>
-        </a:xfrm>
-      </p:grpSpPr>
-      <p:sp>
-        <p:nvSpPr>
-          <p:cNvPr id="2" name="Content Placeholder 1"/>
-          <p:cNvSpPr>
-            <a:spLocks noGrp="1"/>
-          </p:cNvSpPr>
-          <p:nvPr>
-            <p:ph idx="1"/>
-          </p:nvPr>
-        </p:nvSpPr>
-        <p:spPr>
-          <a:xfrm>
-            <a:off x="228600" y="1524000"/>
-            <a:ext cx="8915399" cy="5562600"/>
-          </a:xfrm>
-        </p:spPr>
-        <p:txBody>
-          <a:bodyPr>
-            <a:normAutofit fontScale="70000" lnSpcReduction="20000"/>
-          </a:bodyPr>
-          <a:lstStyle/>
-          <a:p>
-            <a:pPr marL="0" indent="0">
-              <a:buNone/>
-            </a:pPr>
-            <a:r>
-              <a:rPr lang="en-US" dirty="0"/>
-              <a:t> if ( k not in BST </a:t>
-            </a:r>
-            <a:r>
-              <a:rPr lang="en-US" dirty="0" smtClean="0"/>
-              <a:t>)    {	</a:t>
-            </a:r>
-          </a:p>
-          <a:p>
-            <a:pPr marL="0" indent="0">
-              <a:buNone/>
-            </a:pPr>
-            <a:r>
-              <a:rPr lang="en-US" dirty="0"/>
-              <a:t> </a:t>
-            </a:r>
-            <a:r>
-              <a:rPr lang="en-US" dirty="0" smtClean="0"/>
-              <a:t> 	return</a:t>
-            </a:r>
-            <a:r>
-              <a:rPr lang="en-US" dirty="0"/>
-              <a:t>;         // Nothing to delete</a:t>
-            </a:r>
-          </a:p>
-          <a:p>
-            <a:pPr marL="0" indent="0">
-              <a:buNone/>
-            </a:pPr>
-            <a:r>
-              <a:rPr lang="en-US" dirty="0"/>
-              <a:t>    }</a:t>
-            </a:r>
-          </a:p>
-          <a:p>
-            <a:pPr marL="0" indent="0">
-              <a:buNone/>
-            </a:pPr>
-            <a:r>
-              <a:rPr lang="en-US" dirty="0" smtClean="0"/>
-              <a:t>    </a:t>
-            </a:r>
-            <a:r>
-              <a:rPr lang="en-US" dirty="0"/>
-              <a:t>/****** The "Hibbard deletion algorithm" ******/</a:t>
-            </a:r>
-          </a:p>
-          <a:p>
-            <a:pPr marL="0" indent="0">
-              <a:buNone/>
-            </a:pPr>
-            <a:r>
-              <a:rPr lang="en-US" dirty="0" smtClean="0"/>
-              <a:t>    </a:t>
-            </a:r>
-            <a:r>
-              <a:rPr lang="en-US" dirty="0"/>
-              <a:t>if ( k has no subtrees </a:t>
-            </a:r>
-            <a:r>
-              <a:rPr lang="en-US" dirty="0" smtClean="0"/>
-              <a:t>) </a:t>
-            </a:r>
-            <a:r>
-              <a:rPr lang="en-US" dirty="0"/>
-              <a:t>{ </a:t>
-            </a:r>
-            <a:r>
-              <a:rPr lang="en-US" dirty="0" smtClean="0"/>
-              <a:t>		          //     </a:t>
-            </a:r>
-            <a:r>
-              <a:rPr lang="en-US" dirty="0"/>
-              <a:t>x          </a:t>
-            </a:r>
-            <a:r>
-              <a:rPr lang="en-US" dirty="0" smtClean="0"/>
-              <a:t>    </a:t>
-            </a:r>
-            <a:r>
-              <a:rPr lang="en-US" dirty="0" err="1"/>
-              <a:t>x</a:t>
-            </a:r>
-            <a:endParaRPr lang="en-US" dirty="0"/>
-          </a:p>
-          <a:p>
-            <a:pPr marL="0" indent="0">
-              <a:buNone/>
-            </a:pPr>
-            <a:r>
-              <a:rPr lang="en-US" dirty="0" smtClean="0"/>
-              <a:t>            unlink </a:t>
-            </a:r>
-            <a:r>
-              <a:rPr lang="en-US" dirty="0"/>
-              <a:t>k from k's parent; </a:t>
-            </a:r>
-            <a:r>
-              <a:rPr lang="en-US" dirty="0" smtClean="0"/>
-              <a:t>      	          //    </a:t>
-            </a:r>
-            <a:r>
-              <a:rPr lang="en-US" dirty="0"/>
-              <a:t>/ \    ==&gt;   /</a:t>
-            </a:r>
-          </a:p>
-          <a:p>
-            <a:pPr marL="0" indent="0">
-              <a:buNone/>
-            </a:pPr>
-            <a:r>
-              <a:rPr lang="en-US" dirty="0" smtClean="0"/>
-              <a:t>     return</a:t>
-            </a:r>
-            <a:r>
-              <a:rPr lang="en-US" dirty="0"/>
-              <a:t>;                        </a:t>
-            </a:r>
-            <a:r>
-              <a:rPr lang="en-US" dirty="0" smtClean="0"/>
-              <a:t>		         //   </a:t>
-            </a:r>
-            <a:r>
-              <a:rPr lang="en-US" dirty="0"/>
-              <a:t>y   k       </a:t>
-            </a:r>
-            <a:r>
-              <a:rPr lang="en-US" dirty="0" smtClean="0"/>
-              <a:t>   </a:t>
-            </a:r>
-            <a:r>
-              <a:rPr lang="en-US" dirty="0"/>
-              <a:t>y</a:t>
-            </a:r>
-          </a:p>
-          <a:p>
-            <a:pPr marL="0" indent="0">
-              <a:buNone/>
-            </a:pPr>
-            <a:r>
-              <a:rPr lang="en-US" dirty="0" smtClean="0"/>
-              <a:t>    }</a:t>
-            </a:r>
-            <a:endParaRPr lang="en-US" dirty="0"/>
-          </a:p>
-          <a:p>
-            <a:pPr marL="0" indent="0">
-              <a:buNone/>
-            </a:pPr>
-            <a:r>
-              <a:rPr lang="en-US" dirty="0"/>
-              <a:t>    if ( k has 1 tree </a:t>
-            </a:r>
-            <a:r>
-              <a:rPr lang="en-US" dirty="0" smtClean="0"/>
-              <a:t>) {     			          </a:t>
-            </a:r>
-            <a:r>
-              <a:rPr lang="en-US" dirty="0"/>
-              <a:t>//     x       </a:t>
-            </a:r>
-            <a:r>
-              <a:rPr lang="en-US" dirty="0" smtClean="0"/>
-              <a:t>        </a:t>
-            </a:r>
-            <a:r>
-              <a:rPr lang="en-US" dirty="0" err="1"/>
-              <a:t>x</a:t>
-            </a:r>
-            <a:endParaRPr lang="en-US" dirty="0"/>
-          </a:p>
-          <a:p>
-            <a:pPr marL="0" indent="0">
-              <a:buNone/>
-            </a:pPr>
-            <a:r>
-              <a:rPr lang="en-US" dirty="0"/>
-              <a:t> </a:t>
-            </a:r>
-            <a:r>
-              <a:rPr lang="en-US" dirty="0" smtClean="0"/>
-              <a:t>       make </a:t>
-            </a:r>
-            <a:r>
-              <a:rPr lang="en-US" dirty="0"/>
-              <a:t>k's parent point to k's subtree; </a:t>
-            </a:r>
-            <a:r>
-              <a:rPr lang="en-US" dirty="0" smtClean="0"/>
-              <a:t>                           //    </a:t>
-            </a:r>
-            <a:r>
-              <a:rPr lang="en-US" dirty="0"/>
-              <a:t>/ \    ==&gt;   / \</a:t>
-            </a:r>
-          </a:p>
-          <a:p>
-            <a:pPr marL="0" indent="0">
-              <a:buNone/>
-            </a:pPr>
-            <a:r>
-              <a:rPr lang="en-US" dirty="0"/>
-              <a:t> </a:t>
-            </a:r>
-            <a:r>
-              <a:rPr lang="en-US" dirty="0" smtClean="0"/>
-              <a:t>       return</a:t>
-            </a:r>
-            <a:r>
-              <a:rPr lang="en-US" dirty="0"/>
-              <a:t>; </a:t>
-            </a:r>
-            <a:r>
-              <a:rPr lang="en-US" dirty="0" smtClean="0"/>
-              <a:t>			                   	         //   </a:t>
-            </a:r>
-            <a:r>
-              <a:rPr lang="en-US" dirty="0"/>
-              <a:t>y   k        y   z</a:t>
-            </a:r>
-          </a:p>
-          <a:p>
-            <a:pPr marL="0" indent="0">
-              <a:buNone/>
-            </a:pPr>
-            <a:r>
-              <a:rPr lang="en-US" dirty="0" smtClean="0"/>
-              <a:t>    }				                   	         //          </a:t>
-            </a:r>
-            <a:r>
-              <a:rPr lang="en-US" dirty="0"/>
-              <a:t>\</a:t>
-            </a:r>
-          </a:p>
-          <a:p>
-            <a:pPr marL="0" indent="0">
-              <a:buNone/>
-            </a:pPr>
-            <a:r>
-              <a:rPr lang="en-US" dirty="0" smtClean="0"/>
-              <a:t>					         //	  z</a:t>
-            </a:r>
-            <a:endParaRPr lang="en-US" dirty="0"/>
-          </a:p>
-          <a:p>
-            <a:pPr marL="0" indent="0">
-              <a:buNone/>
-            </a:pPr>
-            <a:r>
-              <a:rPr lang="en-US" dirty="0" smtClean="0"/>
-              <a:t>    </a:t>
-            </a:r>
-            <a:r>
-              <a:rPr lang="en-US" dirty="0"/>
-              <a:t>/* k has 2 subtrees - TOUGH */</a:t>
-            </a:r>
-          </a:p>
-          <a:p>
-            <a:pPr marL="0" indent="0">
-              <a:buNone/>
-            </a:pPr>
-            <a:r>
-              <a:rPr lang="en-US" dirty="0" smtClean="0"/>
-              <a:t>   </a:t>
-            </a:r>
-            <a:r>
-              <a:rPr lang="en-US" dirty="0"/>
-              <a:t>(1)  find the successor of k:</a:t>
-            </a:r>
-          </a:p>
-          <a:p>
-            <a:pPr marL="0" indent="0">
-              <a:buNone/>
-            </a:pPr>
-            <a:r>
-              <a:rPr lang="en-US" dirty="0"/>
-              <a:t>            go right once</a:t>
-            </a:r>
-          </a:p>
-          <a:p>
-            <a:pPr marL="0" indent="0">
-              <a:buNone/>
-            </a:pPr>
-            <a:r>
-              <a:rPr lang="en-US" dirty="0"/>
-              <a:t>	    go left all the way down</a:t>
-            </a:r>
-          </a:p>
-          <a:p>
-            <a:pPr marL="0" indent="0">
-              <a:buNone/>
-            </a:pPr>
-            <a:r>
-              <a:rPr lang="en-US" dirty="0"/>
-              <a:t>   </a:t>
-            </a:r>
-            <a:r>
-              <a:rPr lang="en-US" dirty="0" smtClean="0"/>
-              <a:t>(</a:t>
-            </a:r>
-            <a:r>
-              <a:rPr lang="en-US" dirty="0"/>
-              <a:t>2) Replace k with k's successor;</a:t>
-            </a:r>
-          </a:p>
-          <a:p>
-            <a:pPr marL="0" indent="0">
-              <a:buNone/>
-            </a:pPr>
-            <a:endParaRPr lang="en-US" dirty="0" smtClean="0"/>
-          </a:p>
-          <a:p>
-            <a:pPr marL="0" indent="0">
-              <a:buNone/>
-            </a:pPr>
-            <a:r>
-              <a:rPr lang="en-US" dirty="0" smtClean="0"/>
-              <a:t>   </a:t>
-            </a:r>
-            <a:r>
-              <a:rPr lang="en-US" dirty="0"/>
-              <a:t>(3) Make the successor's parent point to the successor's right subtree; </a:t>
-            </a:r>
-          </a:p>
-        </p:txBody>
-      </p:sp>
-      <p:sp>
-        <p:nvSpPr>
-          <p:cNvPr id="3" name="Slide Number Placeholder 2"/>
-          <p:cNvSpPr>
-            <a:spLocks noGrp="1"/>
-          </p:cNvSpPr>
-          <p:nvPr>
-            <p:ph type="sldNum" sz="quarter" idx="12"/>
-          </p:nvPr>
-        </p:nvSpPr>
-        <p:spPr/>
-        <p:txBody>
-          <a:bodyPr/>
-          <a:lstStyle/>
-          <a:p>
-            <a:fld id="{B6F15528-21DE-4FAA-801E-634DDDAF4B2B}" type="slidenum">
-              <a:rPr lang="en-US" smtClean="0"/>
-              <a:pPr/>
-              <a:t>45</a:t>
-            </a:fld>
-            <a:endParaRPr lang="en-US"/>
-          </a:p>
-        </p:txBody>
-      </p:sp>
-      <p:sp>
-        <p:nvSpPr>
-          <p:cNvPr id="4" name="Title 3"/>
-          <p:cNvSpPr>
-            <a:spLocks noGrp="1"/>
-          </p:cNvSpPr>
-          <p:nvPr>
-            <p:ph type="title"/>
-          </p:nvPr>
-        </p:nvSpPr>
-        <p:spPr/>
-        <p:txBody>
-          <a:bodyPr>
-            <a:normAutofit fontScale="90000"/>
-          </a:bodyPr>
-          <a:lstStyle/>
-          <a:p>
-            <a:r>
-              <a:rPr lang="en-US" b="1" dirty="0"/>
-              <a:t>The Hibbard node deletion algorithm</a:t>
-            </a:r>
-            <a:endParaRPr lang="en-US" dirty="0"/>
-          </a:p>
-        </p:txBody>
-      </p:sp>
-    </p:spTree>
-    <p:extLst>
-      <p:ext uri="{BB962C8B-B14F-4D97-AF65-F5344CB8AC3E}">
-        <p14:creationId xmlns:p14="http://schemas.microsoft.com/office/powerpoint/2010/main" val="3960868464"/>
       </p:ext>
     </p:extLst>
   </p:cSld>
@@ -26898,22 +25667,6 @@
           <a:bodyPr/>
           <a:lstStyle/>
           <a:p>
-            <a:r>
-              <a:rPr lang="en-US" dirty="0" smtClean="0"/>
-              <a:t>Lectures by Mr. Mohammad </a:t>
-            </a:r>
-            <a:r>
-              <a:rPr lang="en-US" dirty="0" err="1"/>
-              <a:t>Asad</a:t>
-            </a:r>
-            <a:r>
-              <a:rPr lang="en-US" dirty="0"/>
-              <a:t> </a:t>
-            </a:r>
-            <a:r>
-              <a:rPr lang="en-US" dirty="0" err="1"/>
-              <a:t>Abbasi</a:t>
-            </a:r>
             <a:endParaRPr lang="en-US" dirty="0"/>
           </a:p>
         </p:txBody>
@@ -26958,10 +25711,451 @@
           <a:lstStyle/>
           <a:p>
             <a:r>
-              <a:rPr lang="en-US" dirty="0" smtClean="0"/>
+              <a:rPr lang="en-US" b="1" dirty="0"/>
+              <a:t>Operation - Delete</a:t>
+            </a:r>
+            <a:endParaRPr lang="en-US" dirty="0"/>
+          </a:p>
+        </p:txBody>
+      </p:sp>
+      <p:pic>
+        <p:nvPicPr>
+          <p:cNvPr id="2050" name="Picture 2" descr="bst-delete2"/>
+          <p:cNvPicPr>
+            <a:picLocks noChangeAspect="1" noChangeArrowheads="1"/>
+          </p:cNvPicPr>
+          <p:nvPr/>
+        </p:nvPicPr>
+        <p:blipFill>
+          <a:blip r:embed="rId2">
+            <a:extLst>
+              <a:ext uri="{28A0092B-C50C-407E-A947-70E740481C1C}">
+                <a14:useLocalDpi xmlns:a14="http://schemas.microsoft.com/office/drawing/2010/main" val="0"/>
+              </a:ext>
+            </a:extLst>
+          </a:blip>
+          <a:srcRect/>
+          <a:stretch>
+            <a:fillRect/>
+          </a:stretch>
+        </p:blipFill>
+        <p:spPr bwMode="auto">
+          <a:xfrm>
+            <a:off x="0" y="1924401"/>
+            <a:ext cx="9144000" cy="4933599"/>
+          </a:xfrm>
+          <a:prstGeom prst="rect">
+            <a:avLst/>
+          </a:prstGeom>
+          <a:noFill/>
+          <a:extLst>
+            <a:ext uri="{909E8E84-426E-40DD-AFC4-6F175D3DCCD1}">
+              <a14:hiddenFill xmlns:a14="http://schemas.microsoft.com/office/drawing/2010/main">
+                <a:solidFill>
+                  <a:srgbClr val="FFFFFF"/>
+                </a:solidFill>
+              </a14:hiddenFill>
+            </a:ext>
+          </a:extLst>
+        </p:spPr>
+      </p:pic>
+    </p:spTree>
+    <p:extLst>
+      <p:ext uri="{BB962C8B-B14F-4D97-AF65-F5344CB8AC3E}">
+        <p14:creationId xmlns:p14="http://schemas.microsoft.com/office/powerpoint/2010/main" val="2189430743"/>
+      </p:ext>
+    </p:extLst>
+  </p:cSld>
+  <p:clrMapOvr>
+    <a:masterClrMapping/>
+  </p:clrMapOvr>
+</p:sld>
+</file>
+
+<file path=ppt/slides/slide47.xml><?xml version="1.0" encoding="utf-8"?>
+<p:sld xmlns:a="http://schemas.openxmlformats.org/drawingml/2006/main" xmlns:r="http://schemas.openxmlformats.org/officeDocument/2006/relationships" xmlns:p="http://schemas.openxmlformats.org/presentationml/2006/main">
+  <p:cSld>
+    <p:spTree>
+      <p:nvGrpSpPr>
+        <p:cNvPr id="1" name=""/>
+        <p:cNvGrpSpPr/>
+        <p:nvPr/>
+      </p:nvGrpSpPr>
+      <p:grpSpPr>
+        <a:xfrm>
+          <a:off x="0" y="0"/>
+          <a:ext cx="0" cy="0"/>
+          <a:chOff x="0" y="0"/>
+          <a:chExt cx="0" cy="0"/>
+        </a:xfrm>
+      </p:grpSpPr>
+      <p:sp>
+        <p:nvSpPr>
+          <p:cNvPr id="2" name="Content Placeholder 1"/>
+          <p:cNvSpPr>
+            <a:spLocks noGrp="1"/>
+          </p:cNvSpPr>
+          <p:nvPr>
+            <p:ph idx="1"/>
+          </p:nvPr>
+        </p:nvSpPr>
+        <p:spPr>
+          <a:xfrm>
+            <a:off x="228600" y="1524000"/>
+            <a:ext cx="8915399" cy="5562600"/>
+          </a:xfrm>
+        </p:spPr>
+        <p:txBody>
+          <a:bodyPr>
+            <a:normAutofit fontScale="70000" lnSpcReduction="20000"/>
+          </a:bodyPr>
+          <a:lstStyle/>
+          <a:p>
+            <a:pPr marL="0" indent="0">
+              <a:buNone/>
+            </a:pPr>
+            <a:r>
+              <a:rPr lang="en-US" dirty="0"/>
+              <a:t> if ( k not in BST )    {	</a:t>
+            </a:r>
+          </a:p>
+          <a:p>
+            <a:pPr marL="0" indent="0">
+              <a:buNone/>
+            </a:pPr>
+            <a:r>
+              <a:rPr lang="en-US" dirty="0"/>
+              <a:t>  	return;         // Nothing to delete</a:t>
+            </a:r>
+          </a:p>
+          <a:p>
+            <a:pPr marL="0" indent="0">
+              <a:buNone/>
+            </a:pPr>
+            <a:r>
+              <a:rPr lang="en-US" dirty="0"/>
+              <a:t>    }</a:t>
+            </a:r>
+          </a:p>
+          <a:p>
+            <a:pPr marL="0" indent="0">
+              <a:buNone/>
+            </a:pPr>
+            <a:r>
+              <a:rPr lang="en-US" dirty="0"/>
+              <a:t>    /****** The "Hibbard deletion algorithm" ******/</a:t>
+            </a:r>
+          </a:p>
+          <a:p>
+            <a:pPr marL="0" indent="0">
+              <a:buNone/>
+            </a:pPr>
+            <a:r>
+              <a:rPr lang="en-US" dirty="0"/>
+              <a:t>    if ( k has no subtrees ) { 		          //     x              </a:t>
+            </a:r>
+            <a:r>
+              <a:rPr lang="en-US" dirty="0" err="1"/>
+              <a:t>x</a:t>
+            </a:r>
+            <a:endParaRPr lang="en-US" dirty="0"/>
+          </a:p>
+          <a:p>
+            <a:pPr marL="0" indent="0">
+              <a:buNone/>
+            </a:pPr>
+            <a:r>
+              <a:rPr lang="en-US" dirty="0"/>
+              <a:t>            unlink k from k's parent;       	          //    / \    ==&gt;   /</a:t>
+            </a:r>
+          </a:p>
+          <a:p>
+            <a:pPr marL="0" indent="0">
+              <a:buNone/>
+            </a:pPr>
+            <a:r>
+              <a:rPr lang="en-US" dirty="0"/>
+              <a:t>     return;                        		         //   y   k          y</a:t>
+            </a:r>
+          </a:p>
+          <a:p>
+            <a:pPr marL="0" indent="0">
+              <a:buNone/>
+            </a:pPr>
+            <a:r>
+              <a:rPr lang="en-US" dirty="0"/>
+              <a:t>    }</a:t>
+            </a:r>
+          </a:p>
+          <a:p>
+            <a:pPr marL="0" indent="0">
+              <a:buNone/>
+            </a:pPr>
+            <a:r>
+              <a:rPr lang="en-US" dirty="0"/>
+              <a:t>    if ( k has 1 tree ) {     			          //     x               </a:t>
+            </a:r>
+            <a:r>
+              <a:rPr lang="en-US" dirty="0" err="1"/>
+              <a:t>x</a:t>
+            </a:r>
+            <a:endParaRPr lang="en-US" dirty="0"/>
+          </a:p>
+          <a:p>
+            <a:pPr marL="0" indent="0">
+              <a:buNone/>
+            </a:pPr>
+            <a:r>
+              <a:rPr lang="en-US" dirty="0"/>
+              <a:t>        make k's parent point to k's subtree;                            //    / \    ==&gt;   / \</a:t>
+            </a:r>
+          </a:p>
+          <a:p>
+            <a:pPr marL="0" indent="0">
+              <a:buNone/>
+            </a:pPr>
+            <a:r>
+              <a:rPr lang="en-US" dirty="0"/>
+              <a:t>        return; 			                   	         //   y   k        y   z</a:t>
+            </a:r>
+          </a:p>
+          <a:p>
+            <a:pPr marL="0" indent="0">
+              <a:buNone/>
+            </a:pPr>
+            <a:r>
+              <a:rPr lang="en-US" dirty="0"/>
+              <a:t>    }				                   	         //          \</a:t>
+            </a:r>
+          </a:p>
+          <a:p>
+            <a:pPr marL="0" indent="0">
+              <a:buNone/>
+            </a:pPr>
+            <a:r>
+              <a:rPr lang="en-US" dirty="0"/>
+              <a:t>					         //	  z</a:t>
+            </a:r>
+          </a:p>
+          <a:p>
+            <a:pPr marL="0" indent="0">
+              <a:buNone/>
+            </a:pPr>
+            <a:r>
+              <a:rPr lang="en-US" dirty="0"/>
+              <a:t>    /* k has 2 subtrees - TOUGH */</a:t>
+            </a:r>
+          </a:p>
+          <a:p>
+            <a:pPr marL="0" indent="0">
+              <a:buNone/>
+            </a:pPr>
+            <a:r>
+              <a:rPr lang="en-US" dirty="0"/>
+              <a:t>   (1)  find the successor of k:</a:t>
+            </a:r>
+          </a:p>
+          <a:p>
+            <a:pPr marL="0" indent="0">
+              <a:buNone/>
+            </a:pPr>
+            <a:r>
+              <a:rPr lang="en-US" dirty="0"/>
+              <a:t>            go right once</a:t>
+            </a:r>
+          </a:p>
+          <a:p>
+            <a:pPr marL="0" indent="0">
+              <a:buNone/>
+            </a:pPr>
+            <a:r>
+              <a:rPr lang="en-US" dirty="0"/>
+              <a:t>	    go left all the way down</a:t>
+            </a:r>
+          </a:p>
+          <a:p>
+            <a:pPr marL="0" indent="0">
+              <a:buNone/>
+            </a:pPr>
+            <a:r>
+              <a:rPr lang="en-US" dirty="0"/>
+              <a:t>   (2) Replace k with k's successor;</a:t>
+            </a:r>
+          </a:p>
+          <a:p>
+            <a:pPr marL="0" indent="0">
+              <a:buNone/>
+            </a:pPr>
+            <a:endParaRPr lang="en-US" dirty="0"/>
+          </a:p>
+          <a:p>
+            <a:pPr marL="0" indent="0">
+              <a:buNone/>
+            </a:pPr>
+            <a:r>
+              <a:rPr lang="en-US" dirty="0"/>
+              <a:t>   (3) Make the successor's parent point to the successor's right subtree; </a:t>
+            </a:r>
+          </a:p>
+        </p:txBody>
+      </p:sp>
+      <p:sp>
+        <p:nvSpPr>
+          <p:cNvPr id="3" name="Slide Number Placeholder 2"/>
+          <p:cNvSpPr>
+            <a:spLocks noGrp="1"/>
+          </p:cNvSpPr>
+          <p:nvPr>
+            <p:ph type="sldNum" sz="quarter" idx="12"/>
+          </p:nvPr>
+        </p:nvSpPr>
+        <p:spPr/>
+        <p:txBody>
+          <a:bodyPr/>
+          <a:lstStyle/>
+          <a:p>
+            <a:fld id="{B6F15528-21DE-4FAA-801E-634DDDAF4B2B}" type="slidenum">
+              <a:rPr lang="en-US" smtClean="0"/>
+              <a:pPr/>
+              <a:t>47</a:t>
+            </a:fld>
+            <a:endParaRPr lang="en-US"/>
+          </a:p>
+        </p:txBody>
+      </p:sp>
+      <p:sp>
+        <p:nvSpPr>
+          <p:cNvPr id="4" name="Title 3"/>
+          <p:cNvSpPr>
+            <a:spLocks noGrp="1"/>
+          </p:cNvSpPr>
+          <p:nvPr>
+            <p:ph type="title"/>
+          </p:nvPr>
+        </p:nvSpPr>
+        <p:spPr/>
+        <p:txBody>
+          <a:bodyPr>
+            <a:normAutofit fontScale="90000"/>
+          </a:bodyPr>
+          <a:lstStyle/>
+          <a:p>
+            <a:r>
+              <a:rPr lang="en-US" b="1" dirty="0"/>
+              <a:t>The Hibbard node deletion algorithm</a:t>
+            </a:r>
+            <a:endParaRPr lang="en-US" dirty="0"/>
+          </a:p>
+        </p:txBody>
+      </p:sp>
+    </p:spTree>
+    <p:extLst>
+      <p:ext uri="{BB962C8B-B14F-4D97-AF65-F5344CB8AC3E}">
+        <p14:creationId xmlns:p14="http://schemas.microsoft.com/office/powerpoint/2010/main" val="3960868464"/>
+      </p:ext>
+    </p:extLst>
+  </p:cSld>
+  <p:clrMapOvr>
+    <a:masterClrMapping/>
+  </p:clrMapOvr>
+</p:sld>
+</file>
+
+<file path=ppt/slides/slide48.xml><?xml version="1.0" encoding="utf-8"?>
+<p:sld xmlns:a="http://schemas.openxmlformats.org/drawingml/2006/main" xmlns:r="http://schemas.openxmlformats.org/officeDocument/2006/relationships" xmlns:p="http://schemas.openxmlformats.org/presentationml/2006/main">
+  <p:cSld>
+    <p:spTree>
+      <p:nvGrpSpPr>
+        <p:cNvPr id="1" name=""/>
+        <p:cNvGrpSpPr/>
+        <p:nvPr/>
+      </p:nvGrpSpPr>
+      <p:grpSpPr>
+        <a:xfrm>
+          <a:off x="0" y="0"/>
+          <a:ext cx="0" cy="0"/>
+          <a:chOff x="0" y="0"/>
+          <a:chExt cx="0" cy="0"/>
+        </a:xfrm>
+      </p:grpSpPr>
+      <p:sp>
+        <p:nvSpPr>
+          <p:cNvPr id="2" name="Content Placeholder 1"/>
+          <p:cNvSpPr>
+            <a:spLocks noGrp="1"/>
+          </p:cNvSpPr>
+          <p:nvPr>
+            <p:ph idx="1"/>
+          </p:nvPr>
+        </p:nvSpPr>
+        <p:spPr/>
+        <p:txBody>
+          <a:bodyPr/>
+          <a:lstStyle/>
+          <a:p>
+            <a:r>
+              <a:rPr lang="en-US" dirty="0"/>
+              <a:t>Lectures by Mr. Mohammad </a:t>
+            </a:r>
+            <a:r>
+              <a:rPr lang="en-US" dirty="0" err="1"/>
+              <a:t>Asad</a:t>
+            </a:r>
+            <a:r>
+              <a:rPr lang="en-US" dirty="0"/>
+              <a:t> </a:t>
+            </a:r>
+            <a:r>
+              <a:rPr lang="en-US" dirty="0" err="1"/>
+              <a:t>Abbasi</a:t>
+            </a:r>
+            <a:endParaRPr lang="en-US" dirty="0"/>
+          </a:p>
+        </p:txBody>
+      </p:sp>
+      <p:sp>
+        <p:nvSpPr>
+          <p:cNvPr id="3" name="Slide Number Placeholder 2"/>
+          <p:cNvSpPr>
+            <a:spLocks noGrp="1"/>
+          </p:cNvSpPr>
+          <p:nvPr>
+            <p:ph type="sldNum" sz="quarter" idx="12"/>
+          </p:nvPr>
+        </p:nvSpPr>
+        <p:spPr/>
+        <p:txBody>
+          <a:bodyPr/>
+          <a:lstStyle/>
+          <a:p>
+            <a:fld id="{B6F15528-21DE-4FAA-801E-634DDDAF4B2B}" type="slidenum">
+              <a:rPr lang="en-US" smtClean="0"/>
+              <a:pPr/>
+              <a:t>48</a:t>
+            </a:fld>
+            <a:endParaRPr lang="en-US"/>
+          </a:p>
+        </p:txBody>
+      </p:sp>
+      <p:sp>
+        <p:nvSpPr>
+          <p:cNvPr id="4" name="Title 3"/>
+          <p:cNvSpPr>
+            <a:spLocks noGrp="1"/>
+          </p:cNvSpPr>
+          <p:nvPr>
+            <p:ph type="title"/>
+          </p:nvPr>
+        </p:nvSpPr>
+        <p:spPr/>
+        <p:txBody>
+          <a:bodyPr/>
+          <a:lstStyle/>
+          <a:p>
+            <a:r>
+              <a:rPr lang="en-US" dirty="0"/>
               <a:t>Sources used</a:t>
             </a:r>
-            <a:endParaRPr lang="en-US" dirty="0"/>
           </a:p>
         </p:txBody>
       </p:sp>
@@ -27155,7 +26349,7 @@
               <a:rPr lang="en-US" dirty="0"/>
               <a:t>Node structure</a:t>
             </a:r>
-            <a:endParaRPr lang="en-US" altLang="ko-KR" dirty="0" smtClean="0"/>
+            <a:endParaRPr lang="en-US" altLang="ko-KR" dirty="0"/>
           </a:p>
         </p:txBody>
       </p:sp>
@@ -27199,21 +26393,6 @@
   <p:clrMapOvr>
     <a:masterClrMapping/>
   </p:clrMapOvr>
-  <mc:AlternateContent xmlns:mc="http://schemas.openxmlformats.org/markup-compatibility/2006" xmlns:p14="http://schemas.microsoft.com/office/powerpoint/2010/main">
-    <mc:Choice Requires="p14">
-      <p:transition p14:dur="0"/>
-    </mc:Choice>
-    <mc:Fallback xmlns="">
-      <p:transition/>
-    </mc:Fallback>
-  </mc:AlternateContent>
-  <p:timing>
-    <p:tnLst>
-      <p:par>
-        <p:cTn id="1" dur="indefinite" restart="never" nodeType="tmRoot"/>
-      </p:par>
-    </p:tnLst>
-  </p:timing>
 </p:sld>
 </file>
 
@@ -27395,11 +26574,7 @@
           <a:p>
             <a:r>
               <a:rPr lang="en-US"/>
-              <a:t>Node </a:t>
-            </a:r>
-            <a:r>
-              <a:rPr lang="en-US" smtClean="0"/>
-              <a:t>structure</a:t>
+              <a:t>Node structure</a:t>
             </a:r>
             <a:endParaRPr lang="en-US" dirty="0"/>
           </a:p>
@@ -27461,7 +26636,7 @@
               <a:buNone/>
             </a:pPr>
             <a:r>
-              <a:rPr lang="en-US" sz="2900" dirty="0" smtClean="0"/>
+              <a:rPr lang="en-US" sz="2900" dirty="0"/>
               <a:t>class </a:t>
             </a:r>
             <a:r>
@@ -27479,15 +26654,7 @@
             </a:pPr>
             <a:r>
               <a:rPr lang="en-US" sz="2900" dirty="0"/>
-              <a:t>     </a:t>
-            </a:r>
-            <a:r>
-              <a:rPr lang="en-US" sz="2900" dirty="0" smtClean="0"/>
-              <a:t>// </a:t>
-            </a:r>
-            <a:r>
-              <a:rPr lang="en-US" sz="2900" dirty="0"/>
-              <a:t>Root of BST </a:t>
+              <a:t>     // Root of BST </a:t>
             </a:r>
           </a:p>
           <a:p>
@@ -27498,7 +26665,6 @@
               <a:rPr lang="en-US" sz="2900" dirty="0"/>
               <a:t>    Node root; </a:t>
             </a:r>
-            <a:endParaRPr lang="en-US" sz="2900" dirty="0" smtClean="0"/>
           </a:p>
           <a:p>
             <a:pPr marL="0" indent="0" fontAlgn="base">
@@ -27556,14 +26722,10 @@
             </a:pPr>
             <a:r>
               <a:rPr lang="en-US" sz="2900" dirty="0"/>
-              <a:t>  </a:t>
-            </a:r>
-            <a:r>
-              <a:rPr lang="en-US" sz="2900" dirty="0" smtClean="0"/>
-              <a:t>// other functions </a:t>
-            </a:r>
-            <a:r>
-              <a:rPr lang="mr-IN" sz="2900" dirty="0" smtClean="0"/>
+              <a:t>  // other functions </a:t>
+            </a:r>
+            <a:r>
+              <a:rPr lang="mr-IN" sz="2900" dirty="0"/>
               <a:t>…</a:t>
             </a:r>
             <a:endParaRPr lang="en-US" sz="2900" dirty="0"/>
@@ -27573,10 +26735,9 @@
               <a:buNone/>
             </a:pPr>
             <a:r>
-              <a:rPr lang="en-US" sz="2900" dirty="0" smtClean="0"/>
+              <a:rPr lang="en-US" sz="2900" dirty="0"/>
               <a:t>}</a:t>
             </a:r>
-            <a:endParaRPr lang="en-US" sz="2900" dirty="0"/>
           </a:p>
           <a:p>
             <a:endParaRPr lang="en-US" dirty="0"/>
@@ -27825,7 +26986,7 @@
               <a:rPr lang="en-US" b="1" dirty="0"/>
               <a:t>Operations</a:t>
             </a:r>
-            <a:endParaRPr lang="en-US" altLang="ko-KR" dirty="0" smtClean="0"/>
+            <a:endParaRPr lang="en-US" altLang="ko-KR" dirty="0"/>
           </a:p>
         </p:txBody>
       </p:sp>
@@ -27857,13 +27018,8 @@
             </a:pPr>
             <a:r>
               <a:rPr lang="en-US" sz="2200" dirty="0"/>
-              <a:t>There are 3 common </a:t>
-            </a:r>
-            <a:r>
-              <a:rPr lang="en-US" sz="2200" dirty="0" smtClean="0"/>
-              <a:t>operations:</a:t>
-            </a:r>
-            <a:endParaRPr lang="en-US" sz="2200" dirty="0"/>
+              <a:t>There are 3 common operations:</a:t>
+            </a:r>
           </a:p>
           <a:p>
             <a:pPr lvl="1">
@@ -27871,10 +27027,9 @@
               <a:buChar char="§"/>
             </a:pPr>
             <a:r>
-              <a:rPr lang="en-US" dirty="0" smtClean="0"/>
+              <a:rPr lang="en-US" dirty="0"/>
               <a:t>INSERT</a:t>
             </a:r>
-            <a:endParaRPr lang="en-US" dirty="0"/>
           </a:p>
           <a:p>
             <a:pPr lvl="1">
@@ -27882,10 +27037,9 @@
               <a:buChar char="§"/>
             </a:pPr>
             <a:r>
-              <a:rPr lang="en-US" dirty="0" smtClean="0"/>
+              <a:rPr lang="en-US" dirty="0"/>
               <a:t>QUERY</a:t>
             </a:r>
-            <a:endParaRPr lang="en-US" dirty="0"/>
           </a:p>
           <a:p>
             <a:pPr lvl="1">
@@ -27893,10 +27047,10 @@
               <a:buChar char="§"/>
             </a:pPr>
             <a:r>
-              <a:rPr lang="en-US" dirty="0" smtClean="0"/>
+              <a:rPr lang="en-US" dirty="0"/>
               <a:t>DELETE</a:t>
             </a:r>
-            <a:endParaRPr lang="en-US" altLang="ko-KR" dirty="0" smtClean="0"/>
+            <a:endParaRPr lang="en-US" altLang="ko-KR" dirty="0"/>
           </a:p>
         </p:txBody>
       </p:sp>
@@ -27910,21 +27064,6 @@
   <p:clrMapOvr>
     <a:masterClrMapping/>
   </p:clrMapOvr>
-  <mc:AlternateContent xmlns:mc="http://schemas.openxmlformats.org/markup-compatibility/2006" xmlns:p14="http://schemas.microsoft.com/office/powerpoint/2010/main">
-    <mc:Choice Requires="p14">
-      <p:transition p14:dur="0"/>
-    </mc:Choice>
-    <mc:Fallback xmlns="">
-      <p:transition/>
-    </mc:Fallback>
-  </mc:AlternateContent>
-  <p:timing>
-    <p:tnLst>
-      <p:par>
-        <p:cTn id="1" dur="indefinite" restart="never" nodeType="tmRoot"/>
-      </p:par>
-    </p:tnLst>
-  </p:timing>
 </p:sld>
 </file>
 
@@ -28105,7 +27244,7 @@
               <a:rPr lang="en-US" b="1" dirty="0"/>
               <a:t>Operation - Insert</a:t>
             </a:r>
-            <a:endParaRPr lang="en-US" altLang="ko-KR" dirty="0" smtClean="0"/>
+            <a:endParaRPr lang="en-US" altLang="ko-KR" dirty="0"/>
           </a:p>
         </p:txBody>
       </p:sp>
@@ -28144,7 +27283,7 @@
               <a:t>T,z</a:t>
             </a:r>
             <a:r>
-              <a:rPr lang="en-US" sz="2200" dirty="0" smtClean="0"/>
+              <a:rPr lang="en-US" sz="2200" dirty="0"/>
               <a:t>)</a:t>
             </a:r>
           </a:p>
@@ -28161,12 +27300,8 @@
               <a:buChar char="§"/>
             </a:pPr>
             <a:r>
-              <a:rPr lang="en-US" sz="2000" dirty="0" smtClean="0"/>
-              <a:t>Insert </a:t>
-            </a:r>
-            <a:r>
               <a:rPr lang="en-US" sz="2000" dirty="0"/>
-              <a:t>a node with KEY=z into BST T</a:t>
+              <a:t>Insert a node with KEY=z into BST T</a:t>
             </a:r>
           </a:p>
           <a:p>
@@ -28175,14 +27310,10 @@
               <a:buChar char="§"/>
             </a:pPr>
             <a:r>
-              <a:rPr lang="en-US" sz="2000" dirty="0" smtClean="0"/>
-              <a:t>Time </a:t>
-            </a:r>
-            <a:r>
               <a:rPr lang="en-US" sz="2000" dirty="0"/>
-              <a:t>complexity: O(h)</a:t>
-            </a:r>
-            <a:endParaRPr lang="en-US" altLang="ko-KR" sz="2000" dirty="0" smtClean="0"/>
+              <a:t>Time complexity: O(h)</a:t>
+            </a:r>
+            <a:endParaRPr lang="en-US" altLang="ko-KR" sz="2000" dirty="0"/>
           </a:p>
         </p:txBody>
       </p:sp>
@@ -28196,21 +27327,6 @@
   <p:clrMapOvr>
     <a:masterClrMapping/>
   </p:clrMapOvr>
-  <mc:AlternateContent xmlns:mc="http://schemas.openxmlformats.org/markup-compatibility/2006" xmlns:p14="http://schemas.microsoft.com/office/powerpoint/2010/main">
-    <mc:Choice Requires="p14">
-      <p:transition p14:dur="0"/>
-    </mc:Choice>
-    <mc:Fallback xmlns="">
-      <p:transition/>
-    </mc:Fallback>
-  </mc:AlternateContent>
-  <p:timing>
-    <p:tnLst>
-      <p:par>
-        <p:cTn id="1" dur="indefinite" restart="never" nodeType="tmRoot"/>
-      </p:par>
-    </p:tnLst>
-  </p:timing>
 </p:sld>
 </file>
 
